--- a/Recap/RecapPP.pptx
+++ b/Recap/RecapPP.pptx
@@ -13,6 +13,12 @@
     <p:sldId id="262" r:id="rId7"/>
     <p:sldId id="263" r:id="rId8"/>
     <p:sldId id="264" r:id="rId9"/>
+    <p:sldId id="265" r:id="rId10"/>
+    <p:sldId id="266" r:id="rId11"/>
+    <p:sldId id="267" r:id="rId12"/>
+    <p:sldId id="268" r:id="rId13"/>
+    <p:sldId id="269" r:id="rId14"/>
+    <p:sldId id="270" r:id="rId15"/>
   </p:sldIdLst>
   <p:sldSz cx="12192000" cy="6858000"/>
   <p:notesSz cx="6858000" cy="9144000"/>
@@ -111,6 +117,11 @@
       </a:defRPr>
     </a:lvl9pPr>
   </p:defaultTextStyle>
+  <p:extLst>
+    <p:ext uri="{EFAFB233-063F-42B5-8137-9DF3F51BA10A}">
+      <p15:sldGuideLst xmlns:p15="http://schemas.microsoft.com/office/powerpoint/2012/main"/>
+    </p:ext>
+  </p:extLst>
 </p:presentation>
 </file>
 
@@ -3125,6 +3136,1073 @@
 </p:sld>
 </file>
 
+<file path=ppt/slides/slide10.xml><?xml version="1.0" encoding="utf-8"?>
+<p:sld xmlns:a="http://schemas.openxmlformats.org/drawingml/2006/main" xmlns:r="http://schemas.openxmlformats.org/officeDocument/2006/relationships" xmlns:p="http://schemas.openxmlformats.org/presentationml/2006/main">
+  <p:cSld>
+    <p:spTree>
+      <p:nvGrpSpPr>
+        <p:cNvPr id="1" name=""/>
+        <p:cNvGrpSpPr/>
+        <p:nvPr/>
+      </p:nvGrpSpPr>
+      <p:grpSpPr>
+        <a:xfrm>
+          <a:off x="0" y="0"/>
+          <a:ext cx="0" cy="0"/>
+          <a:chOff x="0" y="0"/>
+          <a:chExt cx="0" cy="0"/>
+        </a:xfrm>
+      </p:grpSpPr>
+      <p:sp>
+        <p:nvSpPr>
+          <p:cNvPr id="2" name="Titel 1"/>
+          <p:cNvSpPr>
+            <a:spLocks noGrp="1"/>
+          </p:cNvSpPr>
+          <p:nvPr>
+            <p:ph type="title"/>
+          </p:nvPr>
+        </p:nvSpPr>
+        <p:spPr>
+          <a:xfrm>
+            <a:off x="838200" y="365125"/>
+            <a:ext cx="10515600" cy="839207"/>
+          </a:xfrm>
+        </p:spPr>
+        <p:txBody>
+          <a:bodyPr/>
+          <a:lstStyle/>
+          <a:p>
+            <a:r>
+              <a:rPr lang="de-DE" dirty="0" err="1" smtClean="0"/>
+              <a:t>Semaphores</a:t>
+            </a:r>
+            <a:endParaRPr lang="de-DE" dirty="0"/>
+          </a:p>
+        </p:txBody>
+      </p:sp>
+      <p:sp>
+        <p:nvSpPr>
+          <p:cNvPr id="3" name="Inhaltsplatzhalter 2"/>
+          <p:cNvSpPr>
+            <a:spLocks noGrp="1"/>
+          </p:cNvSpPr>
+          <p:nvPr>
+            <p:ph idx="1"/>
+          </p:nvPr>
+        </p:nvSpPr>
+        <p:spPr>
+          <a:xfrm>
+            <a:off x="838200" y="1204332"/>
+            <a:ext cx="10515600" cy="4351338"/>
+          </a:xfrm>
+        </p:spPr>
+        <p:txBody>
+          <a:bodyPr/>
+          <a:lstStyle/>
+          <a:p>
+            <a:r>
+              <a:rPr lang="de-DE" dirty="0" err="1" smtClean="0"/>
+              <a:t>Snychronize</a:t>
+            </a:r>
+            <a:r>
+              <a:rPr lang="de-DE" dirty="0" smtClean="0"/>
+              <a:t> Tasks / </a:t>
+            </a:r>
+            <a:r>
+              <a:rPr lang="de-DE" dirty="0" err="1" smtClean="0"/>
+              <a:t>Notify</a:t>
+            </a:r>
+            <a:r>
+              <a:rPr lang="de-DE" dirty="0" smtClean="0"/>
+              <a:t> </a:t>
+            </a:r>
+            <a:r>
+              <a:rPr lang="de-DE" dirty="0" err="1" smtClean="0"/>
+              <a:t>that</a:t>
+            </a:r>
+            <a:r>
+              <a:rPr lang="de-DE" dirty="0" smtClean="0"/>
+              <a:t> </a:t>
+            </a:r>
+            <a:r>
+              <a:rPr lang="de-DE" dirty="0" err="1" smtClean="0"/>
+              <a:t>events</a:t>
+            </a:r>
+            <a:r>
+              <a:rPr lang="de-DE" dirty="0" smtClean="0"/>
+              <a:t> </a:t>
+            </a:r>
+            <a:r>
+              <a:rPr lang="de-DE" dirty="0" err="1" smtClean="0"/>
+              <a:t>have</a:t>
+            </a:r>
+            <a:r>
+              <a:rPr lang="de-DE" dirty="0" smtClean="0"/>
+              <a:t> </a:t>
+            </a:r>
+            <a:r>
+              <a:rPr lang="de-DE" dirty="0" err="1" smtClean="0"/>
+              <a:t>occurred</a:t>
+            </a:r>
+            <a:endParaRPr lang="de-DE" dirty="0"/>
+          </a:p>
+        </p:txBody>
+      </p:sp>
+      <p:pic>
+        <p:nvPicPr>
+          <p:cNvPr id="5" name="Bild 4"/>
+          <p:cNvPicPr>
+            <a:picLocks noChangeAspect="1"/>
+          </p:cNvPicPr>
+          <p:nvPr/>
+        </p:nvPicPr>
+        <p:blipFill>
+          <a:blip r:embed="rId2"/>
+          <a:stretch>
+            <a:fillRect/>
+          </a:stretch>
+        </p:blipFill>
+        <p:spPr>
+          <a:xfrm>
+            <a:off x="5778500" y="2458780"/>
+            <a:ext cx="5575300" cy="3733800"/>
+          </a:xfrm>
+          <a:prstGeom prst="rect">
+            <a:avLst/>
+          </a:prstGeom>
+        </p:spPr>
+      </p:pic>
+      <p:sp>
+        <p:nvSpPr>
+          <p:cNvPr id="6" name="Textfeld 5"/>
+          <p:cNvSpPr txBox="1"/>
+          <p:nvPr/>
+        </p:nvSpPr>
+        <p:spPr>
+          <a:xfrm>
+            <a:off x="838200" y="1841242"/>
+            <a:ext cx="4940300" cy="5139869"/>
+          </a:xfrm>
+          <a:prstGeom prst="rect">
+            <a:avLst/>
+          </a:prstGeom>
+          <a:noFill/>
+        </p:spPr>
+        <p:txBody>
+          <a:bodyPr wrap="square" rtlCol="0">
+            <a:spAutoFit/>
+          </a:bodyPr>
+          <a:lstStyle/>
+          <a:p>
+            <a:r>
+              <a:rPr lang="de-DE" sz="2400" dirty="0" smtClean="0"/>
+              <a:t>#</a:t>
+            </a:r>
+            <a:r>
+              <a:rPr lang="de-DE" sz="2400" dirty="0" err="1" smtClean="0"/>
+              <a:t>include</a:t>
+            </a:r>
+            <a:r>
+              <a:rPr lang="de-DE" sz="2400" dirty="0" smtClean="0"/>
+              <a:t> „</a:t>
+            </a:r>
+            <a:r>
+              <a:rPr lang="de-DE" sz="2400" dirty="0" err="1" smtClean="0"/>
+              <a:t>semphr.h</a:t>
+            </a:r>
+            <a:r>
+              <a:rPr lang="de-DE" sz="2400" dirty="0" smtClean="0"/>
+              <a:t>“</a:t>
+            </a:r>
+          </a:p>
+          <a:p>
+            <a:endParaRPr lang="de-DE" sz="2400" b="1" dirty="0" smtClean="0"/>
+          </a:p>
+          <a:p>
+            <a:r>
+              <a:rPr lang="de-DE" sz="2000" dirty="0" err="1" smtClean="0"/>
+              <a:t>SemaphoreHandle_t</a:t>
+            </a:r>
+            <a:r>
+              <a:rPr lang="de-DE" sz="2000" dirty="0" smtClean="0"/>
+              <a:t> = </a:t>
+            </a:r>
+            <a:r>
+              <a:rPr lang="de-DE" sz="2000" dirty="0" err="1" smtClean="0"/>
+              <a:t>LEDSemaphore</a:t>
+            </a:r>
+            <a:r>
+              <a:rPr lang="de-DE" sz="2000" dirty="0" smtClean="0"/>
+              <a:t>;</a:t>
+            </a:r>
+          </a:p>
+          <a:p>
+            <a:endParaRPr lang="de-DE" sz="2400" b="1" dirty="0" smtClean="0"/>
+          </a:p>
+          <a:p>
+            <a:r>
+              <a:rPr lang="de-DE" sz="2000" dirty="0" err="1" smtClean="0"/>
+              <a:t>LEDSemaphore</a:t>
+            </a:r>
+            <a:r>
+              <a:rPr lang="de-DE" sz="2000" dirty="0" smtClean="0"/>
+              <a:t> = </a:t>
+            </a:r>
+            <a:r>
+              <a:rPr lang="de-DE" sz="2000" dirty="0" err="1" smtClean="0"/>
+              <a:t>xSemaphoreCreateBinary</a:t>
+            </a:r>
+            <a:r>
+              <a:rPr lang="de-DE" sz="2000" dirty="0" smtClean="0"/>
+              <a:t>();</a:t>
+            </a:r>
+          </a:p>
+          <a:p>
+            <a:r>
+              <a:rPr lang="de-DE" sz="2000" dirty="0" err="1" smtClean="0"/>
+              <a:t>or</a:t>
+            </a:r>
+            <a:endParaRPr lang="de-DE" sz="2000" dirty="0" smtClean="0"/>
+          </a:p>
+          <a:p>
+            <a:r>
+              <a:rPr lang="de-DE" sz="2000" dirty="0" err="1" smtClean="0"/>
+              <a:t>xSemaphoreCreateCounting</a:t>
+            </a:r>
+            <a:r>
+              <a:rPr lang="de-DE" sz="2000" dirty="0" smtClean="0"/>
+              <a:t>();</a:t>
+            </a:r>
+            <a:endParaRPr lang="de-DE" sz="2000" dirty="0"/>
+          </a:p>
+          <a:p>
+            <a:endParaRPr lang="de-DE" sz="2000" dirty="0" smtClean="0"/>
+          </a:p>
+          <a:p>
+            <a:endParaRPr lang="de-DE" sz="2000" dirty="0" smtClean="0"/>
+          </a:p>
+          <a:p>
+            <a:r>
+              <a:rPr lang="de-DE" sz="2000" dirty="0" err="1" smtClean="0"/>
+              <a:t>xSemaphoreGive</a:t>
+            </a:r>
+            <a:r>
+              <a:rPr lang="de-DE" sz="2000" dirty="0" smtClean="0"/>
+              <a:t>( </a:t>
+            </a:r>
+            <a:r>
+              <a:rPr lang="de-DE" sz="2000" dirty="0" err="1" smtClean="0"/>
+              <a:t>LEDSemaphore</a:t>
+            </a:r>
+            <a:r>
+              <a:rPr lang="de-DE" sz="2000" dirty="0" smtClean="0"/>
+              <a:t> );</a:t>
+            </a:r>
+          </a:p>
+          <a:p>
+            <a:endParaRPr lang="de-DE" sz="2000" dirty="0" smtClean="0"/>
+          </a:p>
+          <a:p>
+            <a:endParaRPr lang="de-DE" sz="2000" dirty="0" smtClean="0"/>
+          </a:p>
+          <a:p>
+            <a:r>
+              <a:rPr lang="de-DE" sz="2000" dirty="0" err="1" smtClean="0"/>
+              <a:t>xSemaphoreTake</a:t>
+            </a:r>
+            <a:r>
+              <a:rPr lang="de-DE" sz="2000" dirty="0" smtClean="0"/>
+              <a:t>( </a:t>
+            </a:r>
+            <a:r>
+              <a:rPr lang="de-DE" sz="2000" dirty="0" err="1" smtClean="0"/>
+              <a:t>LEDSemaphore</a:t>
+            </a:r>
+            <a:r>
+              <a:rPr lang="de-DE" sz="2000" dirty="0" smtClean="0"/>
+              <a:t> );</a:t>
+            </a:r>
+            <a:endParaRPr lang="de-DE" sz="2000" dirty="0"/>
+          </a:p>
+          <a:p>
+            <a:endParaRPr lang="de-DE" sz="2000" dirty="0" smtClean="0"/>
+          </a:p>
+          <a:p>
+            <a:endParaRPr lang="de-DE" dirty="0"/>
+          </a:p>
+          <a:p>
+            <a:endParaRPr lang="de-DE" dirty="0"/>
+          </a:p>
+        </p:txBody>
+      </p:sp>
+    </p:spTree>
+    <p:extLst>
+      <p:ext uri="{BB962C8B-B14F-4D97-AF65-F5344CB8AC3E}">
+        <p14:creationId xmlns:p14="http://schemas.microsoft.com/office/powerpoint/2010/main" val="466513566"/>
+      </p:ext>
+    </p:extLst>
+  </p:cSld>
+  <p:clrMapOvr>
+    <a:masterClrMapping/>
+  </p:clrMapOvr>
+</p:sld>
+</file>
+
+<file path=ppt/slides/slide11.xml><?xml version="1.0" encoding="utf-8"?>
+<p:sld xmlns:a="http://schemas.openxmlformats.org/drawingml/2006/main" xmlns:r="http://schemas.openxmlformats.org/officeDocument/2006/relationships" xmlns:p="http://schemas.openxmlformats.org/presentationml/2006/main">
+  <p:cSld>
+    <p:spTree>
+      <p:nvGrpSpPr>
+        <p:cNvPr id="1" name=""/>
+        <p:cNvGrpSpPr/>
+        <p:nvPr/>
+      </p:nvGrpSpPr>
+      <p:grpSpPr>
+        <a:xfrm>
+          <a:off x="0" y="0"/>
+          <a:ext cx="0" cy="0"/>
+          <a:chOff x="0" y="0"/>
+          <a:chExt cx="0" cy="0"/>
+        </a:xfrm>
+      </p:grpSpPr>
+      <p:sp>
+        <p:nvSpPr>
+          <p:cNvPr id="2" name="Titel 1"/>
+          <p:cNvSpPr>
+            <a:spLocks noGrp="1"/>
+          </p:cNvSpPr>
+          <p:nvPr>
+            <p:ph type="title"/>
+          </p:nvPr>
+        </p:nvSpPr>
+        <p:spPr/>
+        <p:txBody>
+          <a:bodyPr/>
+          <a:lstStyle/>
+          <a:p>
+            <a:r>
+              <a:rPr lang="de-DE" dirty="0" err="1" smtClean="0"/>
+              <a:t>Mutex</a:t>
+            </a:r>
+            <a:endParaRPr lang="de-DE" dirty="0"/>
+          </a:p>
+        </p:txBody>
+      </p:sp>
+      <p:pic>
+        <p:nvPicPr>
+          <p:cNvPr id="4" name="Inhaltsplatzhalter 3"/>
+          <p:cNvPicPr>
+            <a:picLocks noGrp="1" noChangeAspect="1"/>
+          </p:cNvPicPr>
+          <p:nvPr>
+            <p:ph idx="1"/>
+          </p:nvPr>
+        </p:nvPicPr>
+        <p:blipFill>
+          <a:blip r:embed="rId2"/>
+          <a:stretch>
+            <a:fillRect/>
+          </a:stretch>
+        </p:blipFill>
+        <p:spPr>
+          <a:xfrm>
+            <a:off x="838200" y="1690688"/>
+            <a:ext cx="3457762" cy="2795251"/>
+          </a:xfrm>
+          <a:prstGeom prst="rect">
+            <a:avLst/>
+          </a:prstGeom>
+        </p:spPr>
+      </p:pic>
+      <p:pic>
+        <p:nvPicPr>
+          <p:cNvPr id="5" name="Bild 4"/>
+          <p:cNvPicPr>
+            <a:picLocks noChangeAspect="1"/>
+          </p:cNvPicPr>
+          <p:nvPr/>
+        </p:nvPicPr>
+        <p:blipFill>
+          <a:blip r:embed="rId3"/>
+          <a:stretch>
+            <a:fillRect/>
+          </a:stretch>
+        </p:blipFill>
+        <p:spPr>
+          <a:xfrm>
+            <a:off x="4484581" y="1690688"/>
+            <a:ext cx="3352474" cy="2795251"/>
+          </a:xfrm>
+          <a:prstGeom prst="rect">
+            <a:avLst/>
+          </a:prstGeom>
+        </p:spPr>
+      </p:pic>
+      <p:pic>
+        <p:nvPicPr>
+          <p:cNvPr id="6" name="Bild 5"/>
+          <p:cNvPicPr>
+            <a:picLocks noChangeAspect="1"/>
+          </p:cNvPicPr>
+          <p:nvPr/>
+        </p:nvPicPr>
+        <p:blipFill>
+          <a:blip r:embed="rId4"/>
+          <a:stretch>
+            <a:fillRect/>
+          </a:stretch>
+        </p:blipFill>
+        <p:spPr>
+          <a:xfrm>
+            <a:off x="8025675" y="1690688"/>
+            <a:ext cx="3328125" cy="2795251"/>
+          </a:xfrm>
+          <a:prstGeom prst="rect">
+            <a:avLst/>
+          </a:prstGeom>
+        </p:spPr>
+      </p:pic>
+    </p:spTree>
+    <p:extLst>
+      <p:ext uri="{BB962C8B-B14F-4D97-AF65-F5344CB8AC3E}">
+        <p14:creationId xmlns:p14="http://schemas.microsoft.com/office/powerpoint/2010/main" val="1268338659"/>
+      </p:ext>
+    </p:extLst>
+  </p:cSld>
+  <p:clrMapOvr>
+    <a:masterClrMapping/>
+  </p:clrMapOvr>
+</p:sld>
+</file>
+
+<file path=ppt/slides/slide12.xml><?xml version="1.0" encoding="utf-8"?>
+<p:sld xmlns:a="http://schemas.openxmlformats.org/drawingml/2006/main" xmlns:r="http://schemas.openxmlformats.org/officeDocument/2006/relationships" xmlns:p="http://schemas.openxmlformats.org/presentationml/2006/main">
+  <p:cSld>
+    <p:spTree>
+      <p:nvGrpSpPr>
+        <p:cNvPr id="1" name=""/>
+        <p:cNvGrpSpPr/>
+        <p:nvPr/>
+      </p:nvGrpSpPr>
+      <p:grpSpPr>
+        <a:xfrm>
+          <a:off x="0" y="0"/>
+          <a:ext cx="0" cy="0"/>
+          <a:chOff x="0" y="0"/>
+          <a:chExt cx="0" cy="0"/>
+        </a:xfrm>
+      </p:grpSpPr>
+      <p:sp>
+        <p:nvSpPr>
+          <p:cNvPr id="2" name="Titel 1"/>
+          <p:cNvSpPr>
+            <a:spLocks noGrp="1"/>
+          </p:cNvSpPr>
+          <p:nvPr>
+            <p:ph type="title"/>
+          </p:nvPr>
+        </p:nvSpPr>
+        <p:spPr/>
+        <p:txBody>
+          <a:bodyPr/>
+          <a:lstStyle/>
+          <a:p>
+            <a:r>
+              <a:rPr lang="de-DE" dirty="0" err="1" smtClean="0"/>
+              <a:t>Mutex</a:t>
+            </a:r>
+            <a:endParaRPr lang="de-DE" dirty="0"/>
+          </a:p>
+        </p:txBody>
+      </p:sp>
+      <p:sp>
+        <p:nvSpPr>
+          <p:cNvPr id="3" name="Inhaltsplatzhalter 2"/>
+          <p:cNvSpPr>
+            <a:spLocks noGrp="1"/>
+          </p:cNvSpPr>
+          <p:nvPr>
+            <p:ph idx="1"/>
+          </p:nvPr>
+        </p:nvSpPr>
+        <p:spPr>
+          <a:xfrm>
+            <a:off x="838200" y="1509142"/>
+            <a:ext cx="10515600" cy="498027"/>
+          </a:xfrm>
+        </p:spPr>
+        <p:txBody>
+          <a:bodyPr/>
+          <a:lstStyle/>
+          <a:p>
+            <a:r>
+              <a:rPr lang="de-DE" dirty="0" err="1" smtClean="0"/>
+              <a:t>Creating</a:t>
+            </a:r>
+            <a:r>
+              <a:rPr lang="de-DE" dirty="0" smtClean="0"/>
+              <a:t> </a:t>
+            </a:r>
+            <a:r>
+              <a:rPr lang="de-DE" dirty="0" err="1" smtClean="0"/>
+              <a:t>is</a:t>
+            </a:r>
+            <a:r>
+              <a:rPr lang="de-DE" dirty="0" smtClean="0"/>
+              <a:t> </a:t>
+            </a:r>
+            <a:r>
+              <a:rPr lang="de-DE" dirty="0" err="1" smtClean="0"/>
+              <a:t>similar</a:t>
+            </a:r>
+            <a:r>
+              <a:rPr lang="de-DE" dirty="0" smtClean="0"/>
+              <a:t> </a:t>
+            </a:r>
+            <a:r>
+              <a:rPr lang="de-DE" dirty="0" err="1" smtClean="0"/>
+              <a:t>to</a:t>
+            </a:r>
+            <a:r>
+              <a:rPr lang="de-DE" dirty="0" smtClean="0"/>
+              <a:t> </a:t>
+            </a:r>
+            <a:r>
+              <a:rPr lang="de-DE" dirty="0" err="1" smtClean="0"/>
+              <a:t>semaphore</a:t>
+            </a:r>
+            <a:endParaRPr lang="de-DE" dirty="0"/>
+          </a:p>
+          <a:p>
+            <a:endParaRPr lang="de-DE" dirty="0"/>
+          </a:p>
+        </p:txBody>
+      </p:sp>
+      <p:sp>
+        <p:nvSpPr>
+          <p:cNvPr id="4" name="Textfeld 3"/>
+          <p:cNvSpPr txBox="1"/>
+          <p:nvPr/>
+        </p:nvSpPr>
+        <p:spPr>
+          <a:xfrm>
+            <a:off x="925158" y="2096041"/>
+            <a:ext cx="6852621" cy="2862322"/>
+          </a:xfrm>
+          <a:prstGeom prst="rect">
+            <a:avLst/>
+          </a:prstGeom>
+          <a:noFill/>
+        </p:spPr>
+        <p:txBody>
+          <a:bodyPr wrap="square" rtlCol="0">
+            <a:spAutoFit/>
+          </a:bodyPr>
+          <a:lstStyle/>
+          <a:p>
+            <a:r>
+              <a:rPr lang="de-DE" dirty="0" smtClean="0"/>
+              <a:t>#</a:t>
+            </a:r>
+            <a:r>
+              <a:rPr lang="de-DE" dirty="0" err="1" smtClean="0"/>
+              <a:t>include</a:t>
+            </a:r>
+            <a:r>
+              <a:rPr lang="de-DE" dirty="0" smtClean="0"/>
+              <a:t> „</a:t>
+            </a:r>
+            <a:r>
+              <a:rPr lang="de-DE" dirty="0" err="1" smtClean="0"/>
+              <a:t>semphr.h</a:t>
+            </a:r>
+            <a:r>
+              <a:rPr lang="de-DE" dirty="0" smtClean="0"/>
+              <a:t>“</a:t>
+            </a:r>
+          </a:p>
+          <a:p>
+            <a:endParaRPr lang="de-DE" dirty="0"/>
+          </a:p>
+          <a:p>
+            <a:r>
+              <a:rPr lang="de-DE" dirty="0" err="1" smtClean="0"/>
+              <a:t>SemaphoreHandle_t</a:t>
+            </a:r>
+            <a:r>
+              <a:rPr lang="de-DE" dirty="0" smtClean="0"/>
+              <a:t> </a:t>
+            </a:r>
+            <a:r>
+              <a:rPr lang="de-DE" dirty="0" err="1" smtClean="0"/>
+              <a:t>LEDMutex</a:t>
+            </a:r>
+            <a:r>
+              <a:rPr lang="de-DE" dirty="0" smtClean="0"/>
+              <a:t>;</a:t>
+            </a:r>
+          </a:p>
+          <a:p>
+            <a:r>
+              <a:rPr lang="de-DE" dirty="0" err="1" smtClean="0"/>
+              <a:t>LEDMutex</a:t>
+            </a:r>
+            <a:r>
+              <a:rPr lang="de-DE" dirty="0" smtClean="0"/>
+              <a:t> = </a:t>
+            </a:r>
+            <a:r>
+              <a:rPr lang="de-DE" dirty="0" err="1" smtClean="0"/>
+              <a:t>xSemaphoreCreateMutex</a:t>
+            </a:r>
+            <a:r>
+              <a:rPr lang="de-DE" dirty="0" smtClean="0"/>
+              <a:t>();</a:t>
+            </a:r>
+            <a:endParaRPr lang="de-DE" dirty="0"/>
+          </a:p>
+          <a:p>
+            <a:endParaRPr lang="de-DE" dirty="0"/>
+          </a:p>
+          <a:p>
+            <a:endParaRPr lang="de-DE" dirty="0" smtClean="0"/>
+          </a:p>
+          <a:p>
+            <a:r>
+              <a:rPr lang="de-DE" dirty="0" err="1" smtClean="0"/>
+              <a:t>xSemaphoreTake</a:t>
+            </a:r>
+            <a:r>
+              <a:rPr lang="de-DE" dirty="0" smtClean="0"/>
+              <a:t>( </a:t>
+            </a:r>
+            <a:r>
+              <a:rPr lang="de-DE" dirty="0" err="1" smtClean="0"/>
+              <a:t>LEDMutex</a:t>
+            </a:r>
+            <a:r>
+              <a:rPr lang="de-DE" dirty="0" smtClean="0"/>
+              <a:t> );</a:t>
+            </a:r>
+          </a:p>
+          <a:p>
+            <a:endParaRPr lang="de-DE" dirty="0"/>
+          </a:p>
+          <a:p>
+            <a:r>
+              <a:rPr lang="de-DE" dirty="0" err="1" smtClean="0"/>
+              <a:t>xSemaphoreGive</a:t>
+            </a:r>
+            <a:r>
+              <a:rPr lang="de-DE" dirty="0" smtClean="0"/>
+              <a:t>( </a:t>
+            </a:r>
+            <a:r>
+              <a:rPr lang="de-DE" dirty="0" err="1" smtClean="0"/>
+              <a:t>LEDMutex</a:t>
+            </a:r>
+            <a:r>
+              <a:rPr lang="de-DE" dirty="0" smtClean="0"/>
+              <a:t> );</a:t>
+            </a:r>
+            <a:endParaRPr lang="de-DE" dirty="0"/>
+          </a:p>
+          <a:p>
+            <a:endParaRPr lang="de-DE" dirty="0" smtClean="0"/>
+          </a:p>
+        </p:txBody>
+      </p:sp>
+    </p:spTree>
+    <p:extLst>
+      <p:ext uri="{BB962C8B-B14F-4D97-AF65-F5344CB8AC3E}">
+        <p14:creationId xmlns:p14="http://schemas.microsoft.com/office/powerpoint/2010/main" val="326743914"/>
+      </p:ext>
+    </p:extLst>
+  </p:cSld>
+  <p:clrMapOvr>
+    <a:masterClrMapping/>
+  </p:clrMapOvr>
+</p:sld>
+</file>
+
+<file path=ppt/slides/slide13.xml><?xml version="1.0" encoding="utf-8"?>
+<p:sld xmlns:a="http://schemas.openxmlformats.org/drawingml/2006/main" xmlns:r="http://schemas.openxmlformats.org/officeDocument/2006/relationships" xmlns:p="http://schemas.openxmlformats.org/presentationml/2006/main">
+  <p:cSld>
+    <p:spTree>
+      <p:nvGrpSpPr>
+        <p:cNvPr id="1" name=""/>
+        <p:cNvGrpSpPr/>
+        <p:nvPr/>
+      </p:nvGrpSpPr>
+      <p:grpSpPr>
+        <a:xfrm>
+          <a:off x="0" y="0"/>
+          <a:ext cx="0" cy="0"/>
+          <a:chOff x="0" y="0"/>
+          <a:chExt cx="0" cy="0"/>
+        </a:xfrm>
+      </p:grpSpPr>
+      <p:sp>
+        <p:nvSpPr>
+          <p:cNvPr id="2" name="Titel 1"/>
+          <p:cNvSpPr>
+            <a:spLocks noGrp="1"/>
+          </p:cNvSpPr>
+          <p:nvPr>
+            <p:ph type="title"/>
+          </p:nvPr>
+        </p:nvSpPr>
+        <p:spPr/>
+        <p:txBody>
+          <a:bodyPr/>
+          <a:lstStyle/>
+          <a:p>
+            <a:r>
+              <a:rPr lang="de-DE" dirty="0" smtClean="0"/>
+              <a:t>Message Queue </a:t>
+            </a:r>
+            <a:r>
+              <a:rPr lang="de-DE" dirty="0" err="1" smtClean="0"/>
+              <a:t>Fundamentals</a:t>
+            </a:r>
+            <a:endParaRPr lang="de-DE" dirty="0"/>
+          </a:p>
+        </p:txBody>
+      </p:sp>
+      <p:sp>
+        <p:nvSpPr>
+          <p:cNvPr id="3" name="Inhaltsplatzhalter 2"/>
+          <p:cNvSpPr>
+            <a:spLocks noGrp="1"/>
+          </p:cNvSpPr>
+          <p:nvPr>
+            <p:ph idx="1"/>
+          </p:nvPr>
+        </p:nvSpPr>
+        <p:spPr/>
+        <p:txBody>
+          <a:bodyPr/>
+          <a:lstStyle/>
+          <a:p>
+            <a:r>
+              <a:rPr lang="de-DE" dirty="0" smtClean="0"/>
+              <a:t>Tasks </a:t>
+            </a:r>
+            <a:r>
+              <a:rPr lang="de-DE" dirty="0" err="1" smtClean="0"/>
+              <a:t>are</a:t>
+            </a:r>
+            <a:r>
+              <a:rPr lang="de-DE" dirty="0" smtClean="0"/>
+              <a:t> </a:t>
+            </a:r>
+            <a:r>
+              <a:rPr lang="de-DE" dirty="0" err="1" smtClean="0"/>
+              <a:t>able</a:t>
+            </a:r>
+            <a:r>
+              <a:rPr lang="de-DE" dirty="0" smtClean="0"/>
+              <a:t> </a:t>
+            </a:r>
+            <a:r>
+              <a:rPr lang="de-DE" dirty="0" err="1" smtClean="0"/>
+              <a:t>to</a:t>
+            </a:r>
+            <a:r>
+              <a:rPr lang="de-DE" dirty="0" smtClean="0"/>
+              <a:t> </a:t>
+            </a:r>
+            <a:r>
+              <a:rPr lang="de-DE" dirty="0" err="1" smtClean="0"/>
+              <a:t>interract</a:t>
+            </a:r>
+            <a:r>
+              <a:rPr lang="de-DE" dirty="0" smtClean="0"/>
+              <a:t> </a:t>
+            </a:r>
+            <a:r>
+              <a:rPr lang="de-DE" dirty="0" err="1" smtClean="0"/>
+              <a:t>with</a:t>
+            </a:r>
+            <a:r>
+              <a:rPr lang="de-DE" dirty="0" smtClean="0"/>
+              <a:t> </a:t>
+            </a:r>
+            <a:r>
+              <a:rPr lang="de-DE" dirty="0" err="1" smtClean="0"/>
+              <a:t>each</a:t>
+            </a:r>
+            <a:r>
+              <a:rPr lang="de-DE" dirty="0" smtClean="0"/>
+              <a:t> </a:t>
+            </a:r>
+            <a:r>
+              <a:rPr lang="de-DE" dirty="0" err="1" smtClean="0"/>
+              <a:t>other</a:t>
+            </a:r>
+            <a:endParaRPr lang="de-DE" dirty="0" smtClean="0"/>
+          </a:p>
+          <a:p>
+            <a:endParaRPr lang="de-DE" dirty="0"/>
+          </a:p>
+        </p:txBody>
+      </p:sp>
+      <p:pic>
+        <p:nvPicPr>
+          <p:cNvPr id="4" name="Bild 3"/>
+          <p:cNvPicPr>
+            <a:picLocks noChangeAspect="1"/>
+          </p:cNvPicPr>
+          <p:nvPr/>
+        </p:nvPicPr>
+        <p:blipFill>
+          <a:blip r:embed="rId2"/>
+          <a:stretch>
+            <a:fillRect/>
+          </a:stretch>
+        </p:blipFill>
+        <p:spPr>
+          <a:xfrm>
+            <a:off x="3282950" y="2374750"/>
+            <a:ext cx="5626100" cy="3657600"/>
+          </a:xfrm>
+          <a:prstGeom prst="rect">
+            <a:avLst/>
+          </a:prstGeom>
+        </p:spPr>
+      </p:pic>
+    </p:spTree>
+    <p:extLst>
+      <p:ext uri="{BB962C8B-B14F-4D97-AF65-F5344CB8AC3E}">
+        <p14:creationId xmlns:p14="http://schemas.microsoft.com/office/powerpoint/2010/main" val="688833860"/>
+      </p:ext>
+    </p:extLst>
+  </p:cSld>
+  <p:clrMapOvr>
+    <a:masterClrMapping/>
+  </p:clrMapOvr>
+</p:sld>
+</file>
+
+<file path=ppt/slides/slide14.xml><?xml version="1.0" encoding="utf-8"?>
+<p:sld xmlns:a="http://schemas.openxmlformats.org/drawingml/2006/main" xmlns:r="http://schemas.openxmlformats.org/officeDocument/2006/relationships" xmlns:p="http://schemas.openxmlformats.org/presentationml/2006/main">
+  <p:cSld>
+    <p:spTree>
+      <p:nvGrpSpPr>
+        <p:cNvPr id="1" name=""/>
+        <p:cNvGrpSpPr/>
+        <p:nvPr/>
+      </p:nvGrpSpPr>
+      <p:grpSpPr>
+        <a:xfrm>
+          <a:off x="0" y="0"/>
+          <a:ext cx="0" cy="0"/>
+          <a:chOff x="0" y="0"/>
+          <a:chExt cx="0" cy="0"/>
+        </a:xfrm>
+      </p:grpSpPr>
+      <p:sp>
+        <p:nvSpPr>
+          <p:cNvPr id="2" name="Titel 1"/>
+          <p:cNvSpPr>
+            <a:spLocks noGrp="1"/>
+          </p:cNvSpPr>
+          <p:nvPr>
+            <p:ph type="title"/>
+          </p:nvPr>
+        </p:nvSpPr>
+        <p:spPr/>
+        <p:txBody>
+          <a:bodyPr/>
+          <a:lstStyle/>
+          <a:p>
+            <a:r>
+              <a:rPr lang="de-DE" dirty="0" smtClean="0"/>
+              <a:t>Message Queue</a:t>
+            </a:r>
+            <a:endParaRPr lang="de-DE" dirty="0"/>
+          </a:p>
+        </p:txBody>
+      </p:sp>
+      <p:sp>
+        <p:nvSpPr>
+          <p:cNvPr id="4" name="Textfeld 3"/>
+          <p:cNvSpPr txBox="1"/>
+          <p:nvPr/>
+        </p:nvSpPr>
+        <p:spPr>
+          <a:xfrm>
+            <a:off x="838200" y="1484555"/>
+            <a:ext cx="10306722" cy="2862322"/>
+          </a:xfrm>
+          <a:prstGeom prst="rect">
+            <a:avLst/>
+          </a:prstGeom>
+          <a:noFill/>
+        </p:spPr>
+        <p:txBody>
+          <a:bodyPr wrap="square" rtlCol="0">
+            <a:spAutoFit/>
+          </a:bodyPr>
+          <a:lstStyle/>
+          <a:p>
+            <a:r>
+              <a:rPr lang="de-DE" dirty="0" smtClean="0"/>
+              <a:t>#</a:t>
+            </a:r>
+            <a:r>
+              <a:rPr lang="de-DE" dirty="0" err="1" smtClean="0"/>
+              <a:t>include</a:t>
+            </a:r>
+            <a:r>
+              <a:rPr lang="de-DE" dirty="0" smtClean="0"/>
+              <a:t> „</a:t>
+            </a:r>
+            <a:r>
+              <a:rPr lang="de-DE" dirty="0" err="1" smtClean="0"/>
+              <a:t>queue.h</a:t>
+            </a:r>
+            <a:r>
+              <a:rPr lang="de-DE" dirty="0" smtClean="0"/>
+              <a:t>“</a:t>
+            </a:r>
+          </a:p>
+          <a:p>
+            <a:endParaRPr lang="de-DE" dirty="0"/>
+          </a:p>
+          <a:p>
+            <a:r>
+              <a:rPr lang="de-DE" dirty="0" err="1" smtClean="0"/>
+              <a:t>QueueHandle_t</a:t>
+            </a:r>
+            <a:r>
+              <a:rPr lang="de-DE" dirty="0" smtClean="0"/>
+              <a:t> </a:t>
+            </a:r>
+            <a:r>
+              <a:rPr lang="de-DE" dirty="0" err="1"/>
+              <a:t>LEDQueue</a:t>
+            </a:r>
+            <a:r>
+              <a:rPr lang="de-DE" dirty="0" smtClean="0"/>
+              <a:t>;</a:t>
+            </a:r>
+          </a:p>
+          <a:p>
+            <a:endParaRPr lang="de-DE" dirty="0"/>
+          </a:p>
+          <a:p>
+            <a:r>
+              <a:rPr lang="de-DE" dirty="0" err="1" smtClean="0"/>
+              <a:t>LEDQueue</a:t>
+            </a:r>
+            <a:r>
+              <a:rPr lang="de-DE" dirty="0" smtClean="0"/>
+              <a:t> = </a:t>
+            </a:r>
+            <a:r>
+              <a:rPr lang="de-DE" dirty="0" err="1" smtClean="0"/>
+              <a:t>xQueueCreate</a:t>
+            </a:r>
+            <a:r>
+              <a:rPr lang="de-DE" dirty="0" smtClean="0"/>
+              <a:t>( MAX_ITEMS, </a:t>
+            </a:r>
+            <a:r>
+              <a:rPr lang="de-DE" dirty="0" err="1" smtClean="0"/>
+              <a:t>sizeof</a:t>
+            </a:r>
+            <a:r>
+              <a:rPr lang="de-DE" dirty="0" smtClean="0"/>
+              <a:t>(  </a:t>
+            </a:r>
+            <a:r>
+              <a:rPr lang="de-DE" dirty="0" err="1" smtClean="0"/>
+              <a:t>Message_t</a:t>
+            </a:r>
+            <a:r>
+              <a:rPr lang="de-DE" dirty="0" smtClean="0"/>
+              <a:t>* ) );</a:t>
+            </a:r>
+          </a:p>
+          <a:p>
+            <a:endParaRPr lang="de-DE" dirty="0"/>
+          </a:p>
+          <a:p>
+            <a:r>
+              <a:rPr lang="de-DE" dirty="0" err="1" smtClean="0"/>
+              <a:t>xQueueSend</a:t>
+            </a:r>
+            <a:r>
+              <a:rPr lang="de-DE" dirty="0" smtClean="0"/>
+              <a:t>( (</a:t>
+            </a:r>
+            <a:r>
+              <a:rPr lang="de-DE" dirty="0" err="1" smtClean="0"/>
+              <a:t>void</a:t>
+            </a:r>
+            <a:r>
+              <a:rPr lang="de-DE" dirty="0" smtClean="0"/>
+              <a:t> *)&amp;</a:t>
+            </a:r>
+            <a:r>
+              <a:rPr lang="de-DE" dirty="0" err="1" smtClean="0"/>
+              <a:t>MessagePtr</a:t>
+            </a:r>
+            <a:r>
+              <a:rPr lang="de-DE" dirty="0" smtClean="0"/>
+              <a:t> );</a:t>
+            </a:r>
+            <a:endParaRPr lang="de-DE" dirty="0"/>
+          </a:p>
+          <a:p>
+            <a:endParaRPr lang="de-DE" dirty="0" smtClean="0"/>
+          </a:p>
+          <a:p>
+            <a:r>
+              <a:rPr lang="de-DE" dirty="0" err="1" smtClean="0"/>
+              <a:t>xQueueReceive</a:t>
+            </a:r>
+            <a:r>
+              <a:rPr lang="de-DE" dirty="0" smtClean="0"/>
+              <a:t>( </a:t>
+            </a:r>
+            <a:r>
+              <a:rPr lang="de-DE" dirty="0" err="1" smtClean="0"/>
+              <a:t>LEDQueue</a:t>
+            </a:r>
+            <a:r>
+              <a:rPr lang="de-DE" dirty="0" smtClean="0"/>
+              <a:t> , &amp;(</a:t>
+            </a:r>
+            <a:r>
+              <a:rPr lang="de-DE" dirty="0" err="1" smtClean="0"/>
+              <a:t>MessagePtr</a:t>
+            </a:r>
+            <a:r>
+              <a:rPr lang="de-DE" dirty="0" smtClean="0"/>
+              <a:t>) );</a:t>
+            </a:r>
+          </a:p>
+          <a:p>
+            <a:endParaRPr lang="de-DE" dirty="0"/>
+          </a:p>
+        </p:txBody>
+      </p:sp>
+    </p:spTree>
+    <p:extLst>
+      <p:ext uri="{BB962C8B-B14F-4D97-AF65-F5344CB8AC3E}">
+        <p14:creationId xmlns:p14="http://schemas.microsoft.com/office/powerpoint/2010/main" val="1654245399"/>
+      </p:ext>
+    </p:extLst>
+  </p:cSld>
+  <p:clrMapOvr>
+    <a:masterClrMapping/>
+  </p:clrMapOvr>
+</p:sld>
+</file>
+
 <file path=ppt/slides/slide2.xml><?xml version="1.0" encoding="utf-8"?>
 <p:sld xmlns:a="http://schemas.openxmlformats.org/drawingml/2006/main" xmlns:r="http://schemas.openxmlformats.org/officeDocument/2006/relationships" xmlns:p="http://schemas.openxmlformats.org/presentationml/2006/main">
   <p:cSld>
@@ -3902,6 +4980,241 @@
     <p:extLst>
       <p:ext uri="{BB962C8B-B14F-4D97-AF65-F5344CB8AC3E}">
         <p14:creationId xmlns:p14="http://schemas.microsoft.com/office/powerpoint/2010/main" val="1162954258"/>
+      </p:ext>
+    </p:extLst>
+  </p:cSld>
+  <p:clrMapOvr>
+    <a:masterClrMapping/>
+  </p:clrMapOvr>
+</p:sld>
+</file>
+
+<file path=ppt/slides/slide9.xml><?xml version="1.0" encoding="utf-8"?>
+<p:sld xmlns:a="http://schemas.openxmlformats.org/drawingml/2006/main" xmlns:r="http://schemas.openxmlformats.org/officeDocument/2006/relationships" xmlns:p="http://schemas.openxmlformats.org/presentationml/2006/main">
+  <p:cSld>
+    <p:spTree>
+      <p:nvGrpSpPr>
+        <p:cNvPr id="1" name=""/>
+        <p:cNvGrpSpPr/>
+        <p:nvPr/>
+      </p:nvGrpSpPr>
+      <p:grpSpPr>
+        <a:xfrm>
+          <a:off x="0" y="0"/>
+          <a:ext cx="0" cy="0"/>
+          <a:chOff x="0" y="0"/>
+          <a:chExt cx="0" cy="0"/>
+        </a:xfrm>
+      </p:grpSpPr>
+      <p:sp>
+        <p:nvSpPr>
+          <p:cNvPr id="2" name="Titel 1"/>
+          <p:cNvSpPr>
+            <a:spLocks noGrp="1"/>
+          </p:cNvSpPr>
+          <p:nvPr>
+            <p:ph type="title"/>
+          </p:nvPr>
+        </p:nvSpPr>
+        <p:spPr>
+          <a:xfrm>
+            <a:off x="838200" y="93952"/>
+            <a:ext cx="10515600" cy="1325563"/>
+          </a:xfrm>
+        </p:spPr>
+        <p:txBody>
+          <a:bodyPr/>
+          <a:lstStyle/>
+          <a:p>
+            <a:r>
+              <a:rPr lang="de-DE" dirty="0" err="1" smtClean="0"/>
+              <a:t>Synchronization</a:t>
+            </a:r>
+            <a:r>
+              <a:rPr lang="de-DE" dirty="0" smtClean="0"/>
+              <a:t> </a:t>
+            </a:r>
+            <a:r>
+              <a:rPr lang="de-DE" dirty="0" err="1" smtClean="0"/>
+              <a:t>Fundamentals</a:t>
+            </a:r>
+            <a:endParaRPr lang="de-DE" dirty="0"/>
+          </a:p>
+        </p:txBody>
+      </p:sp>
+      <p:sp>
+        <p:nvSpPr>
+          <p:cNvPr id="3" name="Inhaltsplatzhalter 2"/>
+          <p:cNvSpPr>
+            <a:spLocks noGrp="1"/>
+          </p:cNvSpPr>
+          <p:nvPr>
+            <p:ph idx="1"/>
+          </p:nvPr>
+        </p:nvSpPr>
+        <p:spPr/>
+        <p:txBody>
+          <a:bodyPr>
+            <a:normAutofit lnSpcReduction="10000"/>
+          </a:bodyPr>
+          <a:lstStyle/>
+          <a:p>
+            <a:r>
+              <a:rPr lang="de-DE" dirty="0" err="1" smtClean="0"/>
+              <a:t>Semaphores</a:t>
+            </a:r>
+            <a:r>
+              <a:rPr lang="de-DE" dirty="0" smtClean="0"/>
+              <a:t> (</a:t>
+            </a:r>
+            <a:r>
+              <a:rPr lang="de-DE" dirty="0" err="1" smtClean="0"/>
+              <a:t>Sync</a:t>
+            </a:r>
+            <a:r>
+              <a:rPr lang="de-DE" dirty="0" smtClean="0"/>
+              <a:t> </a:t>
+            </a:r>
+            <a:r>
+              <a:rPr lang="de-DE" dirty="0" err="1" smtClean="0"/>
+              <a:t>and</a:t>
+            </a:r>
+            <a:r>
+              <a:rPr lang="de-DE" dirty="0" smtClean="0"/>
+              <a:t> </a:t>
+            </a:r>
+            <a:r>
+              <a:rPr lang="de-DE" dirty="0" err="1" smtClean="0"/>
+              <a:t>Notify</a:t>
+            </a:r>
+            <a:r>
+              <a:rPr lang="de-DE" dirty="0" smtClean="0"/>
+              <a:t>)</a:t>
+            </a:r>
+          </a:p>
+          <a:p>
+            <a:endParaRPr lang="de-DE" dirty="0" smtClean="0"/>
+          </a:p>
+          <a:p>
+            <a:endParaRPr lang="de-DE" dirty="0" smtClean="0"/>
+          </a:p>
+          <a:p>
+            <a:endParaRPr lang="de-DE" dirty="0" smtClean="0"/>
+          </a:p>
+          <a:p>
+            <a:r>
+              <a:rPr lang="de-DE" dirty="0" err="1" smtClean="0"/>
+              <a:t>Mutex</a:t>
+            </a:r>
+            <a:r>
+              <a:rPr lang="de-DE" dirty="0" smtClean="0"/>
+              <a:t> (Mutual </a:t>
+            </a:r>
+            <a:r>
+              <a:rPr lang="de-DE" dirty="0" err="1" smtClean="0"/>
+              <a:t>Exclusion</a:t>
+            </a:r>
+            <a:r>
+              <a:rPr lang="de-DE" dirty="0" smtClean="0"/>
+              <a:t>)</a:t>
+            </a:r>
+          </a:p>
+          <a:p>
+            <a:endParaRPr lang="de-DE" dirty="0" smtClean="0"/>
+          </a:p>
+          <a:p>
+            <a:endParaRPr lang="de-DE" dirty="0" smtClean="0"/>
+          </a:p>
+          <a:p>
+            <a:endParaRPr lang="de-DE" dirty="0" smtClean="0"/>
+          </a:p>
+          <a:p>
+            <a:r>
+              <a:rPr lang="de-DE" dirty="0" smtClean="0"/>
+              <a:t>Message Queues (Communication)</a:t>
+            </a:r>
+          </a:p>
+          <a:p>
+            <a:endParaRPr lang="de-DE" dirty="0" smtClean="0"/>
+          </a:p>
+        </p:txBody>
+      </p:sp>
+      <p:pic>
+        <p:nvPicPr>
+          <p:cNvPr id="4" name="Bild 3"/>
+          <p:cNvPicPr>
+            <a:picLocks noChangeAspect="1"/>
+          </p:cNvPicPr>
+          <p:nvPr/>
+        </p:nvPicPr>
+        <p:blipFill>
+          <a:blip r:embed="rId2"/>
+          <a:stretch>
+            <a:fillRect/>
+          </a:stretch>
+        </p:blipFill>
+        <p:spPr>
+          <a:xfrm>
+            <a:off x="5701839" y="1419515"/>
+            <a:ext cx="3449045" cy="1230931"/>
+          </a:xfrm>
+          <a:prstGeom prst="rect">
+            <a:avLst/>
+          </a:prstGeom>
+        </p:spPr>
+      </p:pic>
+      <p:pic>
+        <p:nvPicPr>
+          <p:cNvPr id="5" name="Bild 4"/>
+          <p:cNvPicPr>
+            <a:picLocks noChangeAspect="1"/>
+          </p:cNvPicPr>
+          <p:nvPr/>
+        </p:nvPicPr>
+        <p:blipFill>
+          <a:blip r:embed="rId3"/>
+          <a:stretch>
+            <a:fillRect/>
+          </a:stretch>
+        </p:blipFill>
+        <p:spPr>
+          <a:xfrm>
+            <a:off x="5701839" y="3260254"/>
+            <a:ext cx="3810000" cy="1219200"/>
+          </a:xfrm>
+          <a:prstGeom prst="rect">
+            <a:avLst/>
+          </a:prstGeom>
+        </p:spPr>
+      </p:pic>
+      <p:pic>
+        <p:nvPicPr>
+          <p:cNvPr id="6" name="Bild 5"/>
+          <p:cNvPicPr>
+            <a:picLocks noChangeAspect="1"/>
+          </p:cNvPicPr>
+          <p:nvPr/>
+        </p:nvPicPr>
+        <p:blipFill>
+          <a:blip r:embed="rId4"/>
+          <a:stretch>
+            <a:fillRect/>
+          </a:stretch>
+        </p:blipFill>
+        <p:spPr>
+          <a:xfrm>
+            <a:off x="6448638" y="5089262"/>
+            <a:ext cx="4267200" cy="1308100"/>
+          </a:xfrm>
+          <a:prstGeom prst="rect">
+            <a:avLst/>
+          </a:prstGeom>
+        </p:spPr>
+      </p:pic>
+    </p:spTree>
+    <p:extLst>
+      <p:ext uri="{BB962C8B-B14F-4D97-AF65-F5344CB8AC3E}">
+        <p14:creationId xmlns:p14="http://schemas.microsoft.com/office/powerpoint/2010/main" val="953728757"/>
       </p:ext>
     </p:extLst>
   </p:cSld>

--- a/Recap/RecapPP.pptx
+++ b/Recap/RecapPP.pptx
@@ -19,6 +19,7 @@
     <p:sldId id="268" r:id="rId13"/>
     <p:sldId id="269" r:id="rId14"/>
     <p:sldId id="270" r:id="rId15"/>
+    <p:sldId id="271" r:id="rId16"/>
   </p:sldIdLst>
   <p:sldSz cx="12192000" cy="6858000"/>
   <p:notesSz cx="6858000" cy="9144000"/>
@@ -256,7 +257,7 @@
           <a:p>
             <a:fld id="{F43FF8EA-E2A9-4757-B3DD-6D4C43D75600}" type="datetimeFigureOut">
               <a:rPr lang="en-GB" smtClean="0"/>
-              <a:t>19/03/2017</a:t>
+              <a:t>20/03/2017</a:t>
             </a:fld>
             <a:endParaRPr lang="en-GB"/>
           </a:p>
@@ -426,7 +427,7 @@
           <a:p>
             <a:fld id="{F43FF8EA-E2A9-4757-B3DD-6D4C43D75600}" type="datetimeFigureOut">
               <a:rPr lang="en-GB" smtClean="0"/>
-              <a:t>19/03/2017</a:t>
+              <a:t>20/03/2017</a:t>
             </a:fld>
             <a:endParaRPr lang="en-GB"/>
           </a:p>
@@ -606,7 +607,7 @@
           <a:p>
             <a:fld id="{F43FF8EA-E2A9-4757-B3DD-6D4C43D75600}" type="datetimeFigureOut">
               <a:rPr lang="en-GB" smtClean="0"/>
-              <a:t>19/03/2017</a:t>
+              <a:t>20/03/2017</a:t>
             </a:fld>
             <a:endParaRPr lang="en-GB"/>
           </a:p>
@@ -776,7 +777,7 @@
           <a:p>
             <a:fld id="{F43FF8EA-E2A9-4757-B3DD-6D4C43D75600}" type="datetimeFigureOut">
               <a:rPr lang="en-GB" smtClean="0"/>
-              <a:t>19/03/2017</a:t>
+              <a:t>20/03/2017</a:t>
             </a:fld>
             <a:endParaRPr lang="en-GB"/>
           </a:p>
@@ -1022,7 +1023,7 @@
           <a:p>
             <a:fld id="{F43FF8EA-E2A9-4757-B3DD-6D4C43D75600}" type="datetimeFigureOut">
               <a:rPr lang="en-GB" smtClean="0"/>
-              <a:t>19/03/2017</a:t>
+              <a:t>20/03/2017</a:t>
             </a:fld>
             <a:endParaRPr lang="en-GB"/>
           </a:p>
@@ -1254,7 +1255,7 @@
           <a:p>
             <a:fld id="{F43FF8EA-E2A9-4757-B3DD-6D4C43D75600}" type="datetimeFigureOut">
               <a:rPr lang="en-GB" smtClean="0"/>
-              <a:t>19/03/2017</a:t>
+              <a:t>20/03/2017</a:t>
             </a:fld>
             <a:endParaRPr lang="en-GB"/>
           </a:p>
@@ -1621,7 +1622,7 @@
           <a:p>
             <a:fld id="{F43FF8EA-E2A9-4757-B3DD-6D4C43D75600}" type="datetimeFigureOut">
               <a:rPr lang="en-GB" smtClean="0"/>
-              <a:t>19/03/2017</a:t>
+              <a:t>20/03/2017</a:t>
             </a:fld>
             <a:endParaRPr lang="en-GB"/>
           </a:p>
@@ -1739,7 +1740,7 @@
           <a:p>
             <a:fld id="{F43FF8EA-E2A9-4757-B3DD-6D4C43D75600}" type="datetimeFigureOut">
               <a:rPr lang="en-GB" smtClean="0"/>
-              <a:t>19/03/2017</a:t>
+              <a:t>20/03/2017</a:t>
             </a:fld>
             <a:endParaRPr lang="en-GB"/>
           </a:p>
@@ -1834,7 +1835,7 @@
           <a:p>
             <a:fld id="{F43FF8EA-E2A9-4757-B3DD-6D4C43D75600}" type="datetimeFigureOut">
               <a:rPr lang="en-GB" smtClean="0"/>
-              <a:t>19/03/2017</a:t>
+              <a:t>20/03/2017</a:t>
             </a:fld>
             <a:endParaRPr lang="en-GB"/>
           </a:p>
@@ -2111,7 +2112,7 @@
           <a:p>
             <a:fld id="{F43FF8EA-E2A9-4757-B3DD-6D4C43D75600}" type="datetimeFigureOut">
               <a:rPr lang="en-GB" smtClean="0"/>
-              <a:t>19/03/2017</a:t>
+              <a:t>20/03/2017</a:t>
             </a:fld>
             <a:endParaRPr lang="en-GB"/>
           </a:p>
@@ -2364,7 +2365,7 @@
           <a:p>
             <a:fld id="{F43FF8EA-E2A9-4757-B3DD-6D4C43D75600}" type="datetimeFigureOut">
               <a:rPr lang="en-GB" smtClean="0"/>
-              <a:t>19/03/2017</a:t>
+              <a:t>20/03/2017</a:t>
             </a:fld>
             <a:endParaRPr lang="en-GB"/>
           </a:p>
@@ -2577,7 +2578,7 @@
           <a:p>
             <a:fld id="{F43FF8EA-E2A9-4757-B3DD-6D4C43D75600}" type="datetimeFigureOut">
               <a:rPr lang="en-GB" smtClean="0"/>
-              <a:t>19/03/2017</a:t>
+              <a:t>20/03/2017</a:t>
             </a:fld>
             <a:endParaRPr lang="en-GB"/>
           </a:p>
@@ -3245,34 +3246,10 @@
               <a:rPr lang="de-DE" dirty="0" err="1" smtClean="0"/>
               <a:t>occurred</a:t>
             </a:r>
-            <a:endParaRPr lang="de-DE" dirty="0"/>
-          </a:p>
-        </p:txBody>
-      </p:sp>
-      <p:pic>
-        <p:nvPicPr>
-          <p:cNvPr id="5" name="Bild 4"/>
-          <p:cNvPicPr>
-            <a:picLocks noChangeAspect="1"/>
-          </p:cNvPicPr>
-          <p:nvPr/>
-        </p:nvPicPr>
-        <p:blipFill>
-          <a:blip r:embed="rId2"/>
-          <a:stretch>
-            <a:fillRect/>
-          </a:stretch>
-        </p:blipFill>
-        <p:spPr>
-          <a:xfrm>
-            <a:off x="5778500" y="2458780"/>
-            <a:ext cx="5575300" cy="3733800"/>
-          </a:xfrm>
-          <a:prstGeom prst="rect">
-            <a:avLst/>
-          </a:prstGeom>
-        </p:spPr>
-      </p:pic>
+            <a:endParaRPr lang="de-DE" dirty="0" smtClean="0"/>
+          </a:p>
+        </p:txBody>
+      </p:sp>
       <p:sp>
         <p:nvSpPr>
           <p:cNvPr id="6" name="Textfeld 5"/>
@@ -3436,6 +3413,36 @@
           </a:p>
         </p:txBody>
       </p:sp>
+      <p:pic>
+        <p:nvPicPr>
+          <p:cNvPr id="7" name="Bild 6"/>
+          <p:cNvPicPr>
+            <a:picLocks noChangeAspect="1"/>
+          </p:cNvPicPr>
+          <p:nvPr/>
+        </p:nvPicPr>
+        <p:blipFill>
+          <a:blip r:embed="rId2">
+            <a:extLst>
+              <a:ext uri="{28A0092B-C50C-407E-A947-70E740481C1C}">
+                <a14:useLocalDpi xmlns:a14="http://schemas.microsoft.com/office/drawing/2010/main" val="0"/>
+              </a:ext>
+            </a:extLst>
+          </a:blip>
+          <a:stretch>
+            <a:fillRect/>
+          </a:stretch>
+        </p:blipFill>
+        <p:spPr>
+          <a:xfrm>
+            <a:off x="6434050" y="2735876"/>
+            <a:ext cx="4710020" cy="2355010"/>
+          </a:xfrm>
+          <a:prstGeom prst="rect">
+            <a:avLst/>
+          </a:prstGeom>
+        </p:spPr>
+      </p:pic>
     </p:spTree>
     <p:extLst>
       <p:ext uri="{BB962C8B-B14F-4D97-AF65-F5344CB8AC3E}">
@@ -3446,6 +3453,13 @@
   <p:clrMapOvr>
     <a:masterClrMapping/>
   </p:clrMapOvr>
+  <p:timing>
+    <p:tnLst>
+      <p:par>
+        <p:cTn id="1" dur="indefinite" restart="never" nodeType="tmRoot"/>
+      </p:par>
+    </p:tnLst>
+  </p:timing>
 </p:sld>
 </file>
 
@@ -3573,6 +3587,13 @@
   <p:clrMapOvr>
     <a:masterClrMapping/>
   </p:clrMapOvr>
+  <p:timing>
+    <p:tnLst>
+      <p:par>
+        <p:cTn id="1" dur="indefinite" restart="never" nodeType="tmRoot"/>
+      </p:par>
+    </p:tnLst>
+  </p:timing>
 </p:sld>
 </file>
 
@@ -3629,11 +3650,13 @@
         <p:spPr>
           <a:xfrm>
             <a:off x="838200" y="1509142"/>
-            <a:ext cx="10515600" cy="498027"/>
+            <a:ext cx="10515600" cy="803752"/>
           </a:xfrm>
         </p:spPr>
         <p:txBody>
-          <a:bodyPr/>
+          <a:bodyPr>
+            <a:normAutofit fontScale="92500" lnSpcReduction="20000"/>
+          </a:bodyPr>
           <a:lstStyle/>
           <a:p>
             <a:r>
@@ -3671,6 +3694,21 @@
             <a:r>
               <a:rPr lang="de-DE" dirty="0" err="1" smtClean="0"/>
               <a:t>semaphore</a:t>
+            </a:r>
+            <a:endParaRPr lang="de-DE" dirty="0" smtClean="0"/>
+          </a:p>
+          <a:p>
+            <a:r>
+              <a:rPr lang="de-DE" dirty="0" err="1" smtClean="0"/>
+              <a:t>Priority</a:t>
+            </a:r>
+            <a:r>
+              <a:rPr lang="de-DE" dirty="0" smtClean="0"/>
+              <a:t> </a:t>
+            </a:r>
+            <a:r>
+              <a:rPr lang="de-DE" dirty="0" err="1" smtClean="0"/>
+              <a:t>Inheritance</a:t>
             </a:r>
             <a:endParaRPr lang="de-DE" dirty="0"/>
           </a:p>
@@ -3687,7 +3725,7 @@
         </p:nvSpPr>
         <p:spPr>
           <a:xfrm>
-            <a:off x="925158" y="2096041"/>
+            <a:off x="925158" y="2601650"/>
             <a:ext cx="6852621" cy="2862322"/>
           </a:xfrm>
           <a:prstGeom prst="rect">
@@ -3823,6 +3861,13 @@
   <p:clrMapOvr>
     <a:masterClrMapping/>
   </p:clrMapOvr>
+  <p:timing>
+    <p:tnLst>
+      <p:par>
+        <p:cTn id="1" dur="indefinite" restart="never" nodeType="tmRoot"/>
+      </p:par>
+    </p:tnLst>
+  </p:timing>
 </p:sld>
 </file>
 
@@ -3982,6 +4027,13 @@
   <p:clrMapOvr>
     <a:masterClrMapping/>
   </p:clrMapOvr>
+  <p:timing>
+    <p:tnLst>
+      <p:par>
+        <p:cTn id="1" dur="indefinite" restart="never" nodeType="tmRoot"/>
+      </p:par>
+    </p:tnLst>
+  </p:timing>
 </p:sld>
 </file>
 
@@ -4200,6 +4252,1053 @@
   <p:clrMapOvr>
     <a:masterClrMapping/>
   </p:clrMapOvr>
+  <p:timing>
+    <p:tnLst>
+      <p:par>
+        <p:cTn id="1" dur="indefinite" restart="never" nodeType="tmRoot"/>
+      </p:par>
+    </p:tnLst>
+  </p:timing>
+</p:sld>
+</file>
+
+<file path=ppt/slides/slide15.xml><?xml version="1.0" encoding="utf-8"?>
+<p:sld xmlns:a="http://schemas.openxmlformats.org/drawingml/2006/main" xmlns:r="http://schemas.openxmlformats.org/officeDocument/2006/relationships" xmlns:p="http://schemas.openxmlformats.org/presentationml/2006/main">
+  <p:cSld>
+    <p:spTree>
+      <p:nvGrpSpPr>
+        <p:cNvPr id="1" name=""/>
+        <p:cNvGrpSpPr/>
+        <p:nvPr/>
+      </p:nvGrpSpPr>
+      <p:grpSpPr>
+        <a:xfrm>
+          <a:off x="0" y="0"/>
+          <a:ext cx="0" cy="0"/>
+          <a:chOff x="0" y="0"/>
+          <a:chExt cx="0" cy="0"/>
+        </a:xfrm>
+      </p:grpSpPr>
+      <p:sp>
+        <p:nvSpPr>
+          <p:cNvPr id="2" name="Titel 1"/>
+          <p:cNvSpPr>
+            <a:spLocks noGrp="1"/>
+          </p:cNvSpPr>
+          <p:nvPr>
+            <p:ph type="title"/>
+          </p:nvPr>
+        </p:nvSpPr>
+        <p:spPr/>
+        <p:txBody>
+          <a:bodyPr/>
+          <a:lstStyle/>
+          <a:p>
+            <a:r>
+              <a:rPr lang="de-DE" dirty="0" err="1" smtClean="0"/>
+              <a:t>Questions</a:t>
+            </a:r>
+            <a:endParaRPr lang="de-DE" dirty="0"/>
+          </a:p>
+        </p:txBody>
+      </p:sp>
+      <p:sp>
+        <p:nvSpPr>
+          <p:cNvPr id="3" name="Inhaltsplatzhalter 2"/>
+          <p:cNvSpPr>
+            <a:spLocks noGrp="1"/>
+          </p:cNvSpPr>
+          <p:nvPr>
+            <p:ph idx="1"/>
+          </p:nvPr>
+        </p:nvSpPr>
+        <p:spPr/>
+        <p:txBody>
+          <a:bodyPr>
+            <a:normAutofit lnSpcReduction="10000"/>
+          </a:bodyPr>
+          <a:lstStyle/>
+          <a:p>
+            <a:r>
+              <a:rPr lang="de-DE" dirty="0" err="1" smtClean="0"/>
+              <a:t>What</a:t>
+            </a:r>
+            <a:r>
+              <a:rPr lang="de-DE" dirty="0" smtClean="0"/>
+              <a:t> </a:t>
+            </a:r>
+            <a:r>
+              <a:rPr lang="de-DE" dirty="0" err="1" smtClean="0"/>
+              <a:t>is</a:t>
+            </a:r>
+            <a:r>
+              <a:rPr lang="de-DE" dirty="0" smtClean="0"/>
+              <a:t> a </a:t>
+            </a:r>
+            <a:r>
+              <a:rPr lang="de-DE" dirty="0" err="1" smtClean="0"/>
+              <a:t>main</a:t>
+            </a:r>
+            <a:r>
+              <a:rPr lang="de-DE" dirty="0" smtClean="0"/>
+              <a:t> </a:t>
+            </a:r>
+            <a:r>
+              <a:rPr lang="de-DE" dirty="0" err="1" smtClean="0"/>
+              <a:t>difference</a:t>
+            </a:r>
+            <a:r>
+              <a:rPr lang="de-DE" dirty="0" smtClean="0"/>
+              <a:t> in </a:t>
+            </a:r>
+            <a:r>
+              <a:rPr lang="de-DE" dirty="0" err="1" smtClean="0"/>
+              <a:t>using</a:t>
+            </a:r>
+            <a:r>
+              <a:rPr lang="de-DE" dirty="0" smtClean="0"/>
+              <a:t> </a:t>
+            </a:r>
+            <a:r>
+              <a:rPr lang="de-DE" dirty="0" err="1" smtClean="0"/>
+              <a:t>semaphore</a:t>
+            </a:r>
+            <a:r>
+              <a:rPr lang="de-DE" dirty="0" smtClean="0"/>
+              <a:t> </a:t>
+            </a:r>
+            <a:r>
+              <a:rPr lang="de-DE" dirty="0" err="1" smtClean="0"/>
+              <a:t>or</a:t>
+            </a:r>
+            <a:r>
+              <a:rPr lang="de-DE" dirty="0" smtClean="0"/>
+              <a:t> </a:t>
+            </a:r>
+            <a:r>
+              <a:rPr lang="de-DE" dirty="0" err="1" smtClean="0"/>
+              <a:t>mutex</a:t>
+            </a:r>
+            <a:r>
+              <a:rPr lang="de-DE" dirty="0" smtClean="0"/>
+              <a:t>?</a:t>
+            </a:r>
+          </a:p>
+          <a:p>
+            <a:pPr marL="0" indent="0">
+              <a:buNone/>
+            </a:pPr>
+            <a:r>
+              <a:rPr lang="de-DE" sz="2400" i="1" dirty="0" err="1" smtClean="0"/>
+              <a:t>If</a:t>
+            </a:r>
+            <a:r>
+              <a:rPr lang="de-DE" sz="2400" i="1" dirty="0" smtClean="0"/>
+              <a:t> a </a:t>
+            </a:r>
+            <a:r>
+              <a:rPr lang="de-DE" sz="2400" i="1" dirty="0" err="1" smtClean="0"/>
+              <a:t>Mutex</a:t>
+            </a:r>
+            <a:r>
+              <a:rPr lang="de-DE" sz="2400" i="1" dirty="0" smtClean="0"/>
+              <a:t> </a:t>
+            </a:r>
+            <a:r>
+              <a:rPr lang="de-DE" sz="2400" i="1" dirty="0" err="1" smtClean="0"/>
+              <a:t>is</a:t>
+            </a:r>
+            <a:r>
+              <a:rPr lang="de-DE" sz="2400" i="1" dirty="0" smtClean="0"/>
+              <a:t> </a:t>
+            </a:r>
+            <a:r>
+              <a:rPr lang="de-DE" sz="2400" i="1" dirty="0" err="1" smtClean="0"/>
+              <a:t>taken</a:t>
+            </a:r>
+            <a:r>
+              <a:rPr lang="de-DE" sz="2400" i="1" dirty="0" smtClean="0"/>
+              <a:t> </a:t>
+            </a:r>
+            <a:r>
+              <a:rPr lang="de-DE" sz="2400" i="1" dirty="0" err="1" smtClean="0"/>
+              <a:t>by</a:t>
+            </a:r>
+            <a:r>
+              <a:rPr lang="de-DE" sz="2400" i="1" dirty="0" smtClean="0"/>
+              <a:t> a </a:t>
+            </a:r>
+            <a:r>
+              <a:rPr lang="de-DE" sz="2400" i="1" dirty="0" err="1" smtClean="0"/>
+              <a:t>task</a:t>
+            </a:r>
+            <a:r>
+              <a:rPr lang="de-DE" sz="2400" i="1" dirty="0" smtClean="0"/>
+              <a:t> </a:t>
+            </a:r>
+            <a:r>
+              <a:rPr lang="de-DE" sz="2400" i="1" dirty="0" err="1" smtClean="0"/>
+              <a:t>the</a:t>
+            </a:r>
+            <a:r>
+              <a:rPr lang="de-DE" sz="2400" i="1" dirty="0" smtClean="0"/>
+              <a:t> </a:t>
+            </a:r>
+            <a:r>
+              <a:rPr lang="de-DE" sz="2400" i="1" dirty="0" err="1" smtClean="0"/>
+              <a:t>resource</a:t>
+            </a:r>
+            <a:r>
+              <a:rPr lang="de-DE" sz="2400" i="1" dirty="0" smtClean="0"/>
+              <a:t> </a:t>
+            </a:r>
+            <a:r>
+              <a:rPr lang="de-DE" sz="2400" i="1" dirty="0" err="1" smtClean="0"/>
+              <a:t>is</a:t>
+            </a:r>
+            <a:r>
+              <a:rPr lang="de-DE" sz="2400" i="1" dirty="0" smtClean="0"/>
+              <a:t> </a:t>
+            </a:r>
+            <a:r>
+              <a:rPr lang="de-DE" sz="2400" i="1" dirty="0" err="1" smtClean="0"/>
+              <a:t>locked</a:t>
+            </a:r>
+            <a:r>
+              <a:rPr lang="de-DE" sz="2400" i="1" dirty="0" smtClean="0"/>
+              <a:t> </a:t>
+            </a:r>
+            <a:r>
+              <a:rPr lang="de-DE" sz="2400" i="1" dirty="0" err="1" smtClean="0"/>
+              <a:t>and</a:t>
+            </a:r>
+            <a:r>
+              <a:rPr lang="de-DE" sz="2400" i="1" dirty="0" smtClean="0"/>
+              <a:t> </a:t>
+            </a:r>
+            <a:r>
+              <a:rPr lang="de-DE" sz="2400" i="1" dirty="0" err="1" smtClean="0"/>
+              <a:t>owned</a:t>
+            </a:r>
+            <a:r>
+              <a:rPr lang="de-DE" sz="2400" i="1" dirty="0" smtClean="0"/>
+              <a:t> </a:t>
+            </a:r>
+            <a:r>
+              <a:rPr lang="de-DE" sz="2400" i="1" dirty="0" err="1" smtClean="0"/>
+              <a:t>by</a:t>
+            </a:r>
+            <a:r>
+              <a:rPr lang="de-DE" sz="2400" i="1" dirty="0" smtClean="0"/>
+              <a:t> </a:t>
+            </a:r>
+            <a:r>
+              <a:rPr lang="de-DE" sz="2400" i="1" dirty="0" err="1" smtClean="0"/>
+              <a:t>this</a:t>
+            </a:r>
+            <a:r>
+              <a:rPr lang="de-DE" sz="2400" i="1" dirty="0" smtClean="0"/>
+              <a:t> </a:t>
+            </a:r>
+            <a:r>
+              <a:rPr lang="de-DE" sz="2400" i="1" dirty="0" err="1" smtClean="0"/>
+              <a:t>task</a:t>
+            </a:r>
+            <a:r>
+              <a:rPr lang="de-DE" sz="2400" i="1" dirty="0" smtClean="0"/>
+              <a:t> </a:t>
+            </a:r>
+            <a:r>
+              <a:rPr lang="de-DE" sz="2400" i="1" dirty="0" err="1" smtClean="0"/>
+              <a:t>until</a:t>
+            </a:r>
+            <a:r>
+              <a:rPr lang="de-DE" sz="2400" i="1" dirty="0" smtClean="0"/>
+              <a:t> </a:t>
+            </a:r>
+            <a:r>
+              <a:rPr lang="de-DE" sz="2400" i="1" dirty="0" err="1" smtClean="0"/>
+              <a:t>it‘s</a:t>
+            </a:r>
+            <a:r>
+              <a:rPr lang="de-DE" sz="2400" i="1" dirty="0" smtClean="0"/>
+              <a:t> </a:t>
+            </a:r>
+            <a:r>
+              <a:rPr lang="de-DE" sz="2400" i="1" dirty="0" err="1" smtClean="0"/>
+              <a:t>given</a:t>
+            </a:r>
+            <a:r>
+              <a:rPr lang="de-DE" sz="2400" i="1" dirty="0" smtClean="0"/>
+              <a:t> back.</a:t>
+            </a:r>
+          </a:p>
+          <a:p>
+            <a:pPr marL="0" indent="0">
+              <a:buNone/>
+            </a:pPr>
+            <a:r>
+              <a:rPr lang="de-DE" sz="2400" i="1" dirty="0" smtClean="0"/>
+              <a:t>A </a:t>
+            </a:r>
+            <a:r>
+              <a:rPr lang="de-DE" sz="2400" i="1" dirty="0" err="1" smtClean="0"/>
+              <a:t>semaphore</a:t>
+            </a:r>
+            <a:r>
+              <a:rPr lang="de-DE" sz="2400" i="1" dirty="0" smtClean="0"/>
+              <a:t> </a:t>
+            </a:r>
+            <a:r>
+              <a:rPr lang="de-DE" sz="2400" i="1" dirty="0" err="1" smtClean="0"/>
+              <a:t>is</a:t>
+            </a:r>
+            <a:r>
+              <a:rPr lang="de-DE" sz="2400" i="1" dirty="0" smtClean="0"/>
+              <a:t> </a:t>
+            </a:r>
+            <a:r>
+              <a:rPr lang="de-DE" sz="2400" i="1" dirty="0" err="1" smtClean="0"/>
+              <a:t>used</a:t>
+            </a:r>
+            <a:r>
+              <a:rPr lang="de-DE" sz="2400" i="1" dirty="0" smtClean="0"/>
+              <a:t> </a:t>
+            </a:r>
+            <a:r>
+              <a:rPr lang="de-DE" sz="2400" i="1" dirty="0" err="1" smtClean="0"/>
+              <a:t>to</a:t>
+            </a:r>
+            <a:r>
+              <a:rPr lang="de-DE" sz="2400" i="1" dirty="0" smtClean="0"/>
+              <a:t> </a:t>
+            </a:r>
+            <a:r>
+              <a:rPr lang="de-DE" sz="2400" i="1" dirty="0" err="1" smtClean="0"/>
+              <a:t>notify</a:t>
+            </a:r>
+            <a:r>
+              <a:rPr lang="de-DE" sz="2400" i="1" dirty="0" smtClean="0"/>
+              <a:t> a </a:t>
+            </a:r>
+            <a:r>
+              <a:rPr lang="de-DE" sz="2400" i="1" dirty="0" err="1" smtClean="0"/>
+              <a:t>task</a:t>
+            </a:r>
+            <a:r>
+              <a:rPr lang="de-DE" sz="2400" i="1" dirty="0" smtClean="0"/>
+              <a:t> </a:t>
+            </a:r>
+            <a:r>
+              <a:rPr lang="de-DE" sz="2400" i="1" dirty="0" err="1" smtClean="0"/>
+              <a:t>by</a:t>
+            </a:r>
+            <a:r>
+              <a:rPr lang="de-DE" sz="2400" i="1" dirty="0" smtClean="0"/>
+              <a:t> </a:t>
+            </a:r>
+            <a:r>
+              <a:rPr lang="de-DE" sz="2400" i="1" dirty="0" err="1" smtClean="0"/>
+              <a:t>giving</a:t>
+            </a:r>
+            <a:r>
+              <a:rPr lang="de-DE" sz="2400" i="1" dirty="0" smtClean="0"/>
+              <a:t> </a:t>
+            </a:r>
+            <a:r>
+              <a:rPr lang="de-DE" sz="2400" i="1" dirty="0" err="1" smtClean="0"/>
+              <a:t>the</a:t>
+            </a:r>
+            <a:r>
+              <a:rPr lang="de-DE" sz="2400" i="1" dirty="0" smtClean="0"/>
+              <a:t> </a:t>
+            </a:r>
+            <a:r>
+              <a:rPr lang="de-DE" sz="2400" i="1" dirty="0" err="1" smtClean="0"/>
+              <a:t>semaphore</a:t>
+            </a:r>
+            <a:r>
+              <a:rPr lang="de-DE" sz="2400" i="1" dirty="0" smtClean="0"/>
+              <a:t> </a:t>
+            </a:r>
+            <a:r>
+              <a:rPr lang="de-DE" sz="2400" i="1" dirty="0" err="1" smtClean="0"/>
+              <a:t>to</a:t>
+            </a:r>
+            <a:r>
+              <a:rPr lang="de-DE" sz="2400" i="1" dirty="0" smtClean="0"/>
+              <a:t> </a:t>
+            </a:r>
+            <a:r>
+              <a:rPr lang="de-DE" sz="2400" i="1" dirty="0" err="1" smtClean="0"/>
+              <a:t>another</a:t>
+            </a:r>
+            <a:r>
+              <a:rPr lang="de-DE" sz="2400" i="1" dirty="0" smtClean="0"/>
+              <a:t> </a:t>
+            </a:r>
+            <a:r>
+              <a:rPr lang="de-DE" sz="2400" i="1" dirty="0" err="1" smtClean="0"/>
+              <a:t>task</a:t>
+            </a:r>
+            <a:r>
+              <a:rPr lang="de-DE" sz="2400" i="1" dirty="0" smtClean="0"/>
+              <a:t> </a:t>
+            </a:r>
+            <a:r>
+              <a:rPr lang="de-DE" sz="2400" i="1" dirty="0" err="1" smtClean="0"/>
+              <a:t>which</a:t>
+            </a:r>
+            <a:r>
+              <a:rPr lang="de-DE" sz="2400" i="1" dirty="0" smtClean="0"/>
+              <a:t> </a:t>
+            </a:r>
+            <a:r>
+              <a:rPr lang="de-DE" sz="2400" i="1" dirty="0" err="1" smtClean="0"/>
+              <a:t>is</a:t>
+            </a:r>
+            <a:r>
+              <a:rPr lang="de-DE" sz="2400" i="1" dirty="0" smtClean="0"/>
+              <a:t> </a:t>
+            </a:r>
+            <a:r>
+              <a:rPr lang="de-DE" sz="2400" i="1" dirty="0" err="1" smtClean="0"/>
+              <a:t>pending</a:t>
+            </a:r>
+            <a:r>
+              <a:rPr lang="de-DE" sz="2400" i="1" dirty="0" smtClean="0"/>
+              <a:t> </a:t>
+            </a:r>
+            <a:r>
+              <a:rPr lang="de-DE" sz="2400" i="1" dirty="0" err="1" smtClean="0"/>
+              <a:t>for</a:t>
+            </a:r>
+            <a:r>
+              <a:rPr lang="de-DE" sz="2400" i="1" dirty="0" smtClean="0"/>
+              <a:t> it. </a:t>
+            </a:r>
+            <a:r>
+              <a:rPr lang="de-DE" sz="2400" i="1" dirty="0" err="1" smtClean="0"/>
+              <a:t>No</a:t>
+            </a:r>
+            <a:r>
+              <a:rPr lang="de-DE" sz="2400" i="1" dirty="0" smtClean="0"/>
+              <a:t> </a:t>
+            </a:r>
+            <a:r>
+              <a:rPr lang="de-DE" sz="2400" i="1" dirty="0" err="1" smtClean="0"/>
+              <a:t>giving</a:t>
+            </a:r>
+            <a:r>
+              <a:rPr lang="de-DE" sz="2400" i="1" dirty="0" smtClean="0"/>
+              <a:t> back </a:t>
+            </a:r>
+            <a:r>
+              <a:rPr lang="de-DE" sz="2400" i="1" dirty="0" err="1" smtClean="0"/>
+              <a:t>is</a:t>
+            </a:r>
+            <a:r>
+              <a:rPr lang="de-DE" sz="2400" i="1" dirty="0" smtClean="0"/>
+              <a:t> </a:t>
+            </a:r>
+            <a:r>
+              <a:rPr lang="de-DE" sz="2400" i="1" dirty="0" err="1" smtClean="0"/>
+              <a:t>required</a:t>
+            </a:r>
+            <a:r>
+              <a:rPr lang="de-DE" sz="2400" i="1" dirty="0" smtClean="0"/>
+              <a:t>. The </a:t>
+            </a:r>
+            <a:r>
+              <a:rPr lang="de-DE" sz="2400" i="1" dirty="0" err="1" smtClean="0"/>
+              <a:t>resource</a:t>
+            </a:r>
+            <a:r>
+              <a:rPr lang="de-DE" sz="2400" i="1" dirty="0" smtClean="0"/>
+              <a:t> </a:t>
+            </a:r>
+            <a:r>
+              <a:rPr lang="de-DE" sz="2400" i="1" dirty="0" err="1" smtClean="0"/>
+              <a:t>is</a:t>
+            </a:r>
+            <a:r>
+              <a:rPr lang="de-DE" sz="2400" i="1" dirty="0" smtClean="0"/>
+              <a:t> not </a:t>
+            </a:r>
+            <a:r>
+              <a:rPr lang="de-DE" sz="2400" i="1" dirty="0" err="1" smtClean="0"/>
+              <a:t>locked</a:t>
+            </a:r>
+            <a:r>
+              <a:rPr lang="de-DE" sz="2400" i="1" dirty="0" smtClean="0"/>
+              <a:t>!</a:t>
+            </a:r>
+          </a:p>
+          <a:p>
+            <a:pPr marL="0" indent="0">
+              <a:buNone/>
+            </a:pPr>
+            <a:r>
+              <a:rPr lang="de-DE" sz="2400" i="1" dirty="0" smtClean="0"/>
+              <a:t> </a:t>
+            </a:r>
+          </a:p>
+          <a:p>
+            <a:pPr marL="0" indent="0">
+              <a:buNone/>
+            </a:pPr>
+            <a:r>
+              <a:rPr lang="de-DE" sz="2400" i="1" dirty="0" smtClean="0"/>
+              <a:t> </a:t>
+            </a:r>
+            <a:endParaRPr lang="de-DE" dirty="0"/>
+          </a:p>
+          <a:p>
+            <a:r>
+              <a:rPr lang="de-DE" dirty="0" smtClean="0"/>
+              <a:t> </a:t>
+            </a:r>
+            <a:r>
+              <a:rPr lang="de-DE" dirty="0" err="1" smtClean="0"/>
+              <a:t>What</a:t>
+            </a:r>
+            <a:r>
+              <a:rPr lang="de-DE" dirty="0" smtClean="0"/>
+              <a:t> </a:t>
+            </a:r>
+            <a:r>
+              <a:rPr lang="de-DE" dirty="0" err="1" smtClean="0"/>
+              <a:t>does</a:t>
+            </a:r>
+            <a:r>
+              <a:rPr lang="de-DE" dirty="0" smtClean="0"/>
+              <a:t> </a:t>
+            </a:r>
+            <a:r>
+              <a:rPr lang="de-DE" dirty="0" err="1" smtClean="0"/>
+              <a:t>Priority</a:t>
+            </a:r>
+            <a:r>
+              <a:rPr lang="de-DE" dirty="0" smtClean="0"/>
+              <a:t> </a:t>
+            </a:r>
+            <a:r>
+              <a:rPr lang="de-DE" dirty="0" err="1" smtClean="0"/>
+              <a:t>Inheritance</a:t>
+            </a:r>
+            <a:r>
+              <a:rPr lang="de-DE" dirty="0" smtClean="0"/>
+              <a:t> </a:t>
+            </a:r>
+            <a:r>
+              <a:rPr lang="de-DE" dirty="0" err="1" smtClean="0"/>
+              <a:t>mean</a:t>
+            </a:r>
+            <a:r>
+              <a:rPr lang="de-DE" dirty="0" smtClean="0"/>
+              <a:t>?</a:t>
+            </a:r>
+          </a:p>
+          <a:p>
+            <a:pPr marL="0" indent="0">
+              <a:buNone/>
+            </a:pPr>
+            <a:r>
+              <a:rPr lang="de-DE" sz="2400" i="1" dirty="0" err="1"/>
+              <a:t>If</a:t>
+            </a:r>
+            <a:r>
+              <a:rPr lang="de-DE" sz="2400" i="1" dirty="0"/>
+              <a:t> a </a:t>
+            </a:r>
+            <a:r>
+              <a:rPr lang="de-DE" sz="2400" i="1" dirty="0" err="1"/>
+              <a:t>higher</a:t>
+            </a:r>
+            <a:r>
+              <a:rPr lang="de-DE" sz="2400" i="1" dirty="0"/>
+              <a:t> </a:t>
+            </a:r>
+            <a:r>
+              <a:rPr lang="de-DE" sz="2400" i="1" dirty="0" err="1"/>
+              <a:t>priority</a:t>
+            </a:r>
+            <a:r>
+              <a:rPr lang="de-DE" sz="2400" i="1" dirty="0"/>
+              <a:t> </a:t>
+            </a:r>
+            <a:r>
+              <a:rPr lang="de-DE" sz="2400" i="1" dirty="0" err="1"/>
+              <a:t>task</a:t>
+            </a:r>
+            <a:r>
+              <a:rPr lang="de-DE" sz="2400" i="1" dirty="0"/>
+              <a:t> </a:t>
+            </a:r>
+            <a:r>
+              <a:rPr lang="de-DE" sz="2400" i="1" dirty="0" err="1"/>
+              <a:t>needs</a:t>
+            </a:r>
+            <a:r>
+              <a:rPr lang="de-DE" sz="2400" i="1" dirty="0"/>
+              <a:t> a </a:t>
+            </a:r>
+            <a:r>
+              <a:rPr lang="de-DE" sz="2400" i="1" dirty="0" err="1"/>
+              <a:t>resource</a:t>
+            </a:r>
+            <a:r>
+              <a:rPr lang="de-DE" sz="2400" i="1" dirty="0"/>
+              <a:t> </a:t>
+            </a:r>
+            <a:r>
+              <a:rPr lang="de-DE" sz="2400" i="1" dirty="0" err="1"/>
+              <a:t>which</a:t>
+            </a:r>
+            <a:r>
+              <a:rPr lang="de-DE" sz="2400" i="1" dirty="0"/>
+              <a:t> </a:t>
+            </a:r>
+            <a:r>
+              <a:rPr lang="de-DE" sz="2400" i="1" dirty="0" err="1"/>
+              <a:t>is</a:t>
+            </a:r>
+            <a:r>
+              <a:rPr lang="de-DE" sz="2400" i="1" dirty="0"/>
+              <a:t> </a:t>
+            </a:r>
+            <a:r>
+              <a:rPr lang="de-DE" sz="2400" i="1" dirty="0" err="1"/>
+              <a:t>already</a:t>
+            </a:r>
+            <a:r>
+              <a:rPr lang="de-DE" sz="2400" i="1" dirty="0"/>
+              <a:t> </a:t>
+            </a:r>
+            <a:r>
+              <a:rPr lang="de-DE" sz="2400" i="1" dirty="0" err="1"/>
+              <a:t>locked</a:t>
+            </a:r>
+            <a:r>
+              <a:rPr lang="de-DE" sz="2400" i="1" dirty="0"/>
+              <a:t> </a:t>
+            </a:r>
+            <a:r>
+              <a:rPr lang="de-DE" sz="2400" i="1" dirty="0" err="1"/>
+              <a:t>by</a:t>
+            </a:r>
+            <a:r>
+              <a:rPr lang="de-DE" sz="2400" i="1" dirty="0"/>
+              <a:t> a </a:t>
+            </a:r>
+            <a:r>
+              <a:rPr lang="de-DE" sz="2400" i="1" dirty="0" err="1"/>
+              <a:t>lower</a:t>
+            </a:r>
+            <a:r>
+              <a:rPr lang="de-DE" sz="2400" i="1" dirty="0"/>
+              <a:t> </a:t>
+            </a:r>
+            <a:r>
+              <a:rPr lang="de-DE" sz="2400" i="1" dirty="0" err="1"/>
+              <a:t>priority</a:t>
+            </a:r>
+            <a:r>
+              <a:rPr lang="de-DE" sz="2400" i="1" dirty="0"/>
+              <a:t> </a:t>
+            </a:r>
+            <a:r>
+              <a:rPr lang="de-DE" sz="2400" i="1" dirty="0" err="1" smtClean="0"/>
+              <a:t>task</a:t>
+            </a:r>
+            <a:r>
+              <a:rPr lang="de-DE" sz="2400" i="1" dirty="0" smtClean="0"/>
+              <a:t>, </a:t>
+            </a:r>
+            <a:r>
+              <a:rPr lang="de-DE" sz="2400" i="1" dirty="0" err="1" smtClean="0"/>
+              <a:t>the</a:t>
+            </a:r>
+            <a:r>
+              <a:rPr lang="de-DE" sz="2400" i="1" dirty="0" smtClean="0"/>
+              <a:t> </a:t>
+            </a:r>
+            <a:r>
+              <a:rPr lang="de-DE" sz="2400" i="1" dirty="0" err="1" smtClean="0"/>
+              <a:t>lower</a:t>
+            </a:r>
+            <a:r>
+              <a:rPr lang="de-DE" sz="2400" i="1" dirty="0" smtClean="0"/>
+              <a:t> </a:t>
+            </a:r>
+            <a:r>
+              <a:rPr lang="de-DE" sz="2400" i="1" dirty="0" err="1" smtClean="0"/>
+              <a:t>prio</a:t>
+            </a:r>
+            <a:r>
+              <a:rPr lang="de-DE" sz="2400" i="1" dirty="0" smtClean="0"/>
+              <a:t> </a:t>
+            </a:r>
+            <a:r>
+              <a:rPr lang="de-DE" sz="2400" i="1" dirty="0" err="1" smtClean="0"/>
+              <a:t>task</a:t>
+            </a:r>
+            <a:r>
+              <a:rPr lang="de-DE" sz="2400" i="1" dirty="0" smtClean="0"/>
+              <a:t> </a:t>
+            </a:r>
+            <a:r>
+              <a:rPr lang="de-DE" sz="2400" i="1" dirty="0" err="1" smtClean="0"/>
+              <a:t>is</a:t>
+            </a:r>
+            <a:r>
+              <a:rPr lang="de-DE" sz="2400" i="1" dirty="0" smtClean="0"/>
+              <a:t> </a:t>
+            </a:r>
+            <a:r>
+              <a:rPr lang="de-DE" sz="2400" i="1" dirty="0" err="1" smtClean="0"/>
+              <a:t>temporarly</a:t>
+            </a:r>
+            <a:r>
+              <a:rPr lang="de-DE" sz="2400" i="1" dirty="0" smtClean="0"/>
+              <a:t> </a:t>
+            </a:r>
+            <a:r>
+              <a:rPr lang="de-DE" sz="2400" i="1" dirty="0" err="1" smtClean="0"/>
+              <a:t>elevated</a:t>
+            </a:r>
+            <a:r>
+              <a:rPr lang="de-DE" sz="2400" i="1" dirty="0" smtClean="0"/>
+              <a:t> </a:t>
+            </a:r>
+            <a:r>
+              <a:rPr lang="de-DE" sz="2400" i="1" dirty="0" err="1" smtClean="0"/>
+              <a:t>to</a:t>
+            </a:r>
+            <a:r>
+              <a:rPr lang="de-DE" sz="2400" i="1" dirty="0" smtClean="0"/>
+              <a:t> </a:t>
+            </a:r>
+            <a:r>
+              <a:rPr lang="de-DE" sz="2400" i="1" dirty="0" err="1" smtClean="0"/>
+              <a:t>reach</a:t>
+            </a:r>
+            <a:r>
+              <a:rPr lang="de-DE" sz="2400" i="1" dirty="0" smtClean="0"/>
+              <a:t> </a:t>
+            </a:r>
+            <a:r>
+              <a:rPr lang="de-DE" sz="2400" i="1" dirty="0" err="1" smtClean="0"/>
+              <a:t>the</a:t>
+            </a:r>
+            <a:r>
+              <a:rPr lang="de-DE" sz="2400" i="1" dirty="0" smtClean="0"/>
+              <a:t> same </a:t>
+            </a:r>
+            <a:r>
+              <a:rPr lang="de-DE" sz="2400" i="1" dirty="0" err="1" smtClean="0"/>
+              <a:t>priority</a:t>
+            </a:r>
+            <a:r>
+              <a:rPr lang="de-DE" sz="2400" i="1" dirty="0" smtClean="0"/>
+              <a:t>, </a:t>
+            </a:r>
+            <a:r>
+              <a:rPr lang="de-DE" sz="2400" i="1" dirty="0" err="1" smtClean="0"/>
+              <a:t>to</a:t>
+            </a:r>
+            <a:r>
+              <a:rPr lang="de-DE" sz="2400" i="1" dirty="0" smtClean="0"/>
+              <a:t> </a:t>
+            </a:r>
+            <a:r>
+              <a:rPr lang="de-DE" sz="2400" i="1" dirty="0" err="1" smtClean="0"/>
+              <a:t>quickly</a:t>
+            </a:r>
+            <a:r>
+              <a:rPr lang="de-DE" sz="2400" i="1" dirty="0" smtClean="0"/>
+              <a:t> </a:t>
+            </a:r>
+            <a:r>
+              <a:rPr lang="de-DE" sz="2400" i="1" dirty="0" err="1" smtClean="0"/>
+              <a:t>get</a:t>
+            </a:r>
+            <a:r>
+              <a:rPr lang="de-DE" sz="2400" i="1" dirty="0" smtClean="0"/>
+              <a:t> </a:t>
+            </a:r>
+            <a:r>
+              <a:rPr lang="de-DE" sz="2400" i="1" dirty="0" err="1" smtClean="0"/>
+              <a:t>done</a:t>
+            </a:r>
+            <a:r>
+              <a:rPr lang="de-DE" sz="2400" i="1" dirty="0" smtClean="0"/>
+              <a:t> </a:t>
+            </a:r>
+            <a:r>
+              <a:rPr lang="de-DE" sz="2400" i="1" dirty="0" err="1" smtClean="0"/>
+              <a:t>his</a:t>
+            </a:r>
+            <a:r>
+              <a:rPr lang="de-DE" sz="2400" i="1" dirty="0" smtClean="0"/>
+              <a:t> </a:t>
+            </a:r>
+            <a:r>
+              <a:rPr lang="de-DE" sz="2400" i="1" dirty="0" err="1" smtClean="0"/>
+              <a:t>task</a:t>
+            </a:r>
+            <a:r>
+              <a:rPr lang="de-DE" sz="2400" i="1" dirty="0" smtClean="0"/>
+              <a:t> </a:t>
+            </a:r>
+            <a:r>
+              <a:rPr lang="de-DE" sz="2400" i="1" dirty="0" err="1" smtClean="0"/>
+              <a:t>and</a:t>
+            </a:r>
+            <a:r>
+              <a:rPr lang="de-DE" sz="2400" i="1" dirty="0" smtClean="0"/>
+              <a:t> </a:t>
+            </a:r>
+            <a:r>
+              <a:rPr lang="de-DE" sz="2400" i="1" dirty="0" err="1" smtClean="0"/>
+              <a:t>unlock</a:t>
+            </a:r>
+            <a:r>
+              <a:rPr lang="de-DE" sz="2400" i="1" dirty="0" smtClean="0"/>
+              <a:t> </a:t>
+            </a:r>
+            <a:r>
+              <a:rPr lang="de-DE" sz="2400" i="1" dirty="0" err="1" smtClean="0"/>
+              <a:t>the</a:t>
+            </a:r>
+            <a:r>
+              <a:rPr lang="de-DE" sz="2400" i="1" dirty="0" smtClean="0"/>
+              <a:t> </a:t>
+            </a:r>
+            <a:r>
+              <a:rPr lang="de-DE" sz="2400" i="1" dirty="0" err="1" smtClean="0"/>
+              <a:t>resource</a:t>
+            </a:r>
+            <a:r>
+              <a:rPr lang="de-DE" sz="2400" i="1" dirty="0" smtClean="0"/>
+              <a:t> </a:t>
+            </a:r>
+            <a:r>
+              <a:rPr lang="de-DE" sz="2400" i="1" dirty="0" err="1" smtClean="0"/>
+              <a:t>for</a:t>
+            </a:r>
+            <a:r>
+              <a:rPr lang="de-DE" sz="2400" i="1" dirty="0" smtClean="0"/>
+              <a:t> </a:t>
+            </a:r>
+            <a:r>
+              <a:rPr lang="de-DE" sz="2400" i="1" dirty="0" err="1" smtClean="0"/>
+              <a:t>the</a:t>
+            </a:r>
+            <a:r>
+              <a:rPr lang="de-DE" sz="2400" i="1" dirty="0" smtClean="0"/>
+              <a:t> </a:t>
+            </a:r>
+            <a:r>
+              <a:rPr lang="de-DE" sz="2400" i="1" dirty="0" err="1" smtClean="0"/>
+              <a:t>higher</a:t>
+            </a:r>
+            <a:r>
+              <a:rPr lang="de-DE" sz="2400" i="1" dirty="0" smtClean="0"/>
+              <a:t> </a:t>
+            </a:r>
+            <a:r>
+              <a:rPr lang="de-DE" sz="2400" i="1" dirty="0" err="1" smtClean="0"/>
+              <a:t>priority</a:t>
+            </a:r>
+            <a:r>
+              <a:rPr lang="de-DE" sz="2400" i="1" dirty="0" smtClean="0"/>
+              <a:t> </a:t>
+            </a:r>
+            <a:r>
+              <a:rPr lang="de-DE" sz="2400" i="1" dirty="0" err="1" smtClean="0"/>
+              <a:t>task</a:t>
+            </a:r>
+            <a:r>
+              <a:rPr lang="de-DE" sz="2400" i="1" dirty="0" smtClean="0"/>
+              <a:t>.</a:t>
+            </a:r>
+            <a:endParaRPr lang="de-DE" sz="2400" i="1" dirty="0"/>
+          </a:p>
+          <a:p>
+            <a:endParaRPr lang="de-DE" dirty="0"/>
+          </a:p>
+        </p:txBody>
+      </p:sp>
+    </p:spTree>
+    <p:extLst>
+      <p:ext uri="{BB962C8B-B14F-4D97-AF65-F5344CB8AC3E}">
+        <p14:creationId xmlns:p14="http://schemas.microsoft.com/office/powerpoint/2010/main" val="551715258"/>
+      </p:ext>
+    </p:extLst>
+  </p:cSld>
+  <p:clrMapOvr>
+    <a:masterClrMapping/>
+  </p:clrMapOvr>
+  <p:timing>
+    <p:tnLst>
+      <p:par>
+        <p:cTn id="1" dur="indefinite" restart="never" nodeType="tmRoot">
+          <p:childTnLst>
+            <p:seq concurrent="1" nextAc="seek">
+              <p:cTn id="2" dur="indefinite" nodeType="mainSeq">
+                <p:childTnLst>
+                  <p:par>
+                    <p:cTn id="3" fill="hold">
+                      <p:stCondLst>
+                        <p:cond delay="indefinite"/>
+                      </p:stCondLst>
+                      <p:childTnLst>
+                        <p:par>
+                          <p:cTn id="4" fill="hold">
+                            <p:stCondLst>
+                              <p:cond delay="0"/>
+                            </p:stCondLst>
+                            <p:childTnLst>
+                              <p:par>
+                                <p:cTn id="5" presetID="1" presetClass="entr" presetSubtype="0" fill="hold" nodeType="clickEffect">
+                                  <p:stCondLst>
+                                    <p:cond delay="0"/>
+                                  </p:stCondLst>
+                                  <p:childTnLst>
+                                    <p:set>
+                                      <p:cBhvr>
+                                        <p:cTn id="6" dur="1" fill="hold">
+                                          <p:stCondLst>
+                                            <p:cond delay="0"/>
+                                          </p:stCondLst>
+                                        </p:cTn>
+                                        <p:tgtEl>
+                                          <p:spTgt spid="3">
+                                            <p:txEl>
+                                              <p:pRg st="1" end="1"/>
+                                            </p:txEl>
+                                          </p:spTgt>
+                                        </p:tgtEl>
+                                        <p:attrNameLst>
+                                          <p:attrName>style.visibility</p:attrName>
+                                        </p:attrNameLst>
+                                      </p:cBhvr>
+                                      <p:to>
+                                        <p:strVal val="visible"/>
+                                      </p:to>
+                                    </p:set>
+                                  </p:childTnLst>
+                                </p:cTn>
+                              </p:par>
+                              <p:par>
+                                <p:cTn id="7" presetID="1" presetClass="entr" presetSubtype="0" fill="hold" nodeType="withEffect">
+                                  <p:stCondLst>
+                                    <p:cond delay="0"/>
+                                  </p:stCondLst>
+                                  <p:childTnLst>
+                                    <p:set>
+                                      <p:cBhvr>
+                                        <p:cTn id="8" dur="1" fill="hold">
+                                          <p:stCondLst>
+                                            <p:cond delay="0"/>
+                                          </p:stCondLst>
+                                        </p:cTn>
+                                        <p:tgtEl>
+                                          <p:spTgt spid="3">
+                                            <p:txEl>
+                                              <p:pRg st="2" end="2"/>
+                                            </p:txEl>
+                                          </p:spTgt>
+                                        </p:tgtEl>
+                                        <p:attrNameLst>
+                                          <p:attrName>style.visibility</p:attrName>
+                                        </p:attrNameLst>
+                                      </p:cBhvr>
+                                      <p:to>
+                                        <p:strVal val="visible"/>
+                                      </p:to>
+                                    </p:set>
+                                  </p:childTnLst>
+                                </p:cTn>
+                              </p:par>
+                            </p:childTnLst>
+                          </p:cTn>
+                        </p:par>
+                      </p:childTnLst>
+                    </p:cTn>
+                  </p:par>
+                  <p:par>
+                    <p:cTn id="9" fill="hold">
+                      <p:stCondLst>
+                        <p:cond delay="indefinite"/>
+                      </p:stCondLst>
+                      <p:childTnLst>
+                        <p:par>
+                          <p:cTn id="10" fill="hold">
+                            <p:stCondLst>
+                              <p:cond delay="0"/>
+                            </p:stCondLst>
+                            <p:childTnLst>
+                              <p:par>
+                                <p:cTn id="11" presetID="1" presetClass="entr" presetSubtype="0" fill="hold" nodeType="clickEffect">
+                                  <p:stCondLst>
+                                    <p:cond delay="0"/>
+                                  </p:stCondLst>
+                                  <p:childTnLst>
+                                    <p:set>
+                                      <p:cBhvr>
+                                        <p:cTn id="12" dur="1" fill="hold">
+                                          <p:stCondLst>
+                                            <p:cond delay="0"/>
+                                          </p:stCondLst>
+                                        </p:cTn>
+                                        <p:tgtEl>
+                                          <p:spTgt spid="3">
+                                            <p:txEl>
+                                              <p:pRg st="6" end="6"/>
+                                            </p:txEl>
+                                          </p:spTgt>
+                                        </p:tgtEl>
+                                        <p:attrNameLst>
+                                          <p:attrName>style.visibility</p:attrName>
+                                        </p:attrNameLst>
+                                      </p:cBhvr>
+                                      <p:to>
+                                        <p:strVal val="visible"/>
+                                      </p:to>
+                                    </p:set>
+                                  </p:childTnLst>
+                                </p:cTn>
+                              </p:par>
+                            </p:childTnLst>
+                          </p:cTn>
+                        </p:par>
+                      </p:childTnLst>
+                    </p:cTn>
+                  </p:par>
+                </p:childTnLst>
+              </p:cTn>
+              <p:prevCondLst>
+                <p:cond evt="onPrev" delay="0">
+                  <p:tgtEl>
+                    <p:sldTgt/>
+                  </p:tgtEl>
+                </p:cond>
+              </p:prevCondLst>
+              <p:nextCondLst>
+                <p:cond evt="onNext" delay="0">
+                  <p:tgtEl>
+                    <p:sldTgt/>
+                  </p:tgtEl>
+                </p:cond>
+              </p:nextCondLst>
+            </p:seq>
+          </p:childTnLst>
+        </p:cTn>
+      </p:par>
+    </p:tnLst>
+  </p:timing>
 </p:sld>
 </file>
 
@@ -5221,6 +6320,13 @@
   <p:clrMapOvr>
     <a:masterClrMapping/>
   </p:clrMapOvr>
+  <p:timing>
+    <p:tnLst>
+      <p:par>
+        <p:cTn id="1" dur="indefinite" restart="never" nodeType="tmRoot"/>
+      </p:par>
+    </p:tnLst>
+  </p:timing>
 </p:sld>
 </file>
 

--- a/Recap/RecapPP.pptx
+++ b/Recap/RecapPP.pptx
@@ -3134,6 +3134,13 @@
   <p:clrMapOvr>
     <a:masterClrMapping/>
   </p:clrMapOvr>
+  <p:timing>
+    <p:tnLst>
+      <p:par>
+        <p:cTn id="1" dur="indefinite" restart="never" nodeType="tmRoot"/>
+      </p:par>
+    </p:tnLst>
+  </p:timing>
 </p:sld>
 </file>
 
@@ -3655,48 +3662,9 @@
         </p:spPr>
         <p:txBody>
           <a:bodyPr>
-            <a:normAutofit fontScale="92500" lnSpcReduction="20000"/>
+            <a:normAutofit/>
           </a:bodyPr>
           <a:lstStyle/>
-          <a:p>
-            <a:r>
-              <a:rPr lang="de-DE" dirty="0" err="1" smtClean="0"/>
-              <a:t>Creating</a:t>
-            </a:r>
-            <a:r>
-              <a:rPr lang="de-DE" dirty="0" smtClean="0"/>
-              <a:t> </a:t>
-            </a:r>
-            <a:r>
-              <a:rPr lang="de-DE" dirty="0" err="1" smtClean="0"/>
-              <a:t>is</a:t>
-            </a:r>
-            <a:r>
-              <a:rPr lang="de-DE" dirty="0" smtClean="0"/>
-              <a:t> </a:t>
-            </a:r>
-            <a:r>
-              <a:rPr lang="de-DE" dirty="0" err="1" smtClean="0"/>
-              <a:t>similar</a:t>
-            </a:r>
-            <a:r>
-              <a:rPr lang="de-DE" dirty="0" smtClean="0"/>
-              <a:t> </a:t>
-            </a:r>
-            <a:r>
-              <a:rPr lang="de-DE" dirty="0" err="1" smtClean="0"/>
-              <a:t>to</a:t>
-            </a:r>
-            <a:r>
-              <a:rPr lang="de-DE" dirty="0" smtClean="0"/>
-              <a:t> </a:t>
-            </a:r>
-            <a:r>
-              <a:rPr lang="de-DE" dirty="0" err="1" smtClean="0"/>
-              <a:t>semaphore</a:t>
-            </a:r>
-            <a:endParaRPr lang="de-DE" dirty="0" smtClean="0"/>
-          </a:p>
           <a:p>
             <a:r>
               <a:rPr lang="de-DE" dirty="0" err="1" smtClean="0"/>
@@ -4085,7 +4053,7 @@
         </p:nvSpPr>
         <p:spPr>
           <a:xfrm>
-            <a:off x="838200" y="1484555"/>
+            <a:off x="838200" y="2646381"/>
             <a:ext cx="10306722" cy="2862322"/>
           </a:xfrm>
           <a:prstGeom prst="rect">
@@ -4239,6 +4207,72 @@
           </a:p>
           <a:p>
             <a:endParaRPr lang="de-DE" dirty="0"/>
+          </a:p>
+        </p:txBody>
+      </p:sp>
+      <p:sp>
+        <p:nvSpPr>
+          <p:cNvPr id="3" name="Textfeld 2"/>
+          <p:cNvSpPr txBox="1"/>
+          <p:nvPr/>
+        </p:nvSpPr>
+        <p:spPr>
+          <a:xfrm>
+            <a:off x="838200" y="1645314"/>
+            <a:ext cx="6811288" cy="523220"/>
+          </a:xfrm>
+          <a:prstGeom prst="rect">
+            <a:avLst/>
+          </a:prstGeom>
+          <a:noFill/>
+        </p:spPr>
+        <p:txBody>
+          <a:bodyPr wrap="none" rtlCol="0">
+            <a:spAutoFit/>
+          </a:bodyPr>
+          <a:lstStyle/>
+          <a:p>
+            <a:pPr marL="457200" indent="-457200">
+              <a:buFont typeface="Arial" charset="0"/>
+              <a:buChar char="•"/>
+            </a:pPr>
+            <a:r>
+              <a:rPr lang="de-DE" sz="2800" dirty="0" smtClean="0"/>
+              <a:t>Separate Queue </a:t>
+            </a:r>
+            <a:r>
+              <a:rPr lang="de-DE" sz="2800" dirty="0" err="1" smtClean="0"/>
+              <a:t>for</a:t>
+            </a:r>
+            <a:r>
+              <a:rPr lang="de-DE" sz="2800" dirty="0" smtClean="0"/>
+              <a:t> </a:t>
+            </a:r>
+            <a:r>
+              <a:rPr lang="de-DE" sz="2800" dirty="0" err="1" smtClean="0"/>
+              <a:t>sending</a:t>
+            </a:r>
+            <a:r>
+              <a:rPr lang="de-DE" sz="2800" dirty="0" smtClean="0"/>
+              <a:t> </a:t>
+            </a:r>
+            <a:r>
+              <a:rPr lang="de-DE" sz="2800" dirty="0" err="1" smtClean="0"/>
+              <a:t>and</a:t>
+            </a:r>
+            <a:r>
+              <a:rPr lang="de-DE" sz="2800" dirty="0" smtClean="0"/>
+              <a:t> </a:t>
+            </a:r>
+            <a:r>
+              <a:rPr lang="de-DE" sz="2800" dirty="0" err="1" smtClean="0"/>
+              <a:t>receiving</a:t>
+            </a:r>
+            <a:r>
+              <a:rPr lang="de-DE" sz="2800" dirty="0" smtClean="0"/>
+              <a:t> </a:t>
+            </a:r>
+            <a:endParaRPr lang="de-DE" sz="2800" dirty="0"/>
           </a:p>
         </p:txBody>
       </p:sp>
@@ -5393,6 +5427,13 @@
   <p:clrMapOvr>
     <a:masterClrMapping/>
   </p:clrMapOvr>
+  <p:timing>
+    <p:tnLst>
+      <p:par>
+        <p:cTn id="1" dur="indefinite" restart="never" nodeType="tmRoot"/>
+      </p:par>
+    </p:tnLst>
+  </p:timing>
 </p:sld>
 </file>
 
@@ -5483,6 +5524,13 @@
   <p:clrMapOvr>
     <a:masterClrMapping/>
   </p:clrMapOvr>
+  <p:timing>
+    <p:tnLst>
+      <p:par>
+        <p:cTn id="1" dur="indefinite" restart="never" nodeType="tmRoot"/>
+      </p:par>
+    </p:tnLst>
+  </p:timing>
 </p:sld>
 </file>
 
@@ -5705,6 +5753,13 @@
   <p:clrMapOvr>
     <a:masterClrMapping/>
   </p:clrMapOvr>
+  <p:timing>
+    <p:tnLst>
+      <p:par>
+        <p:cTn id="1" dur="indefinite" restart="never" nodeType="tmRoot"/>
+      </p:par>
+    </p:tnLst>
+  </p:timing>
 </p:sld>
 </file>
 
@@ -5839,6 +5894,13 @@
   <p:clrMapOvr>
     <a:masterClrMapping/>
   </p:clrMapOvr>
+  <p:timing>
+    <p:tnLst>
+      <p:par>
+        <p:cTn id="1" dur="indefinite" restart="never" nodeType="tmRoot"/>
+      </p:par>
+    </p:tnLst>
+  </p:timing>
 </p:sld>
 </file>
 
@@ -5921,6 +5983,13 @@
   <p:clrMapOvr>
     <a:masterClrMapping/>
   </p:clrMapOvr>
+  <p:timing>
+    <p:tnLst>
+      <p:par>
+        <p:cTn id="1" dur="indefinite" restart="never" nodeType="tmRoot"/>
+      </p:par>
+    </p:tnLst>
+  </p:timing>
 </p:sld>
 </file>
 
@@ -6003,6 +6072,13 @@
   <p:clrMapOvr>
     <a:masterClrMapping/>
   </p:clrMapOvr>
+  <p:timing>
+    <p:tnLst>
+      <p:par>
+        <p:cTn id="1" dur="indefinite" restart="never" nodeType="tmRoot"/>
+      </p:par>
+    </p:tnLst>
+  </p:timing>
 </p:sld>
 </file>
 
@@ -6085,6 +6161,13 @@
   <p:clrMapOvr>
     <a:masterClrMapping/>
   </p:clrMapOvr>
+  <p:timing>
+    <p:tnLst>
+      <p:par>
+        <p:cTn id="1" dur="indefinite" restart="never" nodeType="tmRoot"/>
+      </p:par>
+    </p:tnLst>
+  </p:timing>
 </p:sld>
 </file>
 

--- a/Recap/RecapPP.pptx
+++ b/Recap/RecapPP.pptx
@@ -19,7 +19,8 @@
     <p:sldId id="268" r:id="rId13"/>
     <p:sldId id="269" r:id="rId14"/>
     <p:sldId id="270" r:id="rId15"/>
-    <p:sldId id="271" r:id="rId16"/>
+    <p:sldId id="272" r:id="rId16"/>
+    <p:sldId id="271" r:id="rId17"/>
   </p:sldIdLst>
   <p:sldSz cx="12192000" cy="6858000"/>
   <p:notesSz cx="6858000" cy="9144000"/>
@@ -3134,13 +3135,6 @@
   <p:clrMapOvr>
     <a:masterClrMapping/>
   </p:clrMapOvr>
-  <p:timing>
-    <p:tnLst>
-      <p:par>
-        <p:cTn id="1" dur="indefinite" restart="never" nodeType="tmRoot"/>
-      </p:par>
-    </p:tnLst>
-  </p:timing>
 </p:sld>
 </file>
 
@@ -3182,7 +3176,7 @@
           <a:lstStyle/>
           <a:p>
             <a:r>
-              <a:rPr lang="de-DE" dirty="0" err="1" smtClean="0"/>
+              <a:rPr lang="de-DE" dirty="0" err="1"/>
               <a:t>Semaphores</a:t>
             </a:r>
             <a:endParaRPr lang="de-DE" dirty="0"/>
@@ -3210,50 +3204,50 @@
           <a:lstStyle/>
           <a:p>
             <a:r>
-              <a:rPr lang="de-DE" dirty="0" err="1" smtClean="0"/>
+              <a:rPr lang="de-DE" dirty="0" err="1"/>
               <a:t>Snychronize</a:t>
             </a:r>
             <a:r>
-              <a:rPr lang="de-DE" dirty="0" smtClean="0"/>
+              <a:rPr lang="de-DE" dirty="0"/>
               <a:t> Tasks / </a:t>
             </a:r>
             <a:r>
-              <a:rPr lang="de-DE" dirty="0" err="1" smtClean="0"/>
+              <a:rPr lang="de-DE" dirty="0" err="1"/>
               <a:t>Notify</a:t>
             </a:r>
             <a:r>
-              <a:rPr lang="de-DE" dirty="0" smtClean="0"/>
-              <a:t> </a:t>
-            </a:r>
-            <a:r>
-              <a:rPr lang="de-DE" dirty="0" err="1" smtClean="0"/>
+              <a:rPr lang="de-DE" dirty="0"/>
+              <a:t> </a:t>
+            </a:r>
+            <a:r>
+              <a:rPr lang="de-DE" dirty="0" err="1"/>
               <a:t>that</a:t>
             </a:r>
             <a:r>
-              <a:rPr lang="de-DE" dirty="0" smtClean="0"/>
-              <a:t> </a:t>
-            </a:r>
-            <a:r>
-              <a:rPr lang="de-DE" dirty="0" err="1" smtClean="0"/>
+              <a:rPr lang="de-DE" dirty="0"/>
+              <a:t> </a:t>
+            </a:r>
+            <a:r>
+              <a:rPr lang="de-DE" dirty="0" err="1"/>
               <a:t>events</a:t>
             </a:r>
             <a:r>
-              <a:rPr lang="de-DE" dirty="0" smtClean="0"/>
-              <a:t> </a:t>
-            </a:r>
-            <a:r>
-              <a:rPr lang="de-DE" dirty="0" err="1" smtClean="0"/>
+              <a:rPr lang="de-DE" dirty="0"/>
+              <a:t> </a:t>
+            </a:r>
+            <a:r>
+              <a:rPr lang="de-DE" dirty="0" err="1"/>
               <a:t>have</a:t>
             </a:r>
             <a:r>
-              <a:rPr lang="de-DE" dirty="0" smtClean="0"/>
-              <a:t> </a:t>
-            </a:r>
-            <a:r>
-              <a:rPr lang="de-DE" dirty="0" err="1" smtClean="0"/>
+              <a:rPr lang="de-DE" dirty="0"/>
+              <a:t> </a:t>
+            </a:r>
+            <a:r>
+              <a:rPr lang="de-DE" dirty="0" err="1"/>
               <a:t>occurred</a:t>
             </a:r>
-            <a:endParaRPr lang="de-DE" dirty="0" smtClean="0"/>
+            <a:endParaRPr lang="de-DE" dirty="0"/>
           </a:p>
         </p:txBody>
       </p:sp>
@@ -3280,137 +3274,135 @@
           <a:lstStyle/>
           <a:p>
             <a:r>
-              <a:rPr lang="de-DE" sz="2400" dirty="0" smtClean="0"/>
+              <a:rPr lang="de-DE" sz="2400" dirty="0"/>
               <a:t>#</a:t>
             </a:r>
             <a:r>
-              <a:rPr lang="de-DE" sz="2400" dirty="0" err="1" smtClean="0"/>
+              <a:rPr lang="de-DE" sz="2400" dirty="0" err="1"/>
               <a:t>include</a:t>
             </a:r>
             <a:r>
-              <a:rPr lang="de-DE" sz="2400" dirty="0" smtClean="0"/>
+              <a:rPr lang="de-DE" sz="2400" dirty="0"/>
               <a:t> „</a:t>
             </a:r>
             <a:r>
-              <a:rPr lang="de-DE" sz="2400" dirty="0" err="1" smtClean="0"/>
+              <a:rPr lang="de-DE" sz="2400" dirty="0" err="1"/>
               <a:t>semphr.h</a:t>
             </a:r>
             <a:r>
-              <a:rPr lang="de-DE" sz="2400" dirty="0" smtClean="0"/>
+              <a:rPr lang="de-DE" sz="2400" dirty="0"/>
               <a:t>“</a:t>
             </a:r>
           </a:p>
           <a:p>
-            <a:endParaRPr lang="de-DE" sz="2400" b="1" dirty="0" smtClean="0"/>
-          </a:p>
-          <a:p>
-            <a:r>
-              <a:rPr lang="de-DE" sz="2000" dirty="0" err="1" smtClean="0"/>
+            <a:endParaRPr lang="de-DE" sz="2400" b="1" dirty="0"/>
+          </a:p>
+          <a:p>
+            <a:r>
+              <a:rPr lang="de-DE" sz="2000" dirty="0" err="1"/>
               <a:t>SemaphoreHandle_t</a:t>
             </a:r>
             <a:r>
-              <a:rPr lang="de-DE" sz="2000" dirty="0" smtClean="0"/>
+              <a:rPr lang="de-DE" sz="2000" dirty="0"/>
               <a:t> = </a:t>
             </a:r>
             <a:r>
-              <a:rPr lang="de-DE" sz="2000" dirty="0" err="1" smtClean="0"/>
+              <a:rPr lang="de-DE" sz="2000" dirty="0" err="1"/>
               <a:t>LEDSemaphore</a:t>
             </a:r>
             <a:r>
-              <a:rPr lang="de-DE" sz="2000" dirty="0" smtClean="0"/>
+              <a:rPr lang="de-DE" sz="2000" dirty="0"/>
               <a:t>;</a:t>
             </a:r>
           </a:p>
           <a:p>
-            <a:endParaRPr lang="de-DE" sz="2400" b="1" dirty="0" smtClean="0"/>
-          </a:p>
-          <a:p>
-            <a:r>
-              <a:rPr lang="de-DE" sz="2000" dirty="0" err="1" smtClean="0"/>
+            <a:endParaRPr lang="de-DE" sz="2400" b="1" dirty="0"/>
+          </a:p>
+          <a:p>
+            <a:r>
+              <a:rPr lang="de-DE" sz="2000" dirty="0" err="1"/>
               <a:t>LEDSemaphore</a:t>
             </a:r>
             <a:r>
-              <a:rPr lang="de-DE" sz="2000" dirty="0" smtClean="0"/>
+              <a:rPr lang="de-DE" sz="2000" dirty="0"/>
               <a:t> = </a:t>
             </a:r>
             <a:r>
-              <a:rPr lang="de-DE" sz="2000" dirty="0" err="1" smtClean="0"/>
+              <a:rPr lang="de-DE" sz="2000" dirty="0" err="1"/>
               <a:t>xSemaphoreCreateBinary</a:t>
             </a:r>
             <a:r>
-              <a:rPr lang="de-DE" sz="2000" dirty="0" smtClean="0"/>
+              <a:rPr lang="de-DE" sz="2000" dirty="0"/>
               <a:t>();</a:t>
             </a:r>
           </a:p>
           <a:p>
             <a:r>
-              <a:rPr lang="de-DE" sz="2000" dirty="0" err="1" smtClean="0"/>
+              <a:rPr lang="de-DE" sz="2000" dirty="0" err="1"/>
               <a:t>or</a:t>
             </a:r>
-            <a:endParaRPr lang="de-DE" sz="2000" dirty="0" smtClean="0"/>
-          </a:p>
-          <a:p>
-            <a:r>
-              <a:rPr lang="de-DE" sz="2000" dirty="0" err="1" smtClean="0"/>
+            <a:endParaRPr lang="de-DE" sz="2000" dirty="0"/>
+          </a:p>
+          <a:p>
+            <a:r>
+              <a:rPr lang="de-DE" sz="2000" dirty="0" err="1"/>
               <a:t>xSemaphoreCreateCounting</a:t>
             </a:r>
             <a:r>
-              <a:rPr lang="de-DE" sz="2000" dirty="0" smtClean="0"/>
+              <a:rPr lang="de-DE" sz="2000" dirty="0"/>
               <a:t>();</a:t>
             </a:r>
+          </a:p>
+          <a:p>
             <a:endParaRPr lang="de-DE" sz="2000" dirty="0"/>
           </a:p>
           <a:p>
-            <a:endParaRPr lang="de-DE" sz="2000" dirty="0" smtClean="0"/>
-          </a:p>
-          <a:p>
-            <a:endParaRPr lang="de-DE" sz="2000" dirty="0" smtClean="0"/>
-          </a:p>
-          <a:p>
-            <a:r>
-              <a:rPr lang="de-DE" sz="2000" dirty="0" err="1" smtClean="0"/>
+            <a:endParaRPr lang="de-DE" sz="2000" dirty="0"/>
+          </a:p>
+          <a:p>
+            <a:r>
+              <a:rPr lang="de-DE" sz="2000" dirty="0" err="1"/>
               <a:t>xSemaphoreGive</a:t>
             </a:r>
             <a:r>
-              <a:rPr lang="de-DE" sz="2000" dirty="0" smtClean="0"/>
+              <a:rPr lang="de-DE" sz="2000" dirty="0"/>
               <a:t>( </a:t>
             </a:r>
             <a:r>
-              <a:rPr lang="de-DE" sz="2000" dirty="0" err="1" smtClean="0"/>
+              <a:rPr lang="de-DE" sz="2000" dirty="0" err="1"/>
               <a:t>LEDSemaphore</a:t>
             </a:r>
             <a:r>
-              <a:rPr lang="de-DE" sz="2000" dirty="0" smtClean="0"/>
+              <a:rPr lang="de-DE" sz="2000" dirty="0"/>
               <a:t> );</a:t>
             </a:r>
           </a:p>
           <a:p>
-            <a:endParaRPr lang="de-DE" sz="2000" dirty="0" smtClean="0"/>
-          </a:p>
-          <a:p>
-            <a:endParaRPr lang="de-DE" sz="2000" dirty="0" smtClean="0"/>
-          </a:p>
-          <a:p>
-            <a:r>
-              <a:rPr lang="de-DE" sz="2000" dirty="0" err="1" smtClean="0"/>
+            <a:endParaRPr lang="de-DE" sz="2000" dirty="0"/>
+          </a:p>
+          <a:p>
+            <a:endParaRPr lang="de-DE" sz="2000" dirty="0"/>
+          </a:p>
+          <a:p>
+            <a:r>
+              <a:rPr lang="de-DE" sz="2000" dirty="0" err="1"/>
               <a:t>xSemaphoreTake</a:t>
             </a:r>
             <a:r>
-              <a:rPr lang="de-DE" sz="2000" dirty="0" smtClean="0"/>
+              <a:rPr lang="de-DE" sz="2000" dirty="0"/>
               <a:t>( </a:t>
             </a:r>
             <a:r>
-              <a:rPr lang="de-DE" sz="2000" dirty="0" err="1" smtClean="0"/>
+              <a:rPr lang="de-DE" sz="2000" dirty="0" err="1"/>
               <a:t>LEDSemaphore</a:t>
             </a:r>
             <a:r>
-              <a:rPr lang="de-DE" sz="2000" dirty="0" smtClean="0"/>
+              <a:rPr lang="de-DE" sz="2000" dirty="0"/>
               <a:t> );</a:t>
             </a:r>
+          </a:p>
+          <a:p>
             <a:endParaRPr lang="de-DE" sz="2000" dirty="0"/>
-          </a:p>
-          <a:p>
-            <a:endParaRPr lang="de-DE" sz="2000" dirty="0" smtClean="0"/>
           </a:p>
           <a:p>
             <a:endParaRPr lang="de-DE" dirty="0"/>
@@ -3460,13 +3452,6 @@
   <p:clrMapOvr>
     <a:masterClrMapping/>
   </p:clrMapOvr>
-  <p:timing>
-    <p:tnLst>
-      <p:par>
-        <p:cTn id="1" dur="indefinite" restart="never" nodeType="tmRoot"/>
-      </p:par>
-    </p:tnLst>
-  </p:timing>
 </p:sld>
 </file>
 
@@ -3503,7 +3488,7 @@
           <a:lstStyle/>
           <a:p>
             <a:r>
-              <a:rPr lang="de-DE" dirty="0" err="1" smtClean="0"/>
+              <a:rPr lang="de-DE" dirty="0" err="1"/>
               <a:t>Mutex</a:t>
             </a:r>
             <a:endParaRPr lang="de-DE" dirty="0"/>
@@ -3594,13 +3579,6 @@
   <p:clrMapOvr>
     <a:masterClrMapping/>
   </p:clrMapOvr>
-  <p:timing>
-    <p:tnLst>
-      <p:par>
-        <p:cTn id="1" dur="indefinite" restart="never" nodeType="tmRoot"/>
-      </p:par>
-    </p:tnLst>
-  </p:timing>
 </p:sld>
 </file>
 
@@ -3637,7 +3615,7 @@
           <a:lstStyle/>
           <a:p>
             <a:r>
-              <a:rPr lang="de-DE" dirty="0" err="1" smtClean="0"/>
+              <a:rPr lang="de-DE" dirty="0" err="1"/>
               <a:t>Mutex</a:t>
             </a:r>
             <a:endParaRPr lang="de-DE" dirty="0"/>
@@ -3667,15 +3645,15 @@
           <a:lstStyle/>
           <a:p>
             <a:r>
-              <a:rPr lang="de-DE" dirty="0" err="1" smtClean="0"/>
+              <a:rPr lang="de-DE" dirty="0" err="1"/>
               <a:t>Priority</a:t>
             </a:r>
             <a:r>
-              <a:rPr lang="de-DE" dirty="0" smtClean="0"/>
-              <a:t> </a:t>
-            </a:r>
-            <a:r>
-              <a:rPr lang="de-DE" dirty="0" err="1" smtClean="0"/>
+              <a:rPr lang="de-DE" dirty="0"/>
+              <a:t> </a:t>
+            </a:r>
+            <a:r>
+              <a:rPr lang="de-DE" dirty="0" err="1"/>
               <a:t>Inheritance</a:t>
             </a:r>
             <a:endParaRPr lang="de-DE" dirty="0"/>
@@ -3708,23 +3686,23 @@
           <a:lstStyle/>
           <a:p>
             <a:r>
-              <a:rPr lang="de-DE" dirty="0" smtClean="0"/>
+              <a:rPr lang="de-DE" dirty="0"/>
               <a:t>#</a:t>
             </a:r>
             <a:r>
-              <a:rPr lang="de-DE" dirty="0" err="1" smtClean="0"/>
+              <a:rPr lang="de-DE" dirty="0" err="1"/>
               <a:t>include</a:t>
             </a:r>
             <a:r>
-              <a:rPr lang="de-DE" dirty="0" smtClean="0"/>
+              <a:rPr lang="de-DE" dirty="0"/>
               <a:t> „</a:t>
             </a:r>
             <a:r>
-              <a:rPr lang="de-DE" dirty="0" err="1" smtClean="0"/>
+              <a:rPr lang="de-DE" dirty="0" err="1"/>
               <a:t>semphr.h</a:t>
             </a:r>
             <a:r>
-              <a:rPr lang="de-DE" dirty="0" smtClean="0"/>
+              <a:rPr lang="de-DE" dirty="0"/>
               <a:t>“</a:t>
             </a:r>
           </a:p>
@@ -3733,62 +3711,61 @@
           </a:p>
           <a:p>
             <a:r>
-              <a:rPr lang="de-DE" dirty="0" err="1" smtClean="0"/>
+              <a:rPr lang="de-DE" dirty="0" err="1"/>
               <a:t>SemaphoreHandle_t</a:t>
             </a:r>
             <a:r>
-              <a:rPr lang="de-DE" dirty="0" smtClean="0"/>
-              <a:t> </a:t>
-            </a:r>
-            <a:r>
-              <a:rPr lang="de-DE" dirty="0" err="1" smtClean="0"/>
+              <a:rPr lang="de-DE" dirty="0"/>
+              <a:t> </a:t>
+            </a:r>
+            <a:r>
+              <a:rPr lang="de-DE" dirty="0" err="1"/>
               <a:t>LEDMutex</a:t>
             </a:r>
             <a:r>
-              <a:rPr lang="de-DE" dirty="0" smtClean="0"/>
+              <a:rPr lang="de-DE" dirty="0"/>
               <a:t>;</a:t>
             </a:r>
           </a:p>
           <a:p>
             <a:r>
-              <a:rPr lang="de-DE" dirty="0" err="1" smtClean="0"/>
+              <a:rPr lang="de-DE" dirty="0" err="1"/>
               <a:t>LEDMutex</a:t>
             </a:r>
             <a:r>
-              <a:rPr lang="de-DE" dirty="0" smtClean="0"/>
+              <a:rPr lang="de-DE" dirty="0"/>
               <a:t> = </a:t>
             </a:r>
             <a:r>
-              <a:rPr lang="de-DE" dirty="0" err="1" smtClean="0"/>
+              <a:rPr lang="de-DE" dirty="0" err="1"/>
               <a:t>xSemaphoreCreateMutex</a:t>
             </a:r>
             <a:r>
-              <a:rPr lang="de-DE" dirty="0" smtClean="0"/>
+              <a:rPr lang="de-DE" dirty="0"/>
               <a:t>();</a:t>
             </a:r>
+          </a:p>
+          <a:p>
             <a:endParaRPr lang="de-DE" dirty="0"/>
           </a:p>
           <a:p>
             <a:endParaRPr lang="de-DE" dirty="0"/>
           </a:p>
           <a:p>
-            <a:endParaRPr lang="de-DE" dirty="0" smtClean="0"/>
-          </a:p>
-          <a:p>
-            <a:r>
-              <a:rPr lang="de-DE" dirty="0" err="1" smtClean="0"/>
+            <a:r>
+              <a:rPr lang="de-DE" dirty="0" err="1"/>
               <a:t>xSemaphoreTake</a:t>
             </a:r>
             <a:r>
-              <a:rPr lang="de-DE" dirty="0" smtClean="0"/>
+              <a:rPr lang="de-DE" dirty="0"/>
               <a:t>( </a:t>
             </a:r>
             <a:r>
-              <a:rPr lang="de-DE" dirty="0" err="1" smtClean="0"/>
+              <a:rPr lang="de-DE" dirty="0" err="1"/>
               <a:t>LEDMutex</a:t>
             </a:r>
             <a:r>
-              <a:rPr lang="de-DE" dirty="0" smtClean="0"/>
+              <a:rPr lang="de-DE" dirty="0"/>
               <a:t> );</a:t>
             </a:r>
           </a:p>
@@ -3797,25 +3774,24 @@
           </a:p>
           <a:p>
             <a:r>
-              <a:rPr lang="de-DE" dirty="0" err="1" smtClean="0"/>
+              <a:rPr lang="de-DE" dirty="0" err="1"/>
               <a:t>xSemaphoreGive</a:t>
             </a:r>
             <a:r>
-              <a:rPr lang="de-DE" dirty="0" smtClean="0"/>
+              <a:rPr lang="de-DE" dirty="0"/>
               <a:t>( </a:t>
             </a:r>
             <a:r>
-              <a:rPr lang="de-DE" dirty="0" err="1" smtClean="0"/>
+              <a:rPr lang="de-DE" dirty="0" err="1"/>
               <a:t>LEDMutex</a:t>
             </a:r>
             <a:r>
-              <a:rPr lang="de-DE" dirty="0" smtClean="0"/>
+              <a:rPr lang="de-DE" dirty="0"/>
               <a:t> );</a:t>
             </a:r>
+          </a:p>
+          <a:p>
             <a:endParaRPr lang="de-DE" dirty="0"/>
-          </a:p>
-          <a:p>
-            <a:endParaRPr lang="de-DE" dirty="0" smtClean="0"/>
           </a:p>
         </p:txBody>
       </p:sp>
@@ -3829,13 +3805,6 @@
   <p:clrMapOvr>
     <a:masterClrMapping/>
   </p:clrMapOvr>
-  <p:timing>
-    <p:tnLst>
-      <p:par>
-        <p:cTn id="1" dur="indefinite" restart="never" nodeType="tmRoot"/>
-      </p:par>
-    </p:tnLst>
-  </p:timing>
 </p:sld>
 </file>
 
@@ -3872,11 +3841,11 @@
           <a:lstStyle/>
           <a:p>
             <a:r>
-              <a:rPr lang="de-DE" dirty="0" smtClean="0"/>
+              <a:rPr lang="de-DE" dirty="0"/>
               <a:t>Message Queue </a:t>
             </a:r>
             <a:r>
-              <a:rPr lang="de-DE" dirty="0" err="1" smtClean="0"/>
+              <a:rPr lang="de-DE" dirty="0" err="1"/>
               <a:t>Fundamentals</a:t>
             </a:r>
             <a:endParaRPr lang="de-DE" dirty="0"/>
@@ -3899,62 +3868,62 @@
           <a:lstStyle/>
           <a:p>
             <a:r>
-              <a:rPr lang="de-DE" dirty="0" smtClean="0"/>
+              <a:rPr lang="de-DE" dirty="0"/>
               <a:t>Tasks </a:t>
             </a:r>
             <a:r>
-              <a:rPr lang="de-DE" dirty="0" err="1" smtClean="0"/>
+              <a:rPr lang="de-DE" dirty="0" err="1"/>
               <a:t>are</a:t>
             </a:r>
             <a:r>
-              <a:rPr lang="de-DE" dirty="0" smtClean="0"/>
-              <a:t> </a:t>
-            </a:r>
-            <a:r>
-              <a:rPr lang="de-DE" dirty="0" err="1" smtClean="0"/>
+              <a:rPr lang="de-DE" dirty="0"/>
+              <a:t> </a:t>
+            </a:r>
+            <a:r>
+              <a:rPr lang="de-DE" dirty="0" err="1"/>
               <a:t>able</a:t>
             </a:r>
             <a:r>
-              <a:rPr lang="de-DE" dirty="0" smtClean="0"/>
-              <a:t> </a:t>
-            </a:r>
-            <a:r>
-              <a:rPr lang="de-DE" dirty="0" err="1" smtClean="0"/>
+              <a:rPr lang="de-DE" dirty="0"/>
+              <a:t> </a:t>
+            </a:r>
+            <a:r>
+              <a:rPr lang="de-DE" dirty="0" err="1"/>
               <a:t>to</a:t>
             </a:r>
             <a:r>
-              <a:rPr lang="de-DE" dirty="0" smtClean="0"/>
-              <a:t> </a:t>
-            </a:r>
-            <a:r>
-              <a:rPr lang="de-DE" dirty="0" err="1" smtClean="0"/>
+              <a:rPr lang="de-DE" dirty="0"/>
+              <a:t> </a:t>
+            </a:r>
+            <a:r>
+              <a:rPr lang="de-DE" dirty="0" err="1"/>
               <a:t>interract</a:t>
             </a:r>
             <a:r>
-              <a:rPr lang="de-DE" dirty="0" smtClean="0"/>
-              <a:t> </a:t>
-            </a:r>
-            <a:r>
-              <a:rPr lang="de-DE" dirty="0" err="1" smtClean="0"/>
+              <a:rPr lang="de-DE" dirty="0"/>
+              <a:t> </a:t>
+            </a:r>
+            <a:r>
+              <a:rPr lang="de-DE" dirty="0" err="1"/>
               <a:t>with</a:t>
             </a:r>
             <a:r>
-              <a:rPr lang="de-DE" dirty="0" smtClean="0"/>
-              <a:t> </a:t>
-            </a:r>
-            <a:r>
-              <a:rPr lang="de-DE" dirty="0" err="1" smtClean="0"/>
+              <a:rPr lang="de-DE" dirty="0"/>
+              <a:t> </a:t>
+            </a:r>
+            <a:r>
+              <a:rPr lang="de-DE" dirty="0" err="1"/>
               <a:t>each</a:t>
             </a:r>
             <a:r>
-              <a:rPr lang="de-DE" dirty="0" smtClean="0"/>
-              <a:t> </a:t>
-            </a:r>
-            <a:r>
-              <a:rPr lang="de-DE" dirty="0" err="1" smtClean="0"/>
+              <a:rPr lang="de-DE" dirty="0"/>
+              <a:t> </a:t>
+            </a:r>
+            <a:r>
+              <a:rPr lang="de-DE" dirty="0" err="1"/>
               <a:t>other</a:t>
             </a:r>
-            <a:endParaRPr lang="de-DE" dirty="0" smtClean="0"/>
+            <a:endParaRPr lang="de-DE" dirty="0"/>
           </a:p>
           <a:p>
             <a:endParaRPr lang="de-DE" dirty="0"/>
@@ -3995,13 +3964,6 @@
   <p:clrMapOvr>
     <a:masterClrMapping/>
   </p:clrMapOvr>
-  <p:timing>
-    <p:tnLst>
-      <p:par>
-        <p:cTn id="1" dur="indefinite" restart="never" nodeType="tmRoot"/>
-      </p:par>
-    </p:tnLst>
-  </p:timing>
 </p:sld>
 </file>
 
@@ -4038,10 +4000,9 @@
           <a:lstStyle/>
           <a:p>
             <a:r>
-              <a:rPr lang="de-DE" dirty="0" smtClean="0"/>
+              <a:rPr lang="de-DE" dirty="0"/>
               <a:t>Message Queue</a:t>
             </a:r>
-            <a:endParaRPr lang="de-DE" dirty="0"/>
           </a:p>
         </p:txBody>
       </p:sp>
@@ -4068,23 +4029,23 @@
           <a:lstStyle/>
           <a:p>
             <a:r>
-              <a:rPr lang="de-DE" dirty="0" smtClean="0"/>
+              <a:rPr lang="de-DE" dirty="0"/>
               <a:t>#</a:t>
             </a:r>
             <a:r>
-              <a:rPr lang="de-DE" dirty="0" err="1" smtClean="0"/>
+              <a:rPr lang="de-DE" dirty="0" err="1"/>
               <a:t>include</a:t>
             </a:r>
             <a:r>
-              <a:rPr lang="de-DE" dirty="0" smtClean="0"/>
+              <a:rPr lang="de-DE" dirty="0"/>
               <a:t> „</a:t>
             </a:r>
             <a:r>
-              <a:rPr lang="de-DE" dirty="0" err="1" smtClean="0"/>
+              <a:rPr lang="de-DE" dirty="0" err="1"/>
               <a:t>queue.h</a:t>
             </a:r>
             <a:r>
-              <a:rPr lang="de-DE" dirty="0" smtClean="0"/>
+              <a:rPr lang="de-DE" dirty="0"/>
               <a:t>“</a:t>
             </a:r>
           </a:p>
@@ -4093,11 +4054,11 @@
           </a:p>
           <a:p>
             <a:r>
-              <a:rPr lang="de-DE" dirty="0" err="1" smtClean="0"/>
+              <a:rPr lang="de-DE" dirty="0" err="1"/>
               <a:t>QueueHandle_t</a:t>
             </a:r>
             <a:r>
-              <a:rPr lang="de-DE" dirty="0" smtClean="0"/>
+              <a:rPr lang="de-DE" dirty="0"/>
               <a:t> </a:t>
             </a:r>
             <a:r>
@@ -4105,7 +4066,7 @@
               <a:t>LEDQueue</a:t>
             </a:r>
             <a:r>
-              <a:rPr lang="de-DE" dirty="0" smtClean="0"/>
+              <a:rPr lang="de-DE" dirty="0"/>
               <a:t>;</a:t>
             </a:r>
           </a:p>
@@ -4114,35 +4075,35 @@
           </a:p>
           <a:p>
             <a:r>
-              <a:rPr lang="de-DE" dirty="0" err="1" smtClean="0"/>
+              <a:rPr lang="de-DE" dirty="0" err="1"/>
               <a:t>LEDQueue</a:t>
             </a:r>
             <a:r>
-              <a:rPr lang="de-DE" dirty="0" smtClean="0"/>
+              <a:rPr lang="de-DE" dirty="0"/>
               <a:t> = </a:t>
             </a:r>
             <a:r>
-              <a:rPr lang="de-DE" dirty="0" err="1" smtClean="0"/>
+              <a:rPr lang="de-DE" dirty="0" err="1"/>
               <a:t>xQueueCreate</a:t>
             </a:r>
             <a:r>
-              <a:rPr lang="de-DE" dirty="0" smtClean="0"/>
+              <a:rPr lang="de-DE" dirty="0"/>
               <a:t>( MAX_ITEMS, </a:t>
             </a:r>
             <a:r>
-              <a:rPr lang="de-DE" dirty="0" err="1" smtClean="0"/>
+              <a:rPr lang="de-DE" dirty="0" err="1"/>
               <a:t>sizeof</a:t>
             </a:r>
             <a:r>
-              <a:rPr lang="de-DE" dirty="0" smtClean="0"/>
+              <a:rPr lang="de-DE" dirty="0"/>
               <a:t>(  </a:t>
             </a:r>
             <a:r>
-              <a:rPr lang="de-DE" dirty="0" err="1" smtClean="0"/>
+              <a:rPr lang="de-DE" dirty="0" err="1"/>
               <a:t>Message_t</a:t>
             </a:r>
             <a:r>
-              <a:rPr lang="de-DE" dirty="0" smtClean="0"/>
+              <a:rPr lang="de-DE" dirty="0"/>
               <a:t>* ) );</a:t>
             </a:r>
           </a:p>
@@ -4151,57 +4112,56 @@
           </a:p>
           <a:p>
             <a:r>
-              <a:rPr lang="de-DE" dirty="0" err="1" smtClean="0"/>
+              <a:rPr lang="de-DE" dirty="0" err="1"/>
               <a:t>xQueueSend</a:t>
             </a:r>
             <a:r>
-              <a:rPr lang="de-DE" dirty="0" smtClean="0"/>
+              <a:rPr lang="de-DE" dirty="0"/>
               <a:t>( (</a:t>
             </a:r>
             <a:r>
-              <a:rPr lang="de-DE" dirty="0" err="1" smtClean="0"/>
+              <a:rPr lang="de-DE" dirty="0" err="1"/>
               <a:t>void</a:t>
             </a:r>
             <a:r>
-              <a:rPr lang="de-DE" dirty="0" smtClean="0"/>
+              <a:rPr lang="de-DE" dirty="0"/>
               <a:t> *)&amp;</a:t>
             </a:r>
             <a:r>
-              <a:rPr lang="de-DE" dirty="0" err="1" smtClean="0"/>
+              <a:rPr lang="de-DE" dirty="0" err="1"/>
               <a:t>MessagePtr</a:t>
             </a:r>
             <a:r>
-              <a:rPr lang="de-DE" dirty="0" smtClean="0"/>
+              <a:rPr lang="de-DE" dirty="0"/>
               <a:t> );</a:t>
             </a:r>
+          </a:p>
+          <a:p>
             <a:endParaRPr lang="de-DE" dirty="0"/>
           </a:p>
           <a:p>
-            <a:endParaRPr lang="de-DE" dirty="0" smtClean="0"/>
-          </a:p>
-          <a:p>
-            <a:r>
-              <a:rPr lang="de-DE" dirty="0" err="1" smtClean="0"/>
+            <a:r>
+              <a:rPr lang="de-DE" dirty="0" err="1"/>
               <a:t>xQueueReceive</a:t>
             </a:r>
             <a:r>
-              <a:rPr lang="de-DE" dirty="0" smtClean="0"/>
+              <a:rPr lang="de-DE" dirty="0"/>
               <a:t>( </a:t>
             </a:r>
             <a:r>
-              <a:rPr lang="de-DE" dirty="0" err="1" smtClean="0"/>
+              <a:rPr lang="de-DE" dirty="0" err="1"/>
               <a:t>LEDQueue</a:t>
             </a:r>
             <a:r>
-              <a:rPr lang="de-DE" dirty="0" smtClean="0"/>
+              <a:rPr lang="de-DE" dirty="0"/>
               <a:t> , &amp;(</a:t>
             </a:r>
             <a:r>
-              <a:rPr lang="de-DE" dirty="0" err="1" smtClean="0"/>
+              <a:rPr lang="de-DE" dirty="0" err="1"/>
               <a:t>MessagePtr</a:t>
             </a:r>
             <a:r>
-              <a:rPr lang="de-DE" dirty="0" smtClean="0"/>
+              <a:rPr lang="de-DE" dirty="0"/>
               <a:t>) );</a:t>
             </a:r>
           </a:p>
@@ -4237,42 +4197,41 @@
               <a:buChar char="•"/>
             </a:pPr>
             <a:r>
-              <a:rPr lang="de-DE" sz="2800" dirty="0" smtClean="0"/>
+              <a:rPr lang="de-DE" sz="2800" dirty="0"/>
               <a:t>Separate Queue </a:t>
             </a:r>
             <a:r>
-              <a:rPr lang="de-DE" sz="2800" dirty="0" err="1" smtClean="0"/>
+              <a:rPr lang="de-DE" sz="2800" dirty="0" err="1"/>
               <a:t>for</a:t>
             </a:r>
             <a:r>
-              <a:rPr lang="de-DE" sz="2800" dirty="0" smtClean="0"/>
-              <a:t> </a:t>
-            </a:r>
-            <a:r>
-              <a:rPr lang="de-DE" sz="2800" dirty="0" err="1" smtClean="0"/>
+              <a:rPr lang="de-DE" sz="2800" dirty="0"/>
+              <a:t> </a:t>
+            </a:r>
+            <a:r>
+              <a:rPr lang="de-DE" sz="2800" dirty="0" err="1"/>
               <a:t>sending</a:t>
             </a:r>
             <a:r>
-              <a:rPr lang="de-DE" sz="2800" dirty="0" smtClean="0"/>
-              <a:t> </a:t>
-            </a:r>
-            <a:r>
-              <a:rPr lang="de-DE" sz="2800" dirty="0" err="1" smtClean="0"/>
+              <a:rPr lang="de-DE" sz="2800" dirty="0"/>
+              <a:t> </a:t>
+            </a:r>
+            <a:r>
+              <a:rPr lang="de-DE" sz="2800" dirty="0" err="1"/>
               <a:t>and</a:t>
             </a:r>
             <a:r>
-              <a:rPr lang="de-DE" sz="2800" dirty="0" smtClean="0"/>
-              <a:t> </a:t>
-            </a:r>
-            <a:r>
-              <a:rPr lang="de-DE" sz="2800" dirty="0" err="1" smtClean="0"/>
+              <a:rPr lang="de-DE" sz="2800" dirty="0"/>
+              <a:t> </a:t>
+            </a:r>
+            <a:r>
+              <a:rPr lang="de-DE" sz="2800" dirty="0" err="1"/>
               <a:t>receiving</a:t>
             </a:r>
             <a:r>
-              <a:rPr lang="de-DE" sz="2800" dirty="0" smtClean="0"/>
-              <a:t> </a:t>
-            </a:r>
-            <a:endParaRPr lang="de-DE" sz="2800" dirty="0"/>
+              <a:rPr lang="de-DE" sz="2800" dirty="0"/>
+              <a:t> </a:t>
+            </a:r>
           </a:p>
         </p:txBody>
       </p:sp>
@@ -4286,13 +4245,6 @@
   <p:clrMapOvr>
     <a:masterClrMapping/>
   </p:clrMapOvr>
-  <p:timing>
-    <p:tnLst>
-      <p:par>
-        <p:cTn id="1" dur="indefinite" restart="never" nodeType="tmRoot"/>
-      </p:par>
-    </p:tnLst>
-  </p:timing>
 </p:sld>
 </file>
 
@@ -4329,11 +4281,216 @@
           <a:lstStyle/>
           <a:p>
             <a:r>
-              <a:rPr lang="de-DE" dirty="0" err="1" smtClean="0"/>
+              <a:rPr lang="en-GB" dirty="0"/>
               <a:t>Questions</a:t>
             </a:r>
+          </a:p>
+        </p:txBody>
+      </p:sp>
+      <p:sp>
+        <p:nvSpPr>
+          <p:cNvPr id="3" name="Inhaltsplatzhalter 2"/>
+          <p:cNvSpPr>
+            <a:spLocks noGrp="1"/>
+          </p:cNvSpPr>
+          <p:nvPr>
+            <p:ph idx="1"/>
+          </p:nvPr>
+        </p:nvSpPr>
+        <p:spPr>
+          <a:xfrm>
+            <a:off x="838200" y="2438399"/>
+            <a:ext cx="10515600" cy="3738563"/>
+          </a:xfrm>
+        </p:spPr>
+        <p:txBody>
+          <a:bodyPr/>
+          <a:lstStyle/>
+          <a:p>
+            <a:r>
+              <a:rPr lang="en-GB" dirty="0"/>
+              <a:t>What are the 3 possible States of a Task?</a:t>
+            </a:r>
+          </a:p>
+          <a:p>
+            <a:pPr marL="0" indent="0">
+              <a:buNone/>
+            </a:pPr>
+            <a:endParaRPr lang="en-GB" dirty="0"/>
+          </a:p>
+          <a:p>
+            <a:r>
+              <a:rPr lang="de-DE" dirty="0" err="1"/>
+              <a:t>What</a:t>
+            </a:r>
+            <a:r>
+              <a:rPr lang="de-DE" dirty="0"/>
+              <a:t> </a:t>
+            </a:r>
+            <a:r>
+              <a:rPr lang="de-DE" dirty="0" err="1"/>
+              <a:t>is</a:t>
+            </a:r>
+            <a:r>
+              <a:rPr lang="de-DE" dirty="0"/>
+              <a:t> a </a:t>
+            </a:r>
+            <a:r>
+              <a:rPr lang="de-DE" dirty="0" err="1"/>
+              <a:t>main</a:t>
+            </a:r>
+            <a:r>
+              <a:rPr lang="de-DE" dirty="0"/>
+              <a:t> </a:t>
+            </a:r>
+            <a:r>
+              <a:rPr lang="de-DE" dirty="0" err="1"/>
+              <a:t>difference</a:t>
+            </a:r>
+            <a:r>
+              <a:rPr lang="de-DE" dirty="0"/>
+              <a:t> in </a:t>
+            </a:r>
+            <a:r>
+              <a:rPr lang="de-DE" dirty="0" err="1"/>
+              <a:t>using</a:t>
+            </a:r>
+            <a:r>
+              <a:rPr lang="de-DE" dirty="0"/>
+              <a:t> </a:t>
+            </a:r>
+            <a:r>
+              <a:rPr lang="de-DE" dirty="0" err="1"/>
+              <a:t>semaphore</a:t>
+            </a:r>
+            <a:r>
+              <a:rPr lang="de-DE" dirty="0"/>
+              <a:t> </a:t>
+            </a:r>
+            <a:r>
+              <a:rPr lang="de-DE" dirty="0" err="1"/>
+              <a:t>or</a:t>
+            </a:r>
+            <a:r>
+              <a:rPr lang="de-DE" dirty="0"/>
+              <a:t> </a:t>
+            </a:r>
+            <a:r>
+              <a:rPr lang="de-DE" dirty="0" err="1"/>
+              <a:t>mutex</a:t>
+            </a:r>
+            <a:r>
+              <a:rPr lang="de-DE" dirty="0"/>
+              <a:t>?</a:t>
+            </a:r>
+          </a:p>
+          <a:p>
+            <a:pPr marL="0" indent="0">
+              <a:buNone/>
+            </a:pPr>
             <a:endParaRPr lang="de-DE" dirty="0"/>
           </a:p>
+          <a:p>
+            <a:r>
+              <a:rPr lang="de-DE" dirty="0" err="1"/>
+              <a:t>What</a:t>
+            </a:r>
+            <a:r>
+              <a:rPr lang="de-DE" dirty="0"/>
+              <a:t> </a:t>
+            </a:r>
+            <a:r>
+              <a:rPr lang="de-DE" dirty="0" err="1"/>
+              <a:t>does</a:t>
+            </a:r>
+            <a:r>
+              <a:rPr lang="de-DE" dirty="0"/>
+              <a:t> </a:t>
+            </a:r>
+            <a:r>
+              <a:rPr lang="de-DE" dirty="0" err="1"/>
+              <a:t>Priority</a:t>
+            </a:r>
+            <a:r>
+              <a:rPr lang="de-DE" dirty="0"/>
+              <a:t> </a:t>
+            </a:r>
+            <a:r>
+              <a:rPr lang="de-DE" dirty="0" err="1"/>
+              <a:t>Inheritance</a:t>
+            </a:r>
+            <a:r>
+              <a:rPr lang="de-DE" dirty="0"/>
+              <a:t> </a:t>
+            </a:r>
+            <a:r>
+              <a:rPr lang="de-DE" dirty="0" err="1"/>
+              <a:t>mean</a:t>
+            </a:r>
+            <a:r>
+              <a:rPr lang="de-DE" dirty="0"/>
+              <a:t>?</a:t>
+            </a:r>
+          </a:p>
+          <a:p>
+            <a:endParaRPr lang="de-DE" dirty="0"/>
+          </a:p>
+          <a:p>
+            <a:endParaRPr lang="en-GB" dirty="0"/>
+          </a:p>
+        </p:txBody>
+      </p:sp>
+    </p:spTree>
+    <p:extLst>
+      <p:ext uri="{BB962C8B-B14F-4D97-AF65-F5344CB8AC3E}">
+        <p14:creationId xmlns:p14="http://schemas.microsoft.com/office/powerpoint/2010/main" val="3809903945"/>
+      </p:ext>
+    </p:extLst>
+  </p:cSld>
+  <p:clrMapOvr>
+    <a:masterClrMapping/>
+  </p:clrMapOvr>
+</p:sld>
+</file>
+
+<file path=ppt/slides/slide16.xml><?xml version="1.0" encoding="utf-8"?>
+<p:sld xmlns:a="http://schemas.openxmlformats.org/drawingml/2006/main" xmlns:r="http://schemas.openxmlformats.org/officeDocument/2006/relationships" xmlns:p="http://schemas.openxmlformats.org/presentationml/2006/main">
+  <p:cSld>
+    <p:spTree>
+      <p:nvGrpSpPr>
+        <p:cNvPr id="1" name=""/>
+        <p:cNvGrpSpPr/>
+        <p:nvPr/>
+      </p:nvGrpSpPr>
+      <p:grpSpPr>
+        <a:xfrm>
+          <a:off x="0" y="0"/>
+          <a:ext cx="0" cy="0"/>
+          <a:chOff x="0" y="0"/>
+          <a:chExt cx="0" cy="0"/>
+        </a:xfrm>
+      </p:grpSpPr>
+      <p:sp>
+        <p:nvSpPr>
+          <p:cNvPr id="2" name="Titel 1"/>
+          <p:cNvSpPr>
+            <a:spLocks noGrp="1"/>
+          </p:cNvSpPr>
+          <p:nvPr>
+            <p:ph type="title"/>
+          </p:nvPr>
+        </p:nvSpPr>
+        <p:spPr/>
+        <p:txBody>
+          <a:bodyPr/>
+          <a:lstStyle/>
+          <a:p>
+            <a:r>
+              <a:rPr lang="de-DE" dirty="0" err="1"/>
+              <a:t>Answers</a:t>
+            </a:r>
+            <a:endParaRPr lang="de-DE" dirty="0"/>
+          </a:p>
         </p:txBody>
       </p:sp>
       <p:sp>
@@ -4349,72 +4506,115 @@
         <p:spPr/>
         <p:txBody>
           <a:bodyPr>
-            <a:normAutofit lnSpcReduction="10000"/>
+            <a:normAutofit fontScale="92500" lnSpcReduction="20000"/>
           </a:bodyPr>
           <a:lstStyle/>
           <a:p>
             <a:r>
-              <a:rPr lang="de-DE" dirty="0" err="1" smtClean="0"/>
+              <a:rPr lang="en-GB" dirty="0"/>
+              <a:t>What are the 3 possible States of a Task?</a:t>
+            </a:r>
+          </a:p>
+          <a:p>
+            <a:pPr marL="0" indent="0">
+              <a:buNone/>
+            </a:pPr>
+            <a:r>
+              <a:rPr lang="de-DE" sz="2400" i="1" dirty="0" err="1"/>
+              <a:t>Ready</a:t>
+            </a:r>
+            <a:r>
+              <a:rPr lang="de-DE" sz="2400" i="1" dirty="0"/>
+              <a:t>, </a:t>
+            </a:r>
+            <a:r>
+              <a:rPr lang="de-DE" sz="2400" i="1" dirty="0" err="1"/>
+              <a:t>Running</a:t>
+            </a:r>
+            <a:r>
+              <a:rPr lang="de-DE" sz="2400" i="1" dirty="0"/>
+              <a:t> </a:t>
+            </a:r>
+            <a:r>
+              <a:rPr lang="de-DE" sz="2400" i="1" dirty="0" err="1"/>
+              <a:t>and</a:t>
+            </a:r>
+            <a:r>
+              <a:rPr lang="de-DE" sz="2400" i="1" dirty="0"/>
+              <a:t> </a:t>
+            </a:r>
+            <a:r>
+              <a:rPr lang="de-DE" sz="2400" i="1" dirty="0" err="1"/>
+              <a:t>Blocked</a:t>
+            </a:r>
+            <a:endParaRPr lang="de-DE" i="1" dirty="0"/>
+          </a:p>
+          <a:p>
+            <a:endParaRPr lang="de-DE" dirty="0"/>
+          </a:p>
+          <a:p>
+            <a:r>
+              <a:rPr lang="de-DE" dirty="0" err="1"/>
               <a:t>What</a:t>
             </a:r>
             <a:r>
-              <a:rPr lang="de-DE" dirty="0" smtClean="0"/>
-              <a:t> </a:t>
-            </a:r>
-            <a:r>
-              <a:rPr lang="de-DE" dirty="0" err="1" smtClean="0"/>
+              <a:rPr lang="de-DE" dirty="0"/>
+              <a:t> </a:t>
+            </a:r>
+            <a:r>
+              <a:rPr lang="de-DE" dirty="0" err="1"/>
               <a:t>is</a:t>
             </a:r>
             <a:r>
-              <a:rPr lang="de-DE" dirty="0" smtClean="0"/>
+              <a:rPr lang="de-DE" dirty="0"/>
               <a:t> a </a:t>
             </a:r>
             <a:r>
-              <a:rPr lang="de-DE" dirty="0" err="1" smtClean="0"/>
+              <a:rPr lang="de-DE" dirty="0" err="1"/>
               <a:t>main</a:t>
             </a:r>
             <a:r>
-              <a:rPr lang="de-DE" dirty="0" smtClean="0"/>
-              <a:t> </a:t>
-            </a:r>
-            <a:r>
-              <a:rPr lang="de-DE" dirty="0" err="1" smtClean="0"/>
+              <a:rPr lang="de-DE" dirty="0"/>
+              <a:t> </a:t>
+            </a:r>
+            <a:r>
+              <a:rPr lang="de-DE" dirty="0" err="1"/>
               <a:t>difference</a:t>
             </a:r>
             <a:r>
-              <a:rPr lang="de-DE" dirty="0" smtClean="0"/>
+              <a:rPr lang="de-DE" dirty="0"/>
               <a:t> in </a:t>
             </a:r>
             <a:r>
-              <a:rPr lang="de-DE" dirty="0" err="1" smtClean="0"/>
+              <a:rPr lang="de-DE" dirty="0" err="1"/>
               <a:t>using</a:t>
             </a:r>
             <a:r>
-              <a:rPr lang="de-DE" dirty="0" smtClean="0"/>
-              <a:t> </a:t>
-            </a:r>
-            <a:r>
-              <a:rPr lang="de-DE" dirty="0" err="1" smtClean="0"/>
+              <a:rPr lang="de-DE" dirty="0"/>
+              <a:t> </a:t>
+            </a:r>
+            <a:r>
+              <a:rPr lang="de-DE" dirty="0" err="1"/>
               <a:t>semaphore</a:t>
             </a:r>
             <a:r>
-              <a:rPr lang="de-DE" dirty="0" smtClean="0"/>
-              <a:t> </a:t>
-            </a:r>
-            <a:r>
-              <a:rPr lang="de-DE" dirty="0" err="1" smtClean="0"/>
+              <a:rPr lang="de-DE" dirty="0"/>
+              <a:t> </a:t>
+            </a:r>
+            <a:r>
+              <a:rPr lang="de-DE" dirty="0" err="1"/>
               <a:t>or</a:t>
             </a:r>
             <a:r>
-              <a:rPr lang="de-DE" dirty="0" smtClean="0"/>
-              <a:t> </a:t>
-            </a:r>
-            <a:r>
-              <a:rPr lang="de-DE" dirty="0" err="1" smtClean="0"/>
+              <a:rPr lang="de-DE" dirty="0"/>
+              <a:t> </a:t>
+            </a:r>
+            <a:r>
+              <a:rPr lang="de-DE" dirty="0" err="1"/>
               <a:t>mutex</a:t>
             </a:r>
             <a:r>
-              <a:rPr lang="de-DE" dirty="0" smtClean="0"/>
+              <a:rPr lang="de-DE" dirty="0"/>
               <a:t>?</a:t>
             </a:r>
           </a:p>
@@ -4423,147 +4623,147 @@
               <a:buNone/>
             </a:pPr>
             <a:r>
-              <a:rPr lang="de-DE" sz="2400" i="1" dirty="0" err="1" smtClean="0"/>
+              <a:rPr lang="de-DE" sz="2400" i="1" dirty="0" err="1"/>
               <a:t>If</a:t>
             </a:r>
             <a:r>
-              <a:rPr lang="de-DE" sz="2400" i="1" dirty="0" smtClean="0"/>
+              <a:rPr lang="de-DE" sz="2400" i="1" dirty="0"/>
               <a:t> a </a:t>
             </a:r>
             <a:r>
-              <a:rPr lang="de-DE" sz="2400" i="1" dirty="0" err="1" smtClean="0"/>
+              <a:rPr lang="de-DE" sz="2400" i="1" dirty="0" err="1"/>
               <a:t>Mutex</a:t>
             </a:r>
             <a:r>
-              <a:rPr lang="de-DE" sz="2400" i="1" dirty="0" smtClean="0"/>
-              <a:t> </a:t>
-            </a:r>
-            <a:r>
-              <a:rPr lang="de-DE" sz="2400" i="1" dirty="0" err="1" smtClean="0"/>
+              <a:rPr lang="de-DE" sz="2400" i="1" dirty="0"/>
+              <a:t> </a:t>
+            </a:r>
+            <a:r>
+              <a:rPr lang="de-DE" sz="2400" i="1" dirty="0" err="1"/>
               <a:t>is</a:t>
             </a:r>
             <a:r>
-              <a:rPr lang="de-DE" sz="2400" i="1" dirty="0" smtClean="0"/>
-              <a:t> </a:t>
-            </a:r>
-            <a:r>
-              <a:rPr lang="de-DE" sz="2400" i="1" dirty="0" err="1" smtClean="0"/>
+              <a:rPr lang="de-DE" sz="2400" i="1" dirty="0"/>
+              <a:t> </a:t>
+            </a:r>
+            <a:r>
+              <a:rPr lang="de-DE" sz="2400" i="1" dirty="0" err="1"/>
               <a:t>taken</a:t>
             </a:r>
             <a:r>
-              <a:rPr lang="de-DE" sz="2400" i="1" dirty="0" smtClean="0"/>
-              <a:t> </a:t>
-            </a:r>
-            <a:r>
-              <a:rPr lang="de-DE" sz="2400" i="1" dirty="0" err="1" smtClean="0"/>
+              <a:rPr lang="de-DE" sz="2400" i="1" dirty="0"/>
+              <a:t> </a:t>
+            </a:r>
+            <a:r>
+              <a:rPr lang="de-DE" sz="2400" i="1" dirty="0" err="1"/>
               <a:t>by</a:t>
             </a:r>
             <a:r>
-              <a:rPr lang="de-DE" sz="2400" i="1" dirty="0" smtClean="0"/>
+              <a:rPr lang="de-DE" sz="2400" i="1" dirty="0"/>
               <a:t> a </a:t>
             </a:r>
             <a:r>
-              <a:rPr lang="de-DE" sz="2400" i="1" dirty="0" err="1" smtClean="0"/>
+              <a:rPr lang="de-DE" sz="2400" i="1" dirty="0" err="1"/>
               <a:t>task</a:t>
             </a:r>
             <a:r>
-              <a:rPr lang="de-DE" sz="2400" i="1" dirty="0" smtClean="0"/>
-              <a:t> </a:t>
-            </a:r>
-            <a:r>
-              <a:rPr lang="de-DE" sz="2400" i="1" dirty="0" err="1" smtClean="0"/>
+              <a:rPr lang="de-DE" sz="2400" i="1" dirty="0"/>
+              <a:t> </a:t>
+            </a:r>
+            <a:r>
+              <a:rPr lang="de-DE" sz="2400" i="1" dirty="0" err="1"/>
               <a:t>the</a:t>
             </a:r>
             <a:r>
-              <a:rPr lang="de-DE" sz="2400" i="1" dirty="0" smtClean="0"/>
-              <a:t> </a:t>
-            </a:r>
-            <a:r>
-              <a:rPr lang="de-DE" sz="2400" i="1" dirty="0" err="1" smtClean="0"/>
+              <a:rPr lang="de-DE" sz="2400" i="1" dirty="0"/>
+              <a:t> </a:t>
+            </a:r>
+            <a:r>
+              <a:rPr lang="de-DE" sz="2400" i="1" dirty="0" err="1"/>
               <a:t>resource</a:t>
             </a:r>
             <a:r>
-              <a:rPr lang="de-DE" sz="2400" i="1" dirty="0" smtClean="0"/>
-              <a:t> </a:t>
-            </a:r>
-            <a:r>
-              <a:rPr lang="de-DE" sz="2400" i="1" dirty="0" err="1" smtClean="0"/>
+              <a:rPr lang="de-DE" sz="2400" i="1" dirty="0"/>
+              <a:t> </a:t>
+            </a:r>
+            <a:r>
+              <a:rPr lang="de-DE" sz="2400" i="1" dirty="0" err="1"/>
               <a:t>is</a:t>
             </a:r>
             <a:r>
-              <a:rPr lang="de-DE" sz="2400" i="1" dirty="0" smtClean="0"/>
-              <a:t> </a:t>
-            </a:r>
-            <a:r>
-              <a:rPr lang="de-DE" sz="2400" i="1" dirty="0" err="1" smtClean="0"/>
+              <a:rPr lang="de-DE" sz="2400" i="1" dirty="0"/>
+              <a:t> </a:t>
+            </a:r>
+            <a:r>
+              <a:rPr lang="de-DE" sz="2400" i="1" dirty="0" err="1"/>
               <a:t>locked</a:t>
             </a:r>
             <a:r>
-              <a:rPr lang="de-DE" sz="2400" i="1" dirty="0" smtClean="0"/>
-              <a:t> </a:t>
-            </a:r>
-            <a:r>
-              <a:rPr lang="de-DE" sz="2400" i="1" dirty="0" err="1" smtClean="0"/>
+              <a:rPr lang="de-DE" sz="2400" i="1" dirty="0"/>
+              <a:t> </a:t>
+            </a:r>
+            <a:r>
+              <a:rPr lang="de-DE" sz="2400" i="1" dirty="0" err="1"/>
               <a:t>and</a:t>
             </a:r>
             <a:r>
-              <a:rPr lang="de-DE" sz="2400" i="1" dirty="0" smtClean="0"/>
-              <a:t> </a:t>
-            </a:r>
-            <a:r>
-              <a:rPr lang="de-DE" sz="2400" i="1" dirty="0" err="1" smtClean="0"/>
+              <a:rPr lang="de-DE" sz="2400" i="1" dirty="0"/>
+              <a:t> </a:t>
+            </a:r>
+            <a:r>
+              <a:rPr lang="de-DE" sz="2400" i="1" dirty="0" err="1"/>
               <a:t>owned</a:t>
             </a:r>
             <a:r>
-              <a:rPr lang="de-DE" sz="2400" i="1" dirty="0" smtClean="0"/>
-              <a:t> </a:t>
-            </a:r>
-            <a:r>
-              <a:rPr lang="de-DE" sz="2400" i="1" dirty="0" err="1" smtClean="0"/>
+              <a:rPr lang="de-DE" sz="2400" i="1" dirty="0"/>
+              <a:t> </a:t>
+            </a:r>
+            <a:r>
+              <a:rPr lang="de-DE" sz="2400" i="1" dirty="0" err="1"/>
               <a:t>by</a:t>
             </a:r>
             <a:r>
-              <a:rPr lang="de-DE" sz="2400" i="1" dirty="0" smtClean="0"/>
-              <a:t> </a:t>
-            </a:r>
-            <a:r>
-              <a:rPr lang="de-DE" sz="2400" i="1" dirty="0" err="1" smtClean="0"/>
+              <a:rPr lang="de-DE" sz="2400" i="1" dirty="0"/>
+              <a:t> </a:t>
+            </a:r>
+            <a:r>
+              <a:rPr lang="de-DE" sz="2400" i="1" dirty="0" err="1"/>
               <a:t>this</a:t>
             </a:r>
             <a:r>
-              <a:rPr lang="de-DE" sz="2400" i="1" dirty="0" smtClean="0"/>
-              <a:t> </a:t>
-            </a:r>
-            <a:r>
-              <a:rPr lang="de-DE" sz="2400" i="1" dirty="0" err="1" smtClean="0"/>
+              <a:rPr lang="de-DE" sz="2400" i="1" dirty="0"/>
+              <a:t> </a:t>
+            </a:r>
+            <a:r>
+              <a:rPr lang="de-DE" sz="2400" i="1" dirty="0" err="1"/>
               <a:t>task</a:t>
             </a:r>
             <a:r>
-              <a:rPr lang="de-DE" sz="2400" i="1" dirty="0" smtClean="0"/>
-              <a:t> </a:t>
-            </a:r>
-            <a:r>
-              <a:rPr lang="de-DE" sz="2400" i="1" dirty="0" err="1" smtClean="0"/>
+              <a:rPr lang="de-DE" sz="2400" i="1" dirty="0"/>
+              <a:t> </a:t>
+            </a:r>
+            <a:r>
+              <a:rPr lang="de-DE" sz="2400" i="1" dirty="0" err="1"/>
               <a:t>until</a:t>
             </a:r>
             <a:r>
-              <a:rPr lang="de-DE" sz="2400" i="1" dirty="0" smtClean="0"/>
-              <a:t> </a:t>
-            </a:r>
-            <a:r>
-              <a:rPr lang="de-DE" sz="2400" i="1" dirty="0" err="1" smtClean="0"/>
+              <a:rPr lang="de-DE" sz="2400" i="1" dirty="0"/>
+              <a:t> </a:t>
+            </a:r>
+            <a:r>
+              <a:rPr lang="de-DE" sz="2400" i="1" dirty="0" err="1"/>
               <a:t>it‘s</a:t>
             </a:r>
             <a:r>
-              <a:rPr lang="de-DE" sz="2400" i="1" dirty="0" smtClean="0"/>
-              <a:t> </a:t>
-            </a:r>
-            <a:r>
-              <a:rPr lang="de-DE" sz="2400" i="1" dirty="0" err="1" smtClean="0"/>
+              <a:rPr lang="de-DE" sz="2400" i="1" dirty="0"/>
+              <a:t> </a:t>
+            </a:r>
+            <a:r>
+              <a:rPr lang="de-DE" sz="2400" i="1" dirty="0" err="1"/>
               <a:t>given</a:t>
             </a:r>
             <a:r>
-              <a:rPr lang="de-DE" sz="2400" i="1" dirty="0" smtClean="0"/>
+              <a:rPr lang="de-DE" sz="2400" i="1" dirty="0"/>
               <a:t> back.</a:t>
             </a:r>
           </a:p>
@@ -4572,199 +4772,199 @@
               <a:buNone/>
             </a:pPr>
             <a:r>
-              <a:rPr lang="de-DE" sz="2400" i="1" dirty="0" smtClean="0"/>
+              <a:rPr lang="de-DE" sz="2400" i="1" dirty="0"/>
               <a:t>A </a:t>
             </a:r>
             <a:r>
-              <a:rPr lang="de-DE" sz="2400" i="1" dirty="0" err="1" smtClean="0"/>
+              <a:rPr lang="de-DE" sz="2400" i="1" dirty="0" err="1"/>
               <a:t>semaphore</a:t>
             </a:r>
             <a:r>
-              <a:rPr lang="de-DE" sz="2400" i="1" dirty="0" smtClean="0"/>
-              <a:t> </a:t>
-            </a:r>
-            <a:r>
-              <a:rPr lang="de-DE" sz="2400" i="1" dirty="0" err="1" smtClean="0"/>
+              <a:rPr lang="de-DE" sz="2400" i="1" dirty="0"/>
+              <a:t> </a:t>
+            </a:r>
+            <a:r>
+              <a:rPr lang="de-DE" sz="2400" i="1" dirty="0" err="1"/>
               <a:t>is</a:t>
             </a:r>
             <a:r>
-              <a:rPr lang="de-DE" sz="2400" i="1" dirty="0" smtClean="0"/>
-              <a:t> </a:t>
-            </a:r>
-            <a:r>
-              <a:rPr lang="de-DE" sz="2400" i="1" dirty="0" err="1" smtClean="0"/>
+              <a:rPr lang="de-DE" sz="2400" i="1" dirty="0"/>
+              <a:t> </a:t>
+            </a:r>
+            <a:r>
+              <a:rPr lang="de-DE" sz="2400" i="1" dirty="0" err="1"/>
               <a:t>used</a:t>
             </a:r>
             <a:r>
-              <a:rPr lang="de-DE" sz="2400" i="1" dirty="0" smtClean="0"/>
-              <a:t> </a:t>
-            </a:r>
-            <a:r>
-              <a:rPr lang="de-DE" sz="2400" i="1" dirty="0" err="1" smtClean="0"/>
+              <a:rPr lang="de-DE" sz="2400" i="1" dirty="0"/>
+              <a:t> </a:t>
+            </a:r>
+            <a:r>
+              <a:rPr lang="de-DE" sz="2400" i="1" dirty="0" err="1"/>
               <a:t>to</a:t>
             </a:r>
             <a:r>
-              <a:rPr lang="de-DE" sz="2400" i="1" dirty="0" smtClean="0"/>
-              <a:t> </a:t>
-            </a:r>
-            <a:r>
-              <a:rPr lang="de-DE" sz="2400" i="1" dirty="0" err="1" smtClean="0"/>
+              <a:rPr lang="de-DE" sz="2400" i="1" dirty="0"/>
+              <a:t> </a:t>
+            </a:r>
+            <a:r>
+              <a:rPr lang="de-DE" sz="2400" i="1" dirty="0" err="1"/>
               <a:t>notify</a:t>
             </a:r>
             <a:r>
-              <a:rPr lang="de-DE" sz="2400" i="1" dirty="0" smtClean="0"/>
+              <a:rPr lang="de-DE" sz="2400" i="1" dirty="0"/>
               <a:t> a </a:t>
             </a:r>
             <a:r>
-              <a:rPr lang="de-DE" sz="2400" i="1" dirty="0" err="1" smtClean="0"/>
+              <a:rPr lang="de-DE" sz="2400" i="1" dirty="0" err="1"/>
               <a:t>task</a:t>
             </a:r>
             <a:r>
-              <a:rPr lang="de-DE" sz="2400" i="1" dirty="0" smtClean="0"/>
-              <a:t> </a:t>
-            </a:r>
-            <a:r>
-              <a:rPr lang="de-DE" sz="2400" i="1" dirty="0" err="1" smtClean="0"/>
+              <a:rPr lang="de-DE" sz="2400" i="1" dirty="0"/>
+              <a:t> </a:t>
+            </a:r>
+            <a:r>
+              <a:rPr lang="de-DE" sz="2400" i="1" dirty="0" err="1"/>
               <a:t>by</a:t>
             </a:r>
             <a:r>
-              <a:rPr lang="de-DE" sz="2400" i="1" dirty="0" smtClean="0"/>
-              <a:t> </a:t>
-            </a:r>
-            <a:r>
-              <a:rPr lang="de-DE" sz="2400" i="1" dirty="0" err="1" smtClean="0"/>
+              <a:rPr lang="de-DE" sz="2400" i="1" dirty="0"/>
+              <a:t> </a:t>
+            </a:r>
+            <a:r>
+              <a:rPr lang="de-DE" sz="2400" i="1" dirty="0" err="1"/>
               <a:t>giving</a:t>
             </a:r>
             <a:r>
-              <a:rPr lang="de-DE" sz="2400" i="1" dirty="0" smtClean="0"/>
-              <a:t> </a:t>
-            </a:r>
-            <a:r>
-              <a:rPr lang="de-DE" sz="2400" i="1" dirty="0" err="1" smtClean="0"/>
+              <a:rPr lang="de-DE" sz="2400" i="1" dirty="0"/>
+              <a:t> </a:t>
+            </a:r>
+            <a:r>
+              <a:rPr lang="de-DE" sz="2400" i="1" dirty="0" err="1"/>
               <a:t>the</a:t>
             </a:r>
             <a:r>
-              <a:rPr lang="de-DE" sz="2400" i="1" dirty="0" smtClean="0"/>
-              <a:t> </a:t>
-            </a:r>
-            <a:r>
-              <a:rPr lang="de-DE" sz="2400" i="1" dirty="0" err="1" smtClean="0"/>
+              <a:rPr lang="de-DE" sz="2400" i="1" dirty="0"/>
+              <a:t> </a:t>
+            </a:r>
+            <a:r>
+              <a:rPr lang="de-DE" sz="2400" i="1" dirty="0" err="1"/>
               <a:t>semaphore</a:t>
             </a:r>
             <a:r>
-              <a:rPr lang="de-DE" sz="2400" i="1" dirty="0" smtClean="0"/>
-              <a:t> </a:t>
-            </a:r>
-            <a:r>
-              <a:rPr lang="de-DE" sz="2400" i="1" dirty="0" err="1" smtClean="0"/>
+              <a:rPr lang="de-DE" sz="2400" i="1" dirty="0"/>
+              <a:t> </a:t>
+            </a:r>
+            <a:r>
+              <a:rPr lang="de-DE" sz="2400" i="1" dirty="0" err="1"/>
               <a:t>to</a:t>
             </a:r>
             <a:r>
-              <a:rPr lang="de-DE" sz="2400" i="1" dirty="0" smtClean="0"/>
-              <a:t> </a:t>
-            </a:r>
-            <a:r>
-              <a:rPr lang="de-DE" sz="2400" i="1" dirty="0" err="1" smtClean="0"/>
+              <a:rPr lang="de-DE" sz="2400" i="1" dirty="0"/>
+              <a:t> </a:t>
+            </a:r>
+            <a:r>
+              <a:rPr lang="de-DE" sz="2400" i="1" dirty="0" err="1"/>
               <a:t>another</a:t>
             </a:r>
             <a:r>
-              <a:rPr lang="de-DE" sz="2400" i="1" dirty="0" smtClean="0"/>
-              <a:t> </a:t>
-            </a:r>
-            <a:r>
-              <a:rPr lang="de-DE" sz="2400" i="1" dirty="0" err="1" smtClean="0"/>
+              <a:rPr lang="de-DE" sz="2400" i="1" dirty="0"/>
+              <a:t> </a:t>
+            </a:r>
+            <a:r>
+              <a:rPr lang="de-DE" sz="2400" i="1" dirty="0" err="1"/>
               <a:t>task</a:t>
             </a:r>
             <a:r>
-              <a:rPr lang="de-DE" sz="2400" i="1" dirty="0" smtClean="0"/>
-              <a:t> </a:t>
-            </a:r>
-            <a:r>
-              <a:rPr lang="de-DE" sz="2400" i="1" dirty="0" err="1" smtClean="0"/>
+              <a:rPr lang="de-DE" sz="2400" i="1" dirty="0"/>
+              <a:t> </a:t>
+            </a:r>
+            <a:r>
+              <a:rPr lang="de-DE" sz="2400" i="1" dirty="0" err="1"/>
               <a:t>which</a:t>
             </a:r>
             <a:r>
-              <a:rPr lang="de-DE" sz="2400" i="1" dirty="0" smtClean="0"/>
-              <a:t> </a:t>
-            </a:r>
-            <a:r>
-              <a:rPr lang="de-DE" sz="2400" i="1" dirty="0" err="1" smtClean="0"/>
+              <a:rPr lang="de-DE" sz="2400" i="1" dirty="0"/>
+              <a:t> </a:t>
+            </a:r>
+            <a:r>
+              <a:rPr lang="de-DE" sz="2400" i="1" dirty="0" err="1"/>
               <a:t>is</a:t>
             </a:r>
             <a:r>
-              <a:rPr lang="de-DE" sz="2400" i="1" dirty="0" smtClean="0"/>
-              <a:t> </a:t>
-            </a:r>
-            <a:r>
-              <a:rPr lang="de-DE" sz="2400" i="1" dirty="0" err="1" smtClean="0"/>
+              <a:rPr lang="de-DE" sz="2400" i="1" dirty="0"/>
+              <a:t> </a:t>
+            </a:r>
+            <a:r>
+              <a:rPr lang="de-DE" sz="2400" i="1" dirty="0" err="1"/>
               <a:t>pending</a:t>
             </a:r>
             <a:r>
-              <a:rPr lang="de-DE" sz="2400" i="1" dirty="0" smtClean="0"/>
-              <a:t> </a:t>
-            </a:r>
-            <a:r>
-              <a:rPr lang="de-DE" sz="2400" i="1" dirty="0" err="1" smtClean="0"/>
+              <a:rPr lang="de-DE" sz="2400" i="1" dirty="0"/>
+              <a:t> </a:t>
+            </a:r>
+            <a:r>
+              <a:rPr lang="de-DE" sz="2400" i="1" dirty="0" err="1"/>
               <a:t>for</a:t>
             </a:r>
             <a:r>
-              <a:rPr lang="de-DE" sz="2400" i="1" dirty="0" smtClean="0"/>
+              <a:rPr lang="de-DE" sz="2400" i="1" dirty="0"/>
               <a:t> it. </a:t>
             </a:r>
             <a:r>
-              <a:rPr lang="de-DE" sz="2400" i="1" dirty="0" err="1" smtClean="0"/>
+              <a:rPr lang="de-DE" sz="2400" i="1" dirty="0" err="1"/>
               <a:t>No</a:t>
             </a:r>
             <a:r>
-              <a:rPr lang="de-DE" sz="2400" i="1" dirty="0" smtClean="0"/>
-              <a:t> </a:t>
-            </a:r>
-            <a:r>
-              <a:rPr lang="de-DE" sz="2400" i="1" dirty="0" err="1" smtClean="0"/>
+              <a:rPr lang="de-DE" sz="2400" i="1" dirty="0"/>
+              <a:t> </a:t>
+            </a:r>
+            <a:r>
+              <a:rPr lang="de-DE" sz="2400" i="1" dirty="0" err="1"/>
               <a:t>giving</a:t>
             </a:r>
             <a:r>
-              <a:rPr lang="de-DE" sz="2400" i="1" dirty="0" smtClean="0"/>
+              <a:rPr lang="de-DE" sz="2400" i="1" dirty="0"/>
               <a:t> back </a:t>
             </a:r>
             <a:r>
-              <a:rPr lang="de-DE" sz="2400" i="1" dirty="0" err="1" smtClean="0"/>
+              <a:rPr lang="de-DE" sz="2400" i="1" dirty="0" err="1"/>
               <a:t>is</a:t>
             </a:r>
             <a:r>
-              <a:rPr lang="de-DE" sz="2400" i="1" dirty="0" smtClean="0"/>
-              <a:t> </a:t>
-            </a:r>
-            <a:r>
-              <a:rPr lang="de-DE" sz="2400" i="1" dirty="0" err="1" smtClean="0"/>
+              <a:rPr lang="de-DE" sz="2400" i="1" dirty="0"/>
+              <a:t> </a:t>
+            </a:r>
+            <a:r>
+              <a:rPr lang="de-DE" sz="2400" i="1" dirty="0" err="1"/>
               <a:t>required</a:t>
             </a:r>
             <a:r>
-              <a:rPr lang="de-DE" sz="2400" i="1" dirty="0" smtClean="0"/>
+              <a:rPr lang="de-DE" sz="2400" i="1" dirty="0"/>
               <a:t>. The </a:t>
             </a:r>
             <a:r>
-              <a:rPr lang="de-DE" sz="2400" i="1" dirty="0" err="1" smtClean="0"/>
+              <a:rPr lang="de-DE" sz="2400" i="1" dirty="0" err="1"/>
               <a:t>resource</a:t>
             </a:r>
             <a:r>
-              <a:rPr lang="de-DE" sz="2400" i="1" dirty="0" smtClean="0"/>
-              <a:t> </a:t>
-            </a:r>
-            <a:r>
-              <a:rPr lang="de-DE" sz="2400" i="1" dirty="0" err="1" smtClean="0"/>
+              <a:rPr lang="de-DE" sz="2400" i="1" dirty="0"/>
+              <a:t> </a:t>
+            </a:r>
+            <a:r>
+              <a:rPr lang="de-DE" sz="2400" i="1" dirty="0" err="1"/>
               <a:t>is</a:t>
             </a:r>
             <a:r>
-              <a:rPr lang="de-DE" sz="2400" i="1" dirty="0" smtClean="0"/>
+              <a:rPr lang="de-DE" sz="2400" i="1" dirty="0"/>
               <a:t> not </a:t>
             </a:r>
             <a:r>
-              <a:rPr lang="de-DE" sz="2400" i="1" dirty="0" err="1" smtClean="0"/>
+              <a:rPr lang="de-DE" sz="2400" i="1" dirty="0" err="1"/>
               <a:t>locked</a:t>
             </a:r>
             <a:r>
-              <a:rPr lang="de-DE" sz="2400" i="1" dirty="0" smtClean="0"/>
+              <a:rPr lang="de-DE" sz="2400" i="1" dirty="0"/>
               <a:t>!</a:t>
             </a:r>
           </a:p>
@@ -4773,8 +4973,55 @@
               <a:buNone/>
             </a:pPr>
             <a:r>
-              <a:rPr lang="de-DE" sz="2400" i="1" dirty="0" smtClean="0"/>
-              <a:t> </a:t>
+              <a:rPr lang="de-DE" sz="2400" i="1" dirty="0"/>
+              <a:t> </a:t>
+            </a:r>
+            <a:endParaRPr lang="de-DE" dirty="0"/>
+          </a:p>
+          <a:p>
+            <a:r>
+              <a:rPr lang="de-DE" dirty="0"/>
+              <a:t> </a:t>
+            </a:r>
+            <a:r>
+              <a:rPr lang="de-DE" dirty="0" err="1"/>
+              <a:t>What</a:t>
+            </a:r>
+            <a:r>
+              <a:rPr lang="de-DE" dirty="0"/>
+              <a:t> </a:t>
+            </a:r>
+            <a:r>
+              <a:rPr lang="de-DE" dirty="0" err="1"/>
+              <a:t>does</a:t>
+            </a:r>
+            <a:r>
+              <a:rPr lang="de-DE" dirty="0"/>
+              <a:t> </a:t>
+            </a:r>
+            <a:r>
+              <a:rPr lang="de-DE" dirty="0" err="1"/>
+              <a:t>Priority</a:t>
+            </a:r>
+            <a:r>
+              <a:rPr lang="de-DE" dirty="0"/>
+              <a:t> </a:t>
+            </a:r>
+            <a:r>
+              <a:rPr lang="de-DE" dirty="0" err="1"/>
+              <a:t>Inheritance</a:t>
+            </a:r>
+            <a:r>
+              <a:rPr lang="de-DE" dirty="0"/>
+              <a:t> </a:t>
+            </a:r>
+            <a:r>
+              <a:rPr lang="de-DE" dirty="0" err="1"/>
+              <a:t>mean</a:t>
+            </a:r>
+            <a:r>
+              <a:rPr lang="de-DE" dirty="0"/>
+              <a:t>?</a:t>
             </a:r>
           </a:p>
           <a:p>
@@ -4782,62 +5029,6 @@
               <a:buNone/>
             </a:pPr>
             <a:r>
-              <a:rPr lang="de-DE" sz="2400" i="1" dirty="0" smtClean="0"/>
-              <a:t> </a:t>
-            </a:r>
-            <a:endParaRPr lang="de-DE" dirty="0"/>
-          </a:p>
-          <a:p>
-            <a:r>
-              <a:rPr lang="de-DE" dirty="0" smtClean="0"/>
-              <a:t> </a:t>
-            </a:r>
-            <a:r>
-              <a:rPr lang="de-DE" dirty="0" err="1" smtClean="0"/>
-              <a:t>What</a:t>
-            </a:r>
-            <a:r>
-              <a:rPr lang="de-DE" dirty="0" smtClean="0"/>
-              <a:t> </a:t>
-            </a:r>
-            <a:r>
-              <a:rPr lang="de-DE" dirty="0" err="1" smtClean="0"/>
-              <a:t>does</a:t>
-            </a:r>
-            <a:r>
-              <a:rPr lang="de-DE" dirty="0" smtClean="0"/>
-              <a:t> </a:t>
-            </a:r>
-            <a:r>
-              <a:rPr lang="de-DE" dirty="0" err="1" smtClean="0"/>
-              <a:t>Priority</a:t>
-            </a:r>
-            <a:r>
-              <a:rPr lang="de-DE" dirty="0" smtClean="0"/>
-              <a:t> </a:t>
-            </a:r>
-            <a:r>
-              <a:rPr lang="de-DE" dirty="0" err="1" smtClean="0"/>
-              <a:t>Inheritance</a:t>
-            </a:r>
-            <a:r>
-              <a:rPr lang="de-DE" dirty="0" smtClean="0"/>
-              <a:t> </a:t>
-            </a:r>
-            <a:r>
-              <a:rPr lang="de-DE" dirty="0" err="1" smtClean="0"/>
-              <a:t>mean</a:t>
-            </a:r>
-            <a:r>
-              <a:rPr lang="de-DE" dirty="0" smtClean="0"/>
-              <a:t>?</a:t>
-            </a:r>
-          </a:p>
-          <a:p>
-            <a:pPr marL="0" indent="0">
-              <a:buNone/>
-            </a:pPr>
-            <a:r>
               <a:rPr lang="de-DE" sz="2400" i="1" dirty="0" err="1"/>
               <a:t>If</a:t>
             </a:r>
@@ -4942,222 +5133,221 @@
               <a:t> </a:t>
             </a:r>
             <a:r>
-              <a:rPr lang="de-DE" sz="2400" i="1" dirty="0" err="1" smtClean="0"/>
+              <a:rPr lang="de-DE" sz="2400" i="1" dirty="0" err="1"/>
               <a:t>task</a:t>
             </a:r>
             <a:r>
-              <a:rPr lang="de-DE" sz="2400" i="1" dirty="0" smtClean="0"/>
+              <a:rPr lang="de-DE" sz="2400" i="1" dirty="0"/>
               <a:t>, </a:t>
             </a:r>
             <a:r>
-              <a:rPr lang="de-DE" sz="2400" i="1" dirty="0" err="1" smtClean="0"/>
+              <a:rPr lang="de-DE" sz="2400" i="1" dirty="0" err="1"/>
               <a:t>the</a:t>
             </a:r>
             <a:r>
-              <a:rPr lang="de-DE" sz="2400" i="1" dirty="0" smtClean="0"/>
-              <a:t> </a:t>
-            </a:r>
-            <a:r>
-              <a:rPr lang="de-DE" sz="2400" i="1" dirty="0" err="1" smtClean="0"/>
+              <a:rPr lang="de-DE" sz="2400" i="1" dirty="0"/>
+              <a:t> </a:t>
+            </a:r>
+            <a:r>
+              <a:rPr lang="de-DE" sz="2400" i="1" dirty="0" err="1"/>
               <a:t>lower</a:t>
             </a:r>
             <a:r>
-              <a:rPr lang="de-DE" sz="2400" i="1" dirty="0" smtClean="0"/>
-              <a:t> </a:t>
-            </a:r>
-            <a:r>
-              <a:rPr lang="de-DE" sz="2400" i="1" dirty="0" err="1" smtClean="0"/>
+              <a:rPr lang="de-DE" sz="2400" i="1" dirty="0"/>
+              <a:t> </a:t>
+            </a:r>
+            <a:r>
+              <a:rPr lang="de-DE" sz="2400" i="1" dirty="0" err="1"/>
               <a:t>prio</a:t>
             </a:r>
             <a:r>
-              <a:rPr lang="de-DE" sz="2400" i="1" dirty="0" smtClean="0"/>
-              <a:t> </a:t>
-            </a:r>
-            <a:r>
-              <a:rPr lang="de-DE" sz="2400" i="1" dirty="0" err="1" smtClean="0"/>
+              <a:rPr lang="de-DE" sz="2400" i="1" dirty="0"/>
+              <a:t> </a:t>
+            </a:r>
+            <a:r>
+              <a:rPr lang="de-DE" sz="2400" i="1" dirty="0" err="1"/>
               <a:t>task</a:t>
             </a:r>
             <a:r>
-              <a:rPr lang="de-DE" sz="2400" i="1" dirty="0" smtClean="0"/>
-              <a:t> </a:t>
-            </a:r>
-            <a:r>
-              <a:rPr lang="de-DE" sz="2400" i="1" dirty="0" err="1" smtClean="0"/>
+              <a:rPr lang="de-DE" sz="2400" i="1" dirty="0"/>
+              <a:t> </a:t>
+            </a:r>
+            <a:r>
+              <a:rPr lang="de-DE" sz="2400" i="1" dirty="0" err="1"/>
               <a:t>is</a:t>
             </a:r>
             <a:r>
-              <a:rPr lang="de-DE" sz="2400" i="1" dirty="0" smtClean="0"/>
-              <a:t> </a:t>
-            </a:r>
-            <a:r>
-              <a:rPr lang="de-DE" sz="2400" i="1" dirty="0" err="1" smtClean="0"/>
+              <a:rPr lang="de-DE" sz="2400" i="1" dirty="0"/>
+              <a:t> </a:t>
+            </a:r>
+            <a:r>
+              <a:rPr lang="de-DE" sz="2400" i="1" dirty="0" err="1"/>
               <a:t>temporarly</a:t>
             </a:r>
             <a:r>
-              <a:rPr lang="de-DE" sz="2400" i="1" dirty="0" smtClean="0"/>
-              <a:t> </a:t>
-            </a:r>
-            <a:r>
-              <a:rPr lang="de-DE" sz="2400" i="1" dirty="0" err="1" smtClean="0"/>
+              <a:rPr lang="de-DE" sz="2400" i="1" dirty="0"/>
+              <a:t> </a:t>
+            </a:r>
+            <a:r>
+              <a:rPr lang="de-DE" sz="2400" i="1" dirty="0" err="1"/>
               <a:t>elevated</a:t>
             </a:r>
             <a:r>
-              <a:rPr lang="de-DE" sz="2400" i="1" dirty="0" smtClean="0"/>
-              <a:t> </a:t>
-            </a:r>
-            <a:r>
-              <a:rPr lang="de-DE" sz="2400" i="1" dirty="0" err="1" smtClean="0"/>
+              <a:rPr lang="de-DE" sz="2400" i="1" dirty="0"/>
+              <a:t> </a:t>
+            </a:r>
+            <a:r>
+              <a:rPr lang="de-DE" sz="2400" i="1" dirty="0" err="1"/>
               <a:t>to</a:t>
             </a:r>
             <a:r>
-              <a:rPr lang="de-DE" sz="2400" i="1" dirty="0" smtClean="0"/>
-              <a:t> </a:t>
-            </a:r>
-            <a:r>
-              <a:rPr lang="de-DE" sz="2400" i="1" dirty="0" err="1" smtClean="0"/>
+              <a:rPr lang="de-DE" sz="2400" i="1" dirty="0"/>
+              <a:t> </a:t>
+            </a:r>
+            <a:r>
+              <a:rPr lang="de-DE" sz="2400" i="1" dirty="0" err="1"/>
               <a:t>reach</a:t>
             </a:r>
             <a:r>
-              <a:rPr lang="de-DE" sz="2400" i="1" dirty="0" smtClean="0"/>
-              <a:t> </a:t>
-            </a:r>
-            <a:r>
-              <a:rPr lang="de-DE" sz="2400" i="1" dirty="0" err="1" smtClean="0"/>
+              <a:rPr lang="de-DE" sz="2400" i="1" dirty="0"/>
+              <a:t> </a:t>
+            </a:r>
+            <a:r>
+              <a:rPr lang="de-DE" sz="2400" i="1" dirty="0" err="1"/>
               <a:t>the</a:t>
             </a:r>
             <a:r>
-              <a:rPr lang="de-DE" sz="2400" i="1" dirty="0" smtClean="0"/>
+              <a:rPr lang="de-DE" sz="2400" i="1" dirty="0"/>
               <a:t> same </a:t>
             </a:r>
             <a:r>
-              <a:rPr lang="de-DE" sz="2400" i="1" dirty="0" err="1" smtClean="0"/>
+              <a:rPr lang="de-DE" sz="2400" i="1" dirty="0" err="1"/>
               <a:t>priority</a:t>
             </a:r>
             <a:r>
-              <a:rPr lang="de-DE" sz="2400" i="1" dirty="0" smtClean="0"/>
+              <a:rPr lang="de-DE" sz="2400" i="1" dirty="0"/>
               <a:t>, </a:t>
             </a:r>
             <a:r>
-              <a:rPr lang="de-DE" sz="2400" i="1" dirty="0" err="1" smtClean="0"/>
+              <a:rPr lang="de-DE" sz="2400" i="1" dirty="0" err="1"/>
               <a:t>to</a:t>
             </a:r>
             <a:r>
-              <a:rPr lang="de-DE" sz="2400" i="1" dirty="0" smtClean="0"/>
-              <a:t> </a:t>
-            </a:r>
-            <a:r>
-              <a:rPr lang="de-DE" sz="2400" i="1" dirty="0" err="1" smtClean="0"/>
+              <a:rPr lang="de-DE" sz="2400" i="1" dirty="0"/>
+              <a:t> </a:t>
+            </a:r>
+            <a:r>
+              <a:rPr lang="de-DE" sz="2400" i="1" dirty="0" err="1"/>
               <a:t>quickly</a:t>
             </a:r>
             <a:r>
-              <a:rPr lang="de-DE" sz="2400" i="1" dirty="0" smtClean="0"/>
-              <a:t> </a:t>
-            </a:r>
-            <a:r>
-              <a:rPr lang="de-DE" sz="2400" i="1" dirty="0" err="1" smtClean="0"/>
+              <a:rPr lang="de-DE" sz="2400" i="1" dirty="0"/>
+              <a:t> </a:t>
+            </a:r>
+            <a:r>
+              <a:rPr lang="de-DE" sz="2400" i="1" dirty="0" err="1"/>
               <a:t>get</a:t>
             </a:r>
             <a:r>
-              <a:rPr lang="de-DE" sz="2400" i="1" dirty="0" smtClean="0"/>
-              <a:t> </a:t>
-            </a:r>
-            <a:r>
-              <a:rPr lang="de-DE" sz="2400" i="1" dirty="0" err="1" smtClean="0"/>
+              <a:rPr lang="de-DE" sz="2400" i="1" dirty="0"/>
+              <a:t> </a:t>
+            </a:r>
+            <a:r>
+              <a:rPr lang="de-DE" sz="2400" i="1" dirty="0" err="1"/>
               <a:t>done</a:t>
             </a:r>
             <a:r>
-              <a:rPr lang="de-DE" sz="2400" i="1" dirty="0" smtClean="0"/>
-              <a:t> </a:t>
-            </a:r>
-            <a:r>
-              <a:rPr lang="de-DE" sz="2400" i="1" dirty="0" err="1" smtClean="0"/>
+              <a:rPr lang="de-DE" sz="2400" i="1" dirty="0"/>
+              <a:t> </a:t>
+            </a:r>
+            <a:r>
+              <a:rPr lang="de-DE" sz="2400" i="1" dirty="0" err="1"/>
               <a:t>his</a:t>
             </a:r>
             <a:r>
-              <a:rPr lang="de-DE" sz="2400" i="1" dirty="0" smtClean="0"/>
-              <a:t> </a:t>
-            </a:r>
-            <a:r>
-              <a:rPr lang="de-DE" sz="2400" i="1" dirty="0" err="1" smtClean="0"/>
+              <a:rPr lang="de-DE" sz="2400" i="1" dirty="0"/>
+              <a:t> </a:t>
+            </a:r>
+            <a:r>
+              <a:rPr lang="de-DE" sz="2400" i="1" dirty="0" err="1"/>
               <a:t>task</a:t>
             </a:r>
             <a:r>
-              <a:rPr lang="de-DE" sz="2400" i="1" dirty="0" smtClean="0"/>
-              <a:t> </a:t>
-            </a:r>
-            <a:r>
-              <a:rPr lang="de-DE" sz="2400" i="1" dirty="0" err="1" smtClean="0"/>
+              <a:rPr lang="de-DE" sz="2400" i="1" dirty="0"/>
+              <a:t> </a:t>
+            </a:r>
+            <a:r>
+              <a:rPr lang="de-DE" sz="2400" i="1" dirty="0" err="1"/>
               <a:t>and</a:t>
             </a:r>
             <a:r>
-              <a:rPr lang="de-DE" sz="2400" i="1" dirty="0" smtClean="0"/>
-              <a:t> </a:t>
-            </a:r>
-            <a:r>
-              <a:rPr lang="de-DE" sz="2400" i="1" dirty="0" err="1" smtClean="0"/>
+              <a:rPr lang="de-DE" sz="2400" i="1" dirty="0"/>
+              <a:t> </a:t>
+            </a:r>
+            <a:r>
+              <a:rPr lang="de-DE" sz="2400" i="1" dirty="0" err="1"/>
               <a:t>unlock</a:t>
             </a:r>
             <a:r>
-              <a:rPr lang="de-DE" sz="2400" i="1" dirty="0" smtClean="0"/>
-              <a:t> </a:t>
-            </a:r>
-            <a:r>
-              <a:rPr lang="de-DE" sz="2400" i="1" dirty="0" err="1" smtClean="0"/>
+              <a:rPr lang="de-DE" sz="2400" i="1" dirty="0"/>
+              <a:t> </a:t>
+            </a:r>
+            <a:r>
+              <a:rPr lang="de-DE" sz="2400" i="1" dirty="0" err="1"/>
               <a:t>the</a:t>
             </a:r>
             <a:r>
-              <a:rPr lang="de-DE" sz="2400" i="1" dirty="0" smtClean="0"/>
-              <a:t> </a:t>
-            </a:r>
-            <a:r>
-              <a:rPr lang="de-DE" sz="2400" i="1" dirty="0" err="1" smtClean="0"/>
+              <a:rPr lang="de-DE" sz="2400" i="1" dirty="0"/>
+              <a:t> </a:t>
+            </a:r>
+            <a:r>
+              <a:rPr lang="de-DE" sz="2400" i="1" dirty="0" err="1"/>
               <a:t>resource</a:t>
             </a:r>
             <a:r>
-              <a:rPr lang="de-DE" sz="2400" i="1" dirty="0" smtClean="0"/>
-              <a:t> </a:t>
-            </a:r>
-            <a:r>
-              <a:rPr lang="de-DE" sz="2400" i="1" dirty="0" err="1" smtClean="0"/>
+              <a:rPr lang="de-DE" sz="2400" i="1" dirty="0"/>
+              <a:t> </a:t>
+            </a:r>
+            <a:r>
+              <a:rPr lang="de-DE" sz="2400" i="1" dirty="0" err="1"/>
               <a:t>for</a:t>
             </a:r>
             <a:r>
-              <a:rPr lang="de-DE" sz="2400" i="1" dirty="0" smtClean="0"/>
-              <a:t> </a:t>
-            </a:r>
-            <a:r>
-              <a:rPr lang="de-DE" sz="2400" i="1" dirty="0" err="1" smtClean="0"/>
+              <a:rPr lang="de-DE" sz="2400" i="1" dirty="0"/>
+              <a:t> </a:t>
+            </a:r>
+            <a:r>
+              <a:rPr lang="de-DE" sz="2400" i="1" dirty="0" err="1"/>
               <a:t>the</a:t>
             </a:r>
             <a:r>
-              <a:rPr lang="de-DE" sz="2400" i="1" dirty="0" smtClean="0"/>
-              <a:t> </a:t>
-            </a:r>
-            <a:r>
-              <a:rPr lang="de-DE" sz="2400" i="1" dirty="0" err="1" smtClean="0"/>
+              <a:rPr lang="de-DE" sz="2400" i="1" dirty="0"/>
+              <a:t> </a:t>
+            </a:r>
+            <a:r>
+              <a:rPr lang="de-DE" sz="2400" i="1" dirty="0" err="1"/>
               <a:t>higher</a:t>
             </a:r>
             <a:r>
-              <a:rPr lang="de-DE" sz="2400" i="1" dirty="0" smtClean="0"/>
-              <a:t> </a:t>
-            </a:r>
-            <a:r>
-              <a:rPr lang="de-DE" sz="2400" i="1" dirty="0" err="1" smtClean="0"/>
+              <a:rPr lang="de-DE" sz="2400" i="1" dirty="0"/>
+              <a:t> </a:t>
+            </a:r>
+            <a:r>
+              <a:rPr lang="de-DE" sz="2400" i="1" dirty="0" err="1"/>
               <a:t>priority</a:t>
             </a:r>
             <a:r>
-              <a:rPr lang="de-DE" sz="2400" i="1" dirty="0" smtClean="0"/>
-              <a:t> </a:t>
-            </a:r>
-            <a:r>
-              <a:rPr lang="de-DE" sz="2400" i="1" dirty="0" err="1" smtClean="0"/>
+              <a:rPr lang="de-DE" sz="2400" i="1" dirty="0"/>
+              <a:t> </a:t>
+            </a:r>
+            <a:r>
+              <a:rPr lang="de-DE" sz="2400" i="1" dirty="0" err="1"/>
               <a:t>task</a:t>
             </a:r>
             <a:r>
-              <a:rPr lang="de-DE" sz="2400" i="1" dirty="0" smtClean="0"/>
+              <a:rPr lang="de-DE" sz="2400" i="1" dirty="0"/>
               <a:t>.</a:t>
             </a:r>
-            <a:endParaRPr lang="de-DE" sz="2400" i="1" dirty="0"/>
           </a:p>
           <a:p>
             <a:endParaRPr lang="de-DE" dirty="0"/>
@@ -5210,7 +5400,7 @@
                                         <p:tgtEl>
                                           <p:spTgt spid="3">
                                             <p:txEl>
-                                              <p:pRg st="1" end="1"/>
+                                              <p:pRg st="4" end="4"/>
                                             </p:txEl>
                                           </p:spTgt>
                                         </p:tgtEl>
@@ -5241,7 +5431,7 @@
                                         <p:tgtEl>
                                           <p:spTgt spid="3">
                                             <p:txEl>
-                                              <p:pRg st="2" end="2"/>
+                                              <p:pRg st="5" end="5"/>
                                             </p:txEl>
                                           </p:spTgt>
                                         </p:tgtEl>
@@ -5290,7 +5480,7 @@
                                         <p:tgtEl>
                                           <p:spTgt spid="3">
                                             <p:txEl>
-                                              <p:pRg st="6" end="6"/>
+                                              <p:pRg st="8" end="8"/>
                                             </p:txEl>
                                           </p:spTgt>
                                         </p:tgtEl>
@@ -5427,13 +5617,6 @@
   <p:clrMapOvr>
     <a:masterClrMapping/>
   </p:clrMapOvr>
-  <p:timing>
-    <p:tnLst>
-      <p:par>
-        <p:cTn id="1" dur="indefinite" restart="never" nodeType="tmRoot"/>
-      </p:par>
-    </p:tnLst>
-  </p:timing>
 </p:sld>
 </file>
 
@@ -5524,13 +5707,6 @@
   <p:clrMapOvr>
     <a:masterClrMapping/>
   </p:clrMapOvr>
-  <p:timing>
-    <p:tnLst>
-      <p:par>
-        <p:cTn id="1" dur="indefinite" restart="never" nodeType="tmRoot"/>
-      </p:par>
-    </p:tnLst>
-  </p:timing>
 </p:sld>
 </file>
 
@@ -5753,13 +5929,6 @@
   <p:clrMapOvr>
     <a:masterClrMapping/>
   </p:clrMapOvr>
-  <p:timing>
-    <p:tnLst>
-      <p:par>
-        <p:cTn id="1" dur="indefinite" restart="never" nodeType="tmRoot"/>
-      </p:par>
-    </p:tnLst>
-  </p:timing>
 </p:sld>
 </file>
 
@@ -5894,13 +6063,6 @@
   <p:clrMapOvr>
     <a:masterClrMapping/>
   </p:clrMapOvr>
-  <p:timing>
-    <p:tnLst>
-      <p:par>
-        <p:cTn id="1" dur="indefinite" restart="never" nodeType="tmRoot"/>
-      </p:par>
-    </p:tnLst>
-  </p:timing>
 </p:sld>
 </file>
 
@@ -5983,13 +6145,6 @@
   <p:clrMapOvr>
     <a:masterClrMapping/>
   </p:clrMapOvr>
-  <p:timing>
-    <p:tnLst>
-      <p:par>
-        <p:cTn id="1" dur="indefinite" restart="never" nodeType="tmRoot"/>
-      </p:par>
-    </p:tnLst>
-  </p:timing>
 </p:sld>
 </file>
 
@@ -6072,13 +6227,6 @@
   <p:clrMapOvr>
     <a:masterClrMapping/>
   </p:clrMapOvr>
-  <p:timing>
-    <p:tnLst>
-      <p:par>
-        <p:cTn id="1" dur="indefinite" restart="never" nodeType="tmRoot"/>
-      </p:par>
-    </p:tnLst>
-  </p:timing>
 </p:sld>
 </file>
 
@@ -6161,13 +6309,6 @@
   <p:clrMapOvr>
     <a:masterClrMapping/>
   </p:clrMapOvr>
-  <p:timing>
-    <p:tnLst>
-      <p:par>
-        <p:cTn id="1" dur="indefinite" restart="never" nodeType="tmRoot"/>
-      </p:par>
-    </p:tnLst>
-  </p:timing>
 </p:sld>
 </file>
 
@@ -6209,15 +6350,15 @@
           <a:lstStyle/>
           <a:p>
             <a:r>
-              <a:rPr lang="de-DE" dirty="0" err="1" smtClean="0"/>
+              <a:rPr lang="de-DE" dirty="0" err="1"/>
               <a:t>Synchronization</a:t>
             </a:r>
             <a:r>
-              <a:rPr lang="de-DE" dirty="0" smtClean="0"/>
-              <a:t> </a:t>
-            </a:r>
-            <a:r>
-              <a:rPr lang="de-DE" dirty="0" err="1" smtClean="0"/>
+              <a:rPr lang="de-DE" dirty="0"/>
+              <a:t> </a:t>
+            </a:r>
+            <a:r>
+              <a:rPr lang="de-DE" dirty="0" err="1"/>
               <a:t>Fundamentals</a:t>
             </a:r>
             <a:endParaRPr lang="de-DE" dirty="0"/>
@@ -6242,82 +6383,82 @@
           <a:lstStyle/>
           <a:p>
             <a:r>
-              <a:rPr lang="de-DE" dirty="0" err="1" smtClean="0"/>
+              <a:rPr lang="de-DE" dirty="0" err="1"/>
               <a:t>Semaphores</a:t>
             </a:r>
             <a:r>
-              <a:rPr lang="de-DE" dirty="0" smtClean="0"/>
+              <a:rPr lang="de-DE" dirty="0"/>
               <a:t> (</a:t>
             </a:r>
             <a:r>
-              <a:rPr lang="de-DE" dirty="0" err="1" smtClean="0"/>
+              <a:rPr lang="de-DE" dirty="0" err="1"/>
               <a:t>Sync</a:t>
             </a:r>
             <a:r>
-              <a:rPr lang="de-DE" dirty="0" smtClean="0"/>
-              <a:t> </a:t>
-            </a:r>
-            <a:r>
-              <a:rPr lang="de-DE" dirty="0" err="1" smtClean="0"/>
+              <a:rPr lang="de-DE" dirty="0"/>
+              <a:t> </a:t>
+            </a:r>
+            <a:r>
+              <a:rPr lang="de-DE" dirty="0" err="1"/>
               <a:t>and</a:t>
             </a:r>
             <a:r>
-              <a:rPr lang="de-DE" dirty="0" smtClean="0"/>
-              <a:t> </a:t>
-            </a:r>
-            <a:r>
-              <a:rPr lang="de-DE" dirty="0" err="1" smtClean="0"/>
+              <a:rPr lang="de-DE" dirty="0"/>
+              <a:t> </a:t>
+            </a:r>
+            <a:r>
+              <a:rPr lang="de-DE" dirty="0" err="1"/>
               <a:t>Notify</a:t>
             </a:r>
             <a:r>
-              <a:rPr lang="de-DE" dirty="0" smtClean="0"/>
+              <a:rPr lang="de-DE" dirty="0"/>
               <a:t>)</a:t>
             </a:r>
           </a:p>
           <a:p>
-            <a:endParaRPr lang="de-DE" dirty="0" smtClean="0"/>
-          </a:p>
-          <a:p>
-            <a:endParaRPr lang="de-DE" dirty="0" smtClean="0"/>
-          </a:p>
-          <a:p>
-            <a:endParaRPr lang="de-DE" dirty="0" smtClean="0"/>
-          </a:p>
-          <a:p>
-            <a:r>
-              <a:rPr lang="de-DE" dirty="0" err="1" smtClean="0"/>
+            <a:endParaRPr lang="de-DE" dirty="0"/>
+          </a:p>
+          <a:p>
+            <a:endParaRPr lang="de-DE" dirty="0"/>
+          </a:p>
+          <a:p>
+            <a:endParaRPr lang="de-DE" dirty="0"/>
+          </a:p>
+          <a:p>
+            <a:r>
+              <a:rPr lang="de-DE" dirty="0" err="1"/>
               <a:t>Mutex</a:t>
             </a:r>
             <a:r>
-              <a:rPr lang="de-DE" dirty="0" smtClean="0"/>
+              <a:rPr lang="de-DE" dirty="0"/>
               <a:t> (Mutual </a:t>
             </a:r>
             <a:r>
-              <a:rPr lang="de-DE" dirty="0" err="1" smtClean="0"/>
+              <a:rPr lang="de-DE" dirty="0" err="1"/>
               <a:t>Exclusion</a:t>
             </a:r>
             <a:r>
-              <a:rPr lang="de-DE" dirty="0" smtClean="0"/>
+              <a:rPr lang="de-DE" dirty="0"/>
               <a:t>)</a:t>
             </a:r>
           </a:p>
           <a:p>
-            <a:endParaRPr lang="de-DE" dirty="0" smtClean="0"/>
-          </a:p>
-          <a:p>
-            <a:endParaRPr lang="de-DE" dirty="0" smtClean="0"/>
-          </a:p>
-          <a:p>
-            <a:endParaRPr lang="de-DE" dirty="0" smtClean="0"/>
-          </a:p>
-          <a:p>
-            <a:r>
-              <a:rPr lang="de-DE" dirty="0" smtClean="0"/>
+            <a:endParaRPr lang="de-DE" dirty="0"/>
+          </a:p>
+          <a:p>
+            <a:endParaRPr lang="de-DE" dirty="0"/>
+          </a:p>
+          <a:p>
+            <a:endParaRPr lang="de-DE" dirty="0"/>
+          </a:p>
+          <a:p>
+            <a:r>
+              <a:rPr lang="de-DE" dirty="0"/>
               <a:t>Message Queues (Communication)</a:t>
             </a:r>
           </a:p>
           <a:p>
-            <a:endParaRPr lang="de-DE" dirty="0" smtClean="0"/>
+            <a:endParaRPr lang="de-DE" dirty="0"/>
           </a:p>
         </p:txBody>
       </p:sp>
@@ -6403,13 +6544,6 @@
   <p:clrMapOvr>
     <a:masterClrMapping/>
   </p:clrMapOvr>
-  <p:timing>
-    <p:tnLst>
-      <p:par>
-        <p:cTn id="1" dur="indefinite" restart="never" nodeType="tmRoot"/>
-      </p:par>
-    </p:tnLst>
-  </p:timing>
 </p:sld>
 </file>
 

--- a/Recap/RecapPP.pptx
+++ b/Recap/RecapPP.pptx
@@ -4450,6 +4450,13 @@
   <p:clrMapOvr>
     <a:masterClrMapping/>
   </p:clrMapOvr>
+  <p:timing>
+    <p:tnLst>
+      <p:par>
+        <p:cTn id="1" dur="indefinite" restart="never" nodeType="tmRoot"/>
+      </p:par>
+    </p:tnLst>
+  </p:timing>
 </p:sld>
 </file>
 
@@ -5367,159 +5374,7 @@
   <p:timing>
     <p:tnLst>
       <p:par>
-        <p:cTn id="1" dur="indefinite" restart="never" nodeType="tmRoot">
-          <p:childTnLst>
-            <p:seq concurrent="1" nextAc="seek">
-              <p:cTn id="2" dur="indefinite" nodeType="mainSeq">
-                <p:childTnLst>
-                  <p:par>
-                    <p:cTn id="3" fill="hold">
-                      <p:stCondLst>
-                        <p:cond delay="indefinite"/>
-                      </p:stCondLst>
-                      <p:childTnLst>
-                        <p:par>
-                          <p:cTn id="4" fill="hold">
-                            <p:stCondLst>
-                              <p:cond delay="0"/>
-                            </p:stCondLst>
-                            <p:childTnLst>
-                              <p:par>
-                                <p:cTn id="5" presetID="1" presetClass="entr" presetSubtype="0" fill="hold" nodeType="clickEffect">
-                                  <p:stCondLst>
-                                    <p:cond delay="0"/>
-                                  </p:stCondLst>
-                                  <p:childTnLst>
-                                    <p:set>
-                                      <p:cBhvr>
-                                        <p:cTn id="6" dur="1" fill="hold">
-                                          <p:stCondLst>
-                                            <p:cond delay="0"/>
-                                          </p:stCondLst>
-                                        </p:cTn>
-                                        <p:tgtEl>
-                                          <p:spTgt spid="3">
-                                            <p:txEl>
-                                              <p:pRg st="4" end="4"/>
-                                            </p:txEl>
-                                          </p:spTgt>
-                                        </p:tgtEl>
-                                        <p:attrNameLst>
-                                          <p:attrName>style.visibility</p:attrName>
-                                        </p:attrNameLst>
-                                      </p:cBhvr>
-                                      <p:to>
-                                        <p:strVal val="visible"/>
-                                      </p:to>
-                                    </p:set>
-                                  </p:childTnLst>
-                                </p:cTn>
-                              </p:par>
-                              <p:par>
-                                <p:cTn id="7" presetID="1" presetClass="entr" presetSubtype="0" fill="hold" nodeType="withEffect">
-                                  <p:stCondLst>
-                                    <p:cond delay="0"/>
-                                  </p:stCondLst>
-                                  <p:childTnLst>
-                                    <p:set>
-                                      <p:cBhvr>
-                                        <p:cTn id="8" dur="1" fill="hold">
-                                          <p:stCondLst>
-                                            <p:cond delay="0"/>
-                                          </p:stCondLst>
-                                        </p:cTn>
-                                        <p:tgtEl>
-                                          <p:spTgt spid="3">
-                                            <p:txEl>
-                                              <p:pRg st="5" end="5"/>
-                                            </p:txEl>
-                                          </p:spTgt>
-                                        </p:tgtEl>
-                                        <p:attrNameLst>
-                                          <p:attrName>style.visibility</p:attrName>
-                                        </p:attrNameLst>
-                                      </p:cBhvr>
-                                      <p:to>
-                                        <p:strVal val="visible"/>
-                                      </p:to>
-                                    </p:set>
-                                  </p:childTnLst>
-                                </p:cTn>
-                              </p:par>
-                            </p:childTnLst>
-                          </p:cTn>
-                        </p:par>
-                      </p:childTnLst>
-                    </p:cTn>
-                  </p:par>
-                  <p:par>
-                    <p:cTn id="9" fill="hold">
-                      <p:stCondLst>
-                        <p:cond delay="indefinite"/>
-                      </p:stCondLst>
-                      <p:childTnLst>
-                        <p:par>
-                          <p:cTn id="10" fill="hold">
-                            <p:stCondLst>
-                              <p:cond delay="0"/>
-                            </p:stCondLst>
-                            <p:childTnLst>
-                              <p:par>
-                                <p:cTn id="11" presetID="1" presetClass="entr" presetSubtype="0" fill="hold" nodeType="clickEffect">
-                                  <p:stCondLst>
-                                    <p:cond delay="0"/>
-                                  </p:stCondLst>
-                                  <p:childTnLst>
-                                    <p:set>
-                                      <p:cBhvr>
-                                        <p:cTn id="12" dur="1" fill="hold">
-                                          <p:stCondLst>
-                                            <p:cond delay="0"/>
-                                          </p:stCondLst>
-                                        </p:cTn>
-                                        <p:tgtEl>
-                                          <p:spTgt spid="3">
-                                            <p:txEl>
-                                              <p:pRg st="8" end="8"/>
-                                            </p:txEl>
-                                          </p:spTgt>
-                                        </p:tgtEl>
-                                        <p:attrNameLst>
-                                          <p:attrName>style.visibility</p:attrName>
-                                        </p:attrNameLst>
-                                      </p:cBhvr>
-                                      <p:to>
-                                        <p:strVal val="visible"/>
-                                      </p:to>
-                                    </p:set>
-                                  </p:childTnLst>
-                                </p:cTn>
-                              </p:par>
-                            </p:childTnLst>
-                          </p:cTn>
-                        </p:par>
-                      </p:childTnLst>
-                    </p:cTn>
-                  </p:par>
-                </p:childTnLst>
-              </p:cTn>
-              <p:prevCondLst>
-                <p:cond evt="onPrev" delay="0">
-                  <p:tgtEl>
-                    <p:sldTgt/>
-                  </p:tgtEl>
-                </p:cond>
-              </p:prevCondLst>
-              <p:nextCondLst>
-                <p:cond evt="onNext" delay="0">
-                  <p:tgtEl>
-                    <p:sldTgt/>
-                  </p:tgtEl>
-                </p:cond>
-              </p:nextCondLst>
-            </p:seq>
-          </p:childTnLst>
-        </p:cTn>
+        <p:cTn id="1" dur="indefinite" restart="never" nodeType="tmRoot"/>
       </p:par>
     </p:tnLst>
   </p:timing>
